--- a/Presentation-Churn-JalalMahmud.pptx
+++ b/Presentation-Churn-JalalMahmud.pptx
@@ -3942,7 +3942,7 @@
                 <a:effectLst/>
                 <a:latin typeface="Courier New" panose="02070309020205020404" pitchFamily="49" charset="0"/>
               </a:rPr>
-              <a:t>Higher distance from home to warehouse increases churn. 15% of users for whom Warehouse is within 5 to 25 mile from their home Churned, whereas more than 20% users Churned when the Warehouse is within 25 to 45 miles away from home.</a:t>
+              <a:t>Higher distance from home to warehouse increases churn. 15% of customers for whom Warehouse is within 5 to 25 mile from their home Churned, whereas more than 20% users Churned when the Warehouse is within 25 to 45 miles away from home.</a:t>
             </a:r>
           </a:p>
           <a:p>
@@ -3980,7 +3980,7 @@
                 <a:effectLst/>
                 <a:latin typeface="Courier New" panose="02070309020205020404" pitchFamily="49" charset="0"/>
               </a:rPr>
-              <a:t>From CX perspective, users who live far from the warehouse could be incentivized/engaged to prevent their high likelihood of Churn </a:t>
+              <a:t>From CX perspective, users who live far from the warehouse could be incentivized/engaged to prevent their high likelihood of Churn. </a:t>
             </a:r>
           </a:p>
           <a:p>
@@ -4204,7 +4204,7 @@
                 <a:effectLst/>
                 <a:latin typeface="Courier New" panose="02070309020205020404" pitchFamily="49" charset="0"/>
               </a:rPr>
-              <a:t> shows variations of Churn behavior. Users who preferred COD as their payment method Churned more (~28%). CC and E-wallet also show more than 20% Churn.</a:t>
+              <a:t> shows variations of Churn behavior. Customers who preferred COD as their payment method Churned more (~28%). CC and E-wallet also show more than 20% Churn.</a:t>
             </a:r>
             <a:endParaRPr lang="en-US" dirty="0">
               <a:solidFill>
@@ -5321,7 +5321,7 @@
         <p:spPr>
           <a:xfrm>
             <a:off x="6092284" y="2091802"/>
-            <a:ext cx="6099716" cy="2585323"/>
+            <a:ext cx="6099716" cy="3693319"/>
           </a:xfrm>
           <a:prstGeom prst="rect">
             <a:avLst/>
@@ -5358,7 +5358,44 @@
                 <a:effectLst/>
                 <a:latin typeface="Courier New" panose="02070309020205020404" pitchFamily="49" charset="0"/>
               </a:rPr>
-              <a:t>  data shows counter intuitive </a:t>
+              <a:t>  data shows counter intuitive. </a:t>
+            </a:r>
+          </a:p>
+          <a:p>
+            <a:endParaRPr lang="en-US" b="0" dirty="0">
+              <a:solidFill>
+                <a:srgbClr val="008000"/>
+              </a:solidFill>
+              <a:effectLst/>
+              <a:latin typeface="Courier New" panose="02070309020205020404" pitchFamily="49" charset="0"/>
+            </a:endParaRPr>
+          </a:p>
+          <a:p>
+            <a:pPr marL="285750" indent="-285750">
+              <a:buFont typeface="Arial" panose="020B0604020202020204" pitchFamily="34" charset="0"/>
+              <a:buChar char="•"/>
+            </a:pPr>
+            <a:r>
+              <a:rPr lang="en-US" b="0" dirty="0">
+                <a:solidFill>
+                  <a:srgbClr val="008000"/>
+                </a:solidFill>
+                <a:effectLst/>
+                <a:latin typeface="Courier New" panose="02070309020205020404" pitchFamily="49" charset="0"/>
+              </a:rPr>
+              <a:t>From CX perspective, Customers who are least satisfied should be engaged.</a:t>
+            </a:r>
+          </a:p>
+          <a:p>
+            <a:r>
+              <a:rPr lang="en-US" b="0" dirty="0">
+                <a:solidFill>
+                  <a:srgbClr val="008000"/>
+                </a:solidFill>
+                <a:effectLst/>
+                <a:latin typeface="Courier New" panose="02070309020205020404" pitchFamily="49" charset="0"/>
+              </a:rPr>
+              <a:t> </a:t>
             </a:r>
           </a:p>
           <a:p>
@@ -7440,7 +7477,7 @@
         <p:spPr>
           <a:xfrm>
             <a:off x="6011917" y="1980479"/>
-            <a:ext cx="6096000" cy="3139321"/>
+            <a:ext cx="6096000" cy="3693319"/>
           </a:xfrm>
           <a:prstGeom prst="rect">
             <a:avLst/>
@@ -7465,7 +7502,7 @@
                 <a:effectLst/>
                 <a:latin typeface="Courier New" panose="02070309020205020404" pitchFamily="49" charset="0"/>
               </a:rPr>
-              <a:t>This shows that people churn less when their order amount hikes more from last year. Order amount hike shows increased engagement with the app, and it is a clear indicator of engagement.</a:t>
+              <a:t>This shows that people churn less when their order amount hikes more from last year. Order amount hike shows increased engagement with the app, and it is a clear indicator of engagement.  So this is intuitive. </a:t>
             </a:r>
             <a:endParaRPr lang="en-US" dirty="0">
               <a:solidFill>
@@ -7487,7 +7524,7 @@
                 <a:effectLst/>
                 <a:latin typeface="Courier New" panose="02070309020205020404" pitchFamily="49" charset="0"/>
               </a:rPr>
-              <a:t>From CX standpoint, users who show less hikes in order amount should be engaged.</a:t>
+              <a:t>From CX standpoint, customers who show less hikes in order amount should be engaged.</a:t>
             </a:r>
           </a:p>
           <a:p>
@@ -8106,7 +8143,7 @@
         <p:spPr>
           <a:xfrm>
             <a:off x="5917325" y="1899197"/>
-            <a:ext cx="6096000" cy="2862322"/>
+            <a:ext cx="6096000" cy="2308324"/>
           </a:xfrm>
           <a:prstGeom prst="rect">
             <a:avLst/>
@@ -8131,22 +8168,7 @@
                 <a:effectLst/>
                 <a:latin typeface="Courier New" panose="02070309020205020404" pitchFamily="49" charset="0"/>
               </a:rPr>
-              <a:t>Intuitively, users who did not put any order recently are more likely to churn. </a:t>
-            </a:r>
-          </a:p>
-          <a:p>
-            <a:pPr marL="285750" indent="-285750">
-              <a:buFont typeface="Arial" panose="020B0604020202020204" pitchFamily="34" charset="0"/>
-              <a:buChar char="•"/>
-            </a:pPr>
-            <a:r>
-              <a:rPr lang="en-US" dirty="0">
-                <a:solidFill>
-                  <a:srgbClr val="008000"/>
-                </a:solidFill>
-                <a:latin typeface="Courier New" panose="02070309020205020404" pitchFamily="49" charset="0"/>
-              </a:rPr>
-              <a:t>For the right most bar, this is clearly observed. However, that’s an outlier (only 1 such customer).  </a:t>
+              <a:t>Intuitively, customers who did not put any order recently are more likely to churn. </a:t>
             </a:r>
           </a:p>
           <a:p>
@@ -9232,7 +9254,7 @@
             <a:pPr lvl="1"/>
             <a:r>
               <a:rPr lang="en-US" dirty="0"/>
-              <a:t>We saw that users are more likely to churn in their first 3 months, so engage with such customers</a:t>
+              <a:t>We saw that users are more likely to churn in their first 3 months, especially during the first month. So engage with such customers.</a:t>
             </a:r>
           </a:p>
           <a:p>
@@ -9397,7 +9419,7 @@
         </p:spPr>
         <p:txBody>
           <a:bodyPr>
-            <a:normAutofit lnSpcReduction="10000"/>
+            <a:normAutofit fontScale="70000" lnSpcReduction="20000"/>
           </a:bodyPr>
           <a:lstStyle/>
           <a:p>
@@ -9407,6 +9429,12 @@
             </a:r>
           </a:p>
           <a:p>
+            <a:pPr marL="457200" lvl="1" indent="0">
+              <a:buNone/>
+            </a:pPr>
+            <a:endParaRPr lang="en-US" b="1" dirty="0"/>
+          </a:p>
+          <a:p>
             <a:pPr lvl="1"/>
             <a:r>
               <a:rPr lang="en-US" dirty="0"/>
@@ -9428,10 +9456,21 @@
             </a:r>
           </a:p>
           <a:p>
+            <a:pPr lvl="2"/>
+            <a:r>
+              <a:rPr lang="en-US" dirty="0"/>
+              <a:t>A tool can be built which feeds features (customer attributes) to the ML model, and output the prediction to end users (churn or no churn)</a:t>
+            </a:r>
+          </a:p>
+          <a:p>
+            <a:pPr lvl="2"/>
+            <a:endParaRPr lang="en-US" dirty="0"/>
+          </a:p>
+          <a:p>
             <a:pPr lvl="1"/>
             <a:r>
               <a:rPr lang="en-US" dirty="0"/>
-              <a:t>Since our ML modeling is based on decision tree, it outputs explainable rules to explain the decision-making process to determine churn/no-churn.  </a:t>
+              <a:t>Since our ML modeling is based on decision tree, it has explainable rules to explain the decision-making process to determine churn/no-churn.  </a:t>
             </a:r>
           </a:p>
           <a:p>
@@ -9446,6 +9485,24 @@
             <a:r>
               <a:rPr lang="en-US" dirty="0"/>
               <a:t>Increasing depth of the decision tree increases accuracy, however the tree becomes more complex (and hence rules become complex and number of rules increases) </a:t>
+            </a:r>
+          </a:p>
+          <a:p>
+            <a:pPr lvl="2"/>
+            <a:endParaRPr lang="en-US" dirty="0"/>
+          </a:p>
+          <a:p>
+            <a:pPr lvl="1"/>
+            <a:r>
+              <a:rPr lang="en-US" dirty="0"/>
+              <a:t>If our focus is no getting the most accurate prediction for churn vs. no-churn, then we will use the decision tree with depth = 15. However the rules are complex (many rules and long rules). </a:t>
+            </a:r>
+          </a:p>
+          <a:p>
+            <a:pPr lvl="1"/>
+            <a:r>
+              <a:rPr lang="en-US" dirty="0"/>
+              <a:t>However, if we want to focus on simpler rules, then we use the decision tree with smaller depth (e.g., 3, 5). </a:t>
             </a:r>
           </a:p>
         </p:txBody>
@@ -10032,7 +10089,7 @@
         </p:spPr>
         <p:txBody>
           <a:bodyPr>
-            <a:normAutofit/>
+            <a:normAutofit lnSpcReduction="10000"/>
           </a:bodyPr>
           <a:lstStyle/>
           <a:p>
@@ -10095,7 +10152,7 @@
                 <a:ea typeface="Times New Roman" panose="02020603050405020304" pitchFamily="18" charset="0"/>
                 <a:cs typeface="Calibri" panose="020F0502020204030204" pitchFamily="34" charset="0"/>
               </a:rPr>
-              <a:t>If Tenure &lt;= 1.5 months and Complain = 1 </a:t>
+              <a:t>If Tenure &lt;= 1 month and Complain = 1 </a:t>
             </a:r>
             <a:endParaRPr lang="en-US" sz="2000" dirty="0">
               <a:effectLst/>
@@ -10140,7 +10197,7 @@
                 <a:ea typeface="Times New Roman" panose="02020603050405020304" pitchFamily="18" charset="0"/>
                 <a:cs typeface="Calibri" panose="020F0502020204030204" pitchFamily="34" charset="0"/>
               </a:rPr>
-              <a:t>If Tenure &lt;= 1.5 months and Complain = 0 and </a:t>
+              <a:t>If Tenure &lt;= 1 month and Complain = 0 and </a:t>
             </a:r>
             <a:r>
               <a:rPr lang="en-US" sz="2000" dirty="0" err="1">
@@ -10203,7 +10260,7 @@
                 <a:ea typeface="Times New Roman" panose="02020603050405020304" pitchFamily="18" charset="0"/>
                 <a:cs typeface="Calibri" panose="020F0502020204030204" pitchFamily="34" charset="0"/>
               </a:rPr>
-              <a:t>If Tenure &gt; 1.5 months and </a:t>
+              <a:t>If Tenure &gt; 1 month and </a:t>
             </a:r>
             <a:r>
               <a:rPr lang="en-US" sz="2000" dirty="0" err="1">
@@ -10291,24 +10348,505 @@
                 <a:ea typeface="Calibri" panose="020F0502020204030204" pitchFamily="34" charset="0"/>
                 <a:cs typeface="Calibri" panose="020F0502020204030204" pitchFamily="34" charset="0"/>
               </a:rPr>
-              <a:t>From CX standpoint, recommendation is to focus on only 3 attributes (Tenure, Complain and </a:t>
-            </a:r>
-            <a:r>
-              <a:rPr lang="en-US" sz="2400" dirty="0" err="1">
-                <a:latin typeface="Calibri" panose="020F0502020204030204" pitchFamily="34" charset="0"/>
-                <a:ea typeface="Calibri" panose="020F0502020204030204" pitchFamily="34" charset="0"/>
-                <a:cs typeface="Calibri" panose="020F0502020204030204" pitchFamily="34" charset="0"/>
-              </a:rPr>
-              <a:t>CashbackAmount</a:t>
-            </a:r>
+              <a:t>From CX standpoint, recommendation is to proactively engage with the customer to prevent churn if any of the above rules are true </a:t>
+            </a:r>
+          </a:p>
+          <a:p>
+            <a:pPr marL="285750" indent="-285750">
+              <a:spcBef>
+                <a:spcPts val="0"/>
+              </a:spcBef>
+              <a:buFont typeface="Courier New" panose="02070309020205020404" pitchFamily="49" charset="0"/>
+              <a:buChar char="o"/>
+              <a:tabLst>
+                <a:tab pos="581660" algn="l"/>
+                <a:tab pos="1163320" algn="l"/>
+                <a:tab pos="1744980" algn="l"/>
+                <a:tab pos="2326640" algn="l"/>
+                <a:tab pos="2908300" algn="l"/>
+                <a:tab pos="3489960" algn="l"/>
+                <a:tab pos="4071620" algn="l"/>
+                <a:tab pos="4653280" algn="l"/>
+                <a:tab pos="5234940" algn="l"/>
+                <a:tab pos="5816600" algn="l"/>
+                <a:tab pos="6398260" algn="l"/>
+                <a:tab pos="6979920" algn="l"/>
+                <a:tab pos="7561580" algn="l"/>
+                <a:tab pos="8143240" algn="l"/>
+                <a:tab pos="8724900" algn="l"/>
+                <a:tab pos="9306560" algn="l"/>
+              </a:tabLst>
+            </a:pPr>
+            <a:endParaRPr lang="en-US" sz="2400" dirty="0">
+              <a:latin typeface="Calibri" panose="020F0502020204030204" pitchFamily="34" charset="0"/>
+              <a:ea typeface="Calibri" panose="020F0502020204030204" pitchFamily="34" charset="0"/>
+              <a:cs typeface="Calibri" panose="020F0502020204030204" pitchFamily="34" charset="0"/>
+            </a:endParaRPr>
+          </a:p>
+          <a:p>
+            <a:pPr marL="285750" indent="-285750">
+              <a:spcBef>
+                <a:spcPts val="0"/>
+              </a:spcBef>
+              <a:buFont typeface="Courier New" panose="02070309020205020404" pitchFamily="49" charset="0"/>
+              <a:buChar char="o"/>
+              <a:tabLst>
+                <a:tab pos="581660" algn="l"/>
+                <a:tab pos="1163320" algn="l"/>
+                <a:tab pos="1744980" algn="l"/>
+                <a:tab pos="2326640" algn="l"/>
+                <a:tab pos="2908300" algn="l"/>
+                <a:tab pos="3489960" algn="l"/>
+                <a:tab pos="4071620" algn="l"/>
+                <a:tab pos="4653280" algn="l"/>
+                <a:tab pos="5234940" algn="l"/>
+                <a:tab pos="5816600" algn="l"/>
+                <a:tab pos="6398260" algn="l"/>
+                <a:tab pos="6979920" algn="l"/>
+                <a:tab pos="7561580" algn="l"/>
+                <a:tab pos="8143240" algn="l"/>
+                <a:tab pos="8724900" algn="l"/>
+                <a:tab pos="9306560" algn="l"/>
+              </a:tabLst>
+            </a:pPr>
             <a:r>
               <a:rPr lang="en-US" sz="2400" dirty="0">
                 <a:latin typeface="Calibri" panose="020F0502020204030204" pitchFamily="34" charset="0"/>
                 <a:ea typeface="Calibri" panose="020F0502020204030204" pitchFamily="34" charset="0"/>
                 <a:cs typeface="Calibri" panose="020F0502020204030204" pitchFamily="34" charset="0"/>
               </a:rPr>
-              <a:t>) and if any of the above rules are true proactively engage with the customer to prevent churn. </a:t>
-            </a:r>
+              <a:t>We can generate more rules to predict churn from few other models we have developed. Some examples: </a:t>
+            </a:r>
+          </a:p>
+          <a:p>
+            <a:pPr marL="285750" indent="-285750">
+              <a:spcBef>
+                <a:spcPts val="0"/>
+              </a:spcBef>
+              <a:buFont typeface="Courier New" panose="02070309020205020404" pitchFamily="49" charset="0"/>
+              <a:buChar char="o"/>
+              <a:tabLst>
+                <a:tab pos="581660" algn="l"/>
+                <a:tab pos="1163320" algn="l"/>
+                <a:tab pos="1744980" algn="l"/>
+                <a:tab pos="2326640" algn="l"/>
+                <a:tab pos="2908300" algn="l"/>
+                <a:tab pos="3489960" algn="l"/>
+                <a:tab pos="4071620" algn="l"/>
+                <a:tab pos="4653280" algn="l"/>
+                <a:tab pos="5234940" algn="l"/>
+                <a:tab pos="5816600" algn="l"/>
+                <a:tab pos="6398260" algn="l"/>
+                <a:tab pos="6979920" algn="l"/>
+                <a:tab pos="7561580" algn="l"/>
+                <a:tab pos="8143240" algn="l"/>
+                <a:tab pos="8724900" algn="l"/>
+                <a:tab pos="9306560" algn="l"/>
+              </a:tabLst>
+            </a:pPr>
+            <a:endParaRPr lang="en-US" sz="2400" dirty="0">
+              <a:latin typeface="Calibri" panose="020F0502020204030204" pitchFamily="34" charset="0"/>
+              <a:ea typeface="Calibri" panose="020F0502020204030204" pitchFamily="34" charset="0"/>
+              <a:cs typeface="Calibri" panose="020F0502020204030204" pitchFamily="34" charset="0"/>
+            </a:endParaRPr>
+          </a:p>
+          <a:p>
+            <a:pPr marL="742950" lvl="1" indent="-285750">
+              <a:spcBef>
+                <a:spcPts val="0"/>
+              </a:spcBef>
+              <a:buFont typeface="Courier New" panose="02070309020205020404" pitchFamily="49" charset="0"/>
+              <a:buChar char="o"/>
+              <a:tabLst>
+                <a:tab pos="581660" algn="l"/>
+                <a:tab pos="1163320" algn="l"/>
+                <a:tab pos="1744980" algn="l"/>
+                <a:tab pos="2326640" algn="l"/>
+                <a:tab pos="2908300" algn="l"/>
+                <a:tab pos="3489960" algn="l"/>
+                <a:tab pos="4071620" algn="l"/>
+                <a:tab pos="4653280" algn="l"/>
+                <a:tab pos="5234940" algn="l"/>
+                <a:tab pos="5816600" algn="l"/>
+                <a:tab pos="6398260" algn="l"/>
+                <a:tab pos="6979920" algn="l"/>
+                <a:tab pos="7561580" algn="l"/>
+                <a:tab pos="8143240" algn="l"/>
+                <a:tab pos="8724900" algn="l"/>
+                <a:tab pos="9306560" algn="l"/>
+              </a:tabLst>
+            </a:pPr>
+            <a:r>
+              <a:rPr lang="en-US" sz="2000" dirty="0">
+                <a:effectLst/>
+                <a:ea typeface="Times New Roman" panose="02020603050405020304" pitchFamily="18" charset="0"/>
+                <a:cs typeface="Times New Roman" panose="02020603050405020304" pitchFamily="18" charset="0"/>
+              </a:rPr>
+              <a:t>Tenure &lt;= 1 and Complain = 0 and </a:t>
+            </a:r>
+            <a:r>
+              <a:rPr lang="en-US" sz="2000" dirty="0" err="1">
+                <a:effectLst/>
+                <a:ea typeface="Times New Roman" panose="02020603050405020304" pitchFamily="18" charset="0"/>
+                <a:cs typeface="Times New Roman" panose="02020603050405020304" pitchFamily="18" charset="0"/>
+              </a:rPr>
+              <a:t>NumberOfAddress</a:t>
+            </a:r>
+            <a:r>
+              <a:rPr lang="en-US" sz="2000" dirty="0">
+                <a:effectLst/>
+                <a:ea typeface="Times New Roman" panose="02020603050405020304" pitchFamily="18" charset="0"/>
+                <a:cs typeface="Times New Roman" panose="02020603050405020304" pitchFamily="18" charset="0"/>
+              </a:rPr>
+              <a:t> &lt;= 4 and </a:t>
+            </a:r>
+            <a:r>
+              <a:rPr lang="en-US" sz="2000" dirty="0" err="1">
+                <a:effectLst/>
+                <a:ea typeface="Times New Roman" panose="02020603050405020304" pitchFamily="18" charset="0"/>
+                <a:cs typeface="Times New Roman" panose="02020603050405020304" pitchFamily="18" charset="0"/>
+              </a:rPr>
+              <a:t>DaySinceLastOrder</a:t>
+            </a:r>
+            <a:r>
+              <a:rPr lang="en-US" sz="2000" dirty="0">
+                <a:effectLst/>
+                <a:ea typeface="Times New Roman" panose="02020603050405020304" pitchFamily="18" charset="0"/>
+                <a:cs typeface="Times New Roman" panose="02020603050405020304" pitchFamily="18" charset="0"/>
+              </a:rPr>
+              <a:t> &lt;= 1 and </a:t>
+            </a:r>
+            <a:r>
+              <a:rPr lang="en-US" sz="2000" dirty="0" err="1">
+                <a:effectLst/>
+                <a:ea typeface="Times New Roman" panose="02020603050405020304" pitchFamily="18" charset="0"/>
+                <a:cs typeface="Times New Roman" panose="02020603050405020304" pitchFamily="18" charset="0"/>
+              </a:rPr>
+              <a:t>WarehouseToHome</a:t>
+            </a:r>
+            <a:r>
+              <a:rPr lang="en-US" sz="2000" dirty="0">
+                <a:effectLst/>
+                <a:ea typeface="Times New Roman" panose="02020603050405020304" pitchFamily="18" charset="0"/>
+                <a:cs typeface="Times New Roman" panose="02020603050405020304" pitchFamily="18" charset="0"/>
+              </a:rPr>
+              <a:t> &gt; 22.50 </a:t>
+            </a:r>
+          </a:p>
+          <a:p>
+            <a:pPr marL="742950" lvl="1" indent="-285750">
+              <a:spcBef>
+                <a:spcPts val="0"/>
+              </a:spcBef>
+              <a:buFont typeface="Courier New" panose="02070309020205020404" pitchFamily="49" charset="0"/>
+              <a:buChar char="o"/>
+              <a:tabLst>
+                <a:tab pos="581660" algn="l"/>
+                <a:tab pos="1163320" algn="l"/>
+                <a:tab pos="1744980" algn="l"/>
+                <a:tab pos="2326640" algn="l"/>
+                <a:tab pos="2908300" algn="l"/>
+                <a:tab pos="3489960" algn="l"/>
+                <a:tab pos="4071620" algn="l"/>
+                <a:tab pos="4653280" algn="l"/>
+                <a:tab pos="5234940" algn="l"/>
+                <a:tab pos="5816600" algn="l"/>
+                <a:tab pos="6398260" algn="l"/>
+                <a:tab pos="6979920" algn="l"/>
+                <a:tab pos="7561580" algn="l"/>
+                <a:tab pos="8143240" algn="l"/>
+                <a:tab pos="8724900" algn="l"/>
+                <a:tab pos="9306560" algn="l"/>
+              </a:tabLst>
+            </a:pPr>
+            <a:r>
+              <a:rPr lang="en-US" sz="2000" dirty="0">
+                <a:effectLst/>
+                <a:ea typeface="Times New Roman" panose="02020603050405020304" pitchFamily="18" charset="0"/>
+                <a:cs typeface="Times New Roman" panose="02020603050405020304" pitchFamily="18" charset="0"/>
+              </a:rPr>
+              <a:t>Tenure &lt;= 1 and Complain = 0 and </a:t>
+            </a:r>
+            <a:r>
+              <a:rPr lang="en-US" sz="2000" dirty="0" err="1">
+                <a:effectLst/>
+                <a:ea typeface="Times New Roman" panose="02020603050405020304" pitchFamily="18" charset="0"/>
+                <a:cs typeface="Times New Roman" panose="02020603050405020304" pitchFamily="18" charset="0"/>
+              </a:rPr>
+              <a:t>NumberOfAddress</a:t>
+            </a:r>
+            <a:r>
+              <a:rPr lang="en-US" sz="2000" dirty="0">
+                <a:effectLst/>
+                <a:ea typeface="Times New Roman" panose="02020603050405020304" pitchFamily="18" charset="0"/>
+                <a:cs typeface="Times New Roman" panose="02020603050405020304" pitchFamily="18" charset="0"/>
+              </a:rPr>
+              <a:t> &lt;= 4 and </a:t>
+            </a:r>
+            <a:r>
+              <a:rPr lang="en-US" sz="2000" dirty="0" err="1">
+                <a:effectLst/>
+                <a:ea typeface="Times New Roman" panose="02020603050405020304" pitchFamily="18" charset="0"/>
+                <a:cs typeface="Times New Roman" panose="02020603050405020304" pitchFamily="18" charset="0"/>
+              </a:rPr>
+              <a:t>DaySinceLastOrder</a:t>
+            </a:r>
+            <a:r>
+              <a:rPr lang="en-US" sz="2000" dirty="0">
+                <a:effectLst/>
+                <a:ea typeface="Times New Roman" panose="02020603050405020304" pitchFamily="18" charset="0"/>
+                <a:cs typeface="Times New Roman" panose="02020603050405020304" pitchFamily="18" charset="0"/>
+              </a:rPr>
+              <a:t> &gt; 8.50</a:t>
+            </a:r>
+          </a:p>
+          <a:p>
+            <a:pPr marL="742950" lvl="1" indent="-285750">
+              <a:spcBef>
+                <a:spcPts val="0"/>
+              </a:spcBef>
+              <a:buFont typeface="Courier New" panose="02070309020205020404" pitchFamily="49" charset="0"/>
+              <a:buChar char="o"/>
+              <a:tabLst>
+                <a:tab pos="581660" algn="l"/>
+                <a:tab pos="1163320" algn="l"/>
+                <a:tab pos="1744980" algn="l"/>
+                <a:tab pos="2326640" algn="l"/>
+                <a:tab pos="2908300" algn="l"/>
+                <a:tab pos="3489960" algn="l"/>
+                <a:tab pos="4071620" algn="l"/>
+                <a:tab pos="4653280" algn="l"/>
+                <a:tab pos="5234940" algn="l"/>
+                <a:tab pos="5816600" algn="l"/>
+                <a:tab pos="6398260" algn="l"/>
+                <a:tab pos="6979920" algn="l"/>
+                <a:tab pos="7561580" algn="l"/>
+                <a:tab pos="8143240" algn="l"/>
+                <a:tab pos="8724900" algn="l"/>
+                <a:tab pos="9306560" algn="l"/>
+              </a:tabLst>
+            </a:pPr>
+            <a:r>
+              <a:rPr lang="en-US" sz="2000" dirty="0">
+                <a:effectLst/>
+                <a:ea typeface="Times New Roman" panose="02020603050405020304" pitchFamily="18" charset="0"/>
+                <a:cs typeface="Times New Roman" panose="02020603050405020304" pitchFamily="18" charset="0"/>
+              </a:rPr>
+              <a:t>Tenure &lt;= 1 and Complain = 0 and </a:t>
+            </a:r>
+            <a:r>
+              <a:rPr lang="en-US" sz="2000" dirty="0" err="1">
+                <a:effectLst/>
+                <a:ea typeface="Times New Roman" panose="02020603050405020304" pitchFamily="18" charset="0"/>
+                <a:cs typeface="Times New Roman" panose="02020603050405020304" pitchFamily="18" charset="0"/>
+              </a:rPr>
+              <a:t>NumberOfAddress</a:t>
+            </a:r>
+            <a:r>
+              <a:rPr lang="en-US" sz="2000" dirty="0">
+                <a:effectLst/>
+                <a:ea typeface="Times New Roman" panose="02020603050405020304" pitchFamily="18" charset="0"/>
+                <a:cs typeface="Times New Roman" panose="02020603050405020304" pitchFamily="18" charset="0"/>
+              </a:rPr>
+              <a:t> &gt; 4.5 and </a:t>
+            </a:r>
+            <a:r>
+              <a:rPr lang="en-US" sz="2000" dirty="0" err="1">
+                <a:effectLst/>
+                <a:ea typeface="Times New Roman" panose="02020603050405020304" pitchFamily="18" charset="0"/>
+                <a:cs typeface="Times New Roman" panose="02020603050405020304" pitchFamily="18" charset="0"/>
+              </a:rPr>
+              <a:t>OrderAmountHikeFromLastYear</a:t>
+            </a:r>
+            <a:r>
+              <a:rPr lang="en-US" sz="2000" dirty="0">
+                <a:effectLst/>
+                <a:ea typeface="Times New Roman" panose="02020603050405020304" pitchFamily="18" charset="0"/>
+                <a:cs typeface="Times New Roman" panose="02020603050405020304" pitchFamily="18" charset="0"/>
+              </a:rPr>
+              <a:t> &lt;= 18.50 and </a:t>
+            </a:r>
+            <a:r>
+              <a:rPr lang="en-US" sz="2000" dirty="0" err="1">
+                <a:effectLst/>
+                <a:ea typeface="Times New Roman" panose="02020603050405020304" pitchFamily="18" charset="0"/>
+                <a:cs typeface="Times New Roman" panose="02020603050405020304" pitchFamily="18" charset="0"/>
+              </a:rPr>
+              <a:t>NumberOfDeviceRegister</a:t>
+            </a:r>
+            <a:r>
+              <a:rPr lang="en-US" sz="2000" dirty="0">
+                <a:effectLst/>
+                <a:ea typeface="Times New Roman" panose="02020603050405020304" pitchFamily="18" charset="0"/>
+                <a:cs typeface="Times New Roman" panose="02020603050405020304" pitchFamily="18" charset="0"/>
+              </a:rPr>
+              <a:t> &gt; 2</a:t>
+            </a:r>
+            <a:endParaRPr lang="en-US" sz="2000" dirty="0">
+              <a:effectLst/>
+              <a:ea typeface="Calibri" panose="020F0502020204030204" pitchFamily="34" charset="0"/>
+              <a:cs typeface="Times New Roman" panose="02020603050405020304" pitchFamily="18" charset="0"/>
+            </a:endParaRPr>
+          </a:p>
+          <a:p>
+            <a:pPr marL="742950" lvl="1" indent="-285750">
+              <a:spcBef>
+                <a:spcPts val="0"/>
+              </a:spcBef>
+              <a:buFont typeface="Courier New" panose="02070309020205020404" pitchFamily="49" charset="0"/>
+              <a:buChar char="o"/>
+              <a:tabLst>
+                <a:tab pos="581660" algn="l"/>
+                <a:tab pos="1163320" algn="l"/>
+                <a:tab pos="1744980" algn="l"/>
+                <a:tab pos="2326640" algn="l"/>
+                <a:tab pos="2908300" algn="l"/>
+                <a:tab pos="3489960" algn="l"/>
+                <a:tab pos="4071620" algn="l"/>
+                <a:tab pos="4653280" algn="l"/>
+                <a:tab pos="5234940" algn="l"/>
+                <a:tab pos="5816600" algn="l"/>
+                <a:tab pos="6398260" algn="l"/>
+                <a:tab pos="6979920" algn="l"/>
+                <a:tab pos="7561580" algn="l"/>
+                <a:tab pos="8143240" algn="l"/>
+                <a:tab pos="8724900" algn="l"/>
+                <a:tab pos="9306560" algn="l"/>
+              </a:tabLst>
+            </a:pPr>
+            <a:endParaRPr lang="en-US" sz="2000" dirty="0">
+              <a:effectLst/>
+              <a:ea typeface="Calibri" panose="020F0502020204030204" pitchFamily="34" charset="0"/>
+              <a:cs typeface="Times New Roman" panose="02020603050405020304" pitchFamily="18" charset="0"/>
+            </a:endParaRPr>
+          </a:p>
+          <a:p>
+            <a:pPr marL="742950" lvl="1" indent="-285750">
+              <a:spcBef>
+                <a:spcPts val="0"/>
+              </a:spcBef>
+              <a:buFont typeface="Courier New" panose="02070309020205020404" pitchFamily="49" charset="0"/>
+              <a:buChar char="o"/>
+              <a:tabLst>
+                <a:tab pos="581660" algn="l"/>
+                <a:tab pos="1163320" algn="l"/>
+                <a:tab pos="1744980" algn="l"/>
+                <a:tab pos="2326640" algn="l"/>
+                <a:tab pos="2908300" algn="l"/>
+                <a:tab pos="3489960" algn="l"/>
+                <a:tab pos="4071620" algn="l"/>
+                <a:tab pos="4653280" algn="l"/>
+                <a:tab pos="5234940" algn="l"/>
+                <a:tab pos="5816600" algn="l"/>
+                <a:tab pos="6398260" algn="l"/>
+                <a:tab pos="6979920" algn="l"/>
+                <a:tab pos="7561580" algn="l"/>
+                <a:tab pos="8143240" algn="l"/>
+                <a:tab pos="8724900" algn="l"/>
+                <a:tab pos="9306560" algn="l"/>
+              </a:tabLst>
+            </a:pPr>
+            <a:endParaRPr lang="en-US" sz="2000" dirty="0">
+              <a:effectLst/>
+              <a:ea typeface="Calibri" panose="020F0502020204030204" pitchFamily="34" charset="0"/>
+              <a:cs typeface="Times New Roman" panose="02020603050405020304" pitchFamily="18" charset="0"/>
+            </a:endParaRPr>
+          </a:p>
+          <a:p>
+            <a:pPr marL="285750" indent="-285750">
+              <a:spcBef>
+                <a:spcPts val="0"/>
+              </a:spcBef>
+              <a:buFont typeface="Courier New" panose="02070309020205020404" pitchFamily="49" charset="0"/>
+              <a:buChar char="o"/>
+              <a:tabLst>
+                <a:tab pos="581660" algn="l"/>
+                <a:tab pos="1163320" algn="l"/>
+                <a:tab pos="1744980" algn="l"/>
+                <a:tab pos="2326640" algn="l"/>
+                <a:tab pos="2908300" algn="l"/>
+                <a:tab pos="3489960" algn="l"/>
+                <a:tab pos="4071620" algn="l"/>
+                <a:tab pos="4653280" algn="l"/>
+                <a:tab pos="5234940" algn="l"/>
+                <a:tab pos="5816600" algn="l"/>
+                <a:tab pos="6398260" algn="l"/>
+                <a:tab pos="6979920" algn="l"/>
+                <a:tab pos="7561580" algn="l"/>
+                <a:tab pos="8143240" algn="l"/>
+                <a:tab pos="8724900" algn="l"/>
+                <a:tab pos="9306560" algn="l"/>
+              </a:tabLst>
+            </a:pPr>
+            <a:endParaRPr lang="en-US" sz="2400" dirty="0">
+              <a:latin typeface="Calibri" panose="020F0502020204030204" pitchFamily="34" charset="0"/>
+              <a:ea typeface="Calibri" panose="020F0502020204030204" pitchFamily="34" charset="0"/>
+              <a:cs typeface="Calibri" panose="020F0502020204030204" pitchFamily="34" charset="0"/>
+            </a:endParaRPr>
+          </a:p>
+          <a:p>
+            <a:pPr marL="285750" indent="-285750">
+              <a:spcBef>
+                <a:spcPts val="0"/>
+              </a:spcBef>
+              <a:buFont typeface="Courier New" panose="02070309020205020404" pitchFamily="49" charset="0"/>
+              <a:buChar char="o"/>
+              <a:tabLst>
+                <a:tab pos="581660" algn="l"/>
+                <a:tab pos="1163320" algn="l"/>
+                <a:tab pos="1744980" algn="l"/>
+                <a:tab pos="2326640" algn="l"/>
+                <a:tab pos="2908300" algn="l"/>
+                <a:tab pos="3489960" algn="l"/>
+                <a:tab pos="4071620" algn="l"/>
+                <a:tab pos="4653280" algn="l"/>
+                <a:tab pos="5234940" algn="l"/>
+                <a:tab pos="5816600" algn="l"/>
+                <a:tab pos="6398260" algn="l"/>
+                <a:tab pos="6979920" algn="l"/>
+                <a:tab pos="7561580" algn="l"/>
+                <a:tab pos="8143240" algn="l"/>
+                <a:tab pos="8724900" algn="l"/>
+                <a:tab pos="9306560" algn="l"/>
+              </a:tabLst>
+            </a:pPr>
+            <a:endParaRPr lang="en-US" sz="2400" dirty="0">
+              <a:latin typeface="Calibri" panose="020F0502020204030204" pitchFamily="34" charset="0"/>
+              <a:ea typeface="Calibri" panose="020F0502020204030204" pitchFamily="34" charset="0"/>
+              <a:cs typeface="Calibri" panose="020F0502020204030204" pitchFamily="34" charset="0"/>
+            </a:endParaRPr>
+          </a:p>
+          <a:p>
+            <a:pPr marL="285750" indent="-285750">
+              <a:spcBef>
+                <a:spcPts val="0"/>
+              </a:spcBef>
+              <a:buFont typeface="Courier New" panose="02070309020205020404" pitchFamily="49" charset="0"/>
+              <a:buChar char="o"/>
+              <a:tabLst>
+                <a:tab pos="581660" algn="l"/>
+                <a:tab pos="1163320" algn="l"/>
+                <a:tab pos="1744980" algn="l"/>
+                <a:tab pos="2326640" algn="l"/>
+                <a:tab pos="2908300" algn="l"/>
+                <a:tab pos="3489960" algn="l"/>
+                <a:tab pos="4071620" algn="l"/>
+                <a:tab pos="4653280" algn="l"/>
+                <a:tab pos="5234940" algn="l"/>
+                <a:tab pos="5816600" algn="l"/>
+                <a:tab pos="6398260" algn="l"/>
+                <a:tab pos="6979920" algn="l"/>
+                <a:tab pos="7561580" algn="l"/>
+                <a:tab pos="8143240" algn="l"/>
+                <a:tab pos="8724900" algn="l"/>
+                <a:tab pos="9306560" algn="l"/>
+              </a:tabLst>
+            </a:pPr>
+            <a:endParaRPr lang="en-US" sz="2400" dirty="0">
+              <a:latin typeface="Calibri" panose="020F0502020204030204" pitchFamily="34" charset="0"/>
+              <a:ea typeface="Calibri" panose="020F0502020204030204" pitchFamily="34" charset="0"/>
+              <a:cs typeface="Calibri" panose="020F0502020204030204" pitchFamily="34" charset="0"/>
+            </a:endParaRPr>
           </a:p>
           <a:p>
             <a:pPr marL="285750" indent="-285750">
@@ -11523,7 +12061,12 @@
             <p:ph type="title"/>
           </p:nvPr>
         </p:nvSpPr>
-        <p:spPr/>
+        <p:spPr>
+          <a:xfrm>
+            <a:off x="755862" y="34703"/>
+            <a:ext cx="10515600" cy="1325563"/>
+          </a:xfrm>
+        </p:spPr>
         <p:txBody>
           <a:bodyPr/>
           <a:lstStyle/>
@@ -11566,8 +12109,8 @@
         </p:blipFill>
         <p:spPr bwMode="auto">
           <a:xfrm>
-            <a:off x="838200" y="1690688"/>
-            <a:ext cx="5299654" cy="4796187"/>
+            <a:off x="7031421" y="1140194"/>
+            <a:ext cx="4298216" cy="3889886"/>
           </a:xfrm>
           <a:prstGeom prst="rect">
             <a:avLst/>
@@ -11598,8 +12141,8 @@
         </p:nvSpPr>
         <p:spPr>
           <a:xfrm>
-            <a:off x="6549930" y="1690688"/>
-            <a:ext cx="5415329" cy="4524315"/>
+            <a:off x="755862" y="5030080"/>
+            <a:ext cx="11026235" cy="1754326"/>
           </a:xfrm>
           <a:prstGeom prst="rect">
             <a:avLst/>
@@ -11624,7 +12167,23 @@
                 <a:effectLst/>
                 <a:latin typeface="Courier New" panose="02070309020205020404" pitchFamily="49" charset="0"/>
               </a:rPr>
-              <a:t>Assuming that here Tenure is in months - input file doesn't mention the unit. </a:t>
+              <a:t>Assuming that here Tenure is in months - input file doesn't mention the unit. 50% or more customers Churn within their first month and 35% of customers Churn within their first 3 months. From CX perspective, we need to focus on retaining new customers. E.g., customers who has not completed their first 3 months. So, they need to be targeted with positive campaign.</a:t>
+            </a:r>
+          </a:p>
+          <a:p>
+            <a:pPr marL="285750" indent="-285750">
+              <a:buFont typeface="Arial" panose="020B0604020202020204" pitchFamily="34" charset="0"/>
+              <a:buChar char="•"/>
+            </a:pPr>
+            <a:r>
+              <a:rPr lang="en-US" b="0" dirty="0">
+                <a:solidFill>
+                  <a:srgbClr val="008000"/>
+                </a:solidFill>
+                <a:effectLst/>
+                <a:latin typeface="Courier New" panose="02070309020205020404" pitchFamily="49" charset="0"/>
+              </a:rPr>
+              <a:t>Association between Churn and Tenure is statistically significant</a:t>
             </a:r>
             <a:endParaRPr lang="en-US" b="0" dirty="0">
               <a:solidFill>
@@ -11634,92 +12193,55 @@
               <a:latin typeface="Courier New" panose="02070309020205020404" pitchFamily="49" charset="0"/>
             </a:endParaRPr>
           </a:p>
-          <a:p>
-            <a:endParaRPr lang="en-US" dirty="0">
-              <a:solidFill>
-                <a:srgbClr val="008000"/>
-              </a:solidFill>
-              <a:latin typeface="Courier New" panose="02070309020205020404" pitchFamily="49" charset="0"/>
-            </a:endParaRPr>
-          </a:p>
-          <a:p>
-            <a:pPr marL="285750" indent="-285750">
-              <a:buFont typeface="Arial" panose="020B0604020202020204" pitchFamily="34" charset="0"/>
-              <a:buChar char="•"/>
-            </a:pPr>
-            <a:r>
-              <a:rPr lang="en-US" b="0" dirty="0">
-                <a:solidFill>
-                  <a:srgbClr val="008000"/>
-                </a:solidFill>
-                <a:effectLst/>
-                <a:latin typeface="Courier New" panose="02070309020205020404" pitchFamily="49" charset="0"/>
-              </a:rPr>
-              <a:t>35% of users Churn within their first 3 months. </a:t>
-            </a:r>
-          </a:p>
-          <a:p>
-            <a:pPr marL="285750" indent="-285750">
-              <a:buFont typeface="Arial" panose="020B0604020202020204" pitchFamily="34" charset="0"/>
-              <a:buChar char="•"/>
-            </a:pPr>
-            <a:endParaRPr lang="en-US" b="0" dirty="0">
-              <a:solidFill>
-                <a:srgbClr val="008000"/>
-              </a:solidFill>
-              <a:effectLst/>
-              <a:latin typeface="Courier New" panose="02070309020205020404" pitchFamily="49" charset="0"/>
-            </a:endParaRPr>
-          </a:p>
-          <a:p>
-            <a:pPr marL="285750" indent="-285750">
-              <a:buFont typeface="Arial" panose="020B0604020202020204" pitchFamily="34" charset="0"/>
-              <a:buChar char="•"/>
-            </a:pPr>
-            <a:r>
-              <a:rPr lang="en-US" b="0" dirty="0">
-                <a:solidFill>
-                  <a:srgbClr val="008000"/>
-                </a:solidFill>
-                <a:effectLst/>
-                <a:latin typeface="Courier New" panose="02070309020205020404" pitchFamily="49" charset="0"/>
-              </a:rPr>
-              <a:t>From CX perspective, we need to focus on retaining new customers. E.g., customers who has not completed their first 3 months. So, they need to be targeted with positive campaign.</a:t>
-            </a:r>
-          </a:p>
-          <a:p>
-            <a:endParaRPr lang="en-US" dirty="0">
-              <a:solidFill>
-                <a:srgbClr val="008000"/>
-              </a:solidFill>
-              <a:latin typeface="Courier New" panose="02070309020205020404" pitchFamily="49" charset="0"/>
-            </a:endParaRPr>
-          </a:p>
-          <a:p>
-            <a:pPr marL="285750" indent="-285750">
-              <a:buFont typeface="Arial" panose="020B0604020202020204" pitchFamily="34" charset="0"/>
-              <a:buChar char="•"/>
-            </a:pPr>
-            <a:r>
-              <a:rPr lang="en-US" b="0" dirty="0">
-                <a:solidFill>
-                  <a:srgbClr val="008000"/>
-                </a:solidFill>
-                <a:effectLst/>
-                <a:latin typeface="Courier New" panose="02070309020205020404" pitchFamily="49" charset="0"/>
-              </a:rPr>
-              <a:t>Association between Churn and Tenure is statistically significant</a:t>
-            </a:r>
-            <a:endParaRPr lang="en-US" b="0" dirty="0">
-              <a:solidFill>
-                <a:srgbClr val="000000"/>
-              </a:solidFill>
-              <a:effectLst/>
-              <a:latin typeface="Courier New" panose="02070309020205020404" pitchFamily="49" charset="0"/>
-            </a:endParaRPr>
-          </a:p>
         </p:txBody>
       </p:sp>
+      <p:pic>
+        <p:nvPicPr>
+          <p:cNvPr id="12290" name="Picture 2">
+            <a:extLst>
+              <a:ext uri="{FF2B5EF4-FFF2-40B4-BE49-F238E27FC236}">
+                <a16:creationId xmlns:a16="http://schemas.microsoft.com/office/drawing/2014/main" id="{2DE0A2D2-6B28-110E-227A-1088A796EE3B}"/>
+              </a:ext>
+            </a:extLst>
+          </p:cNvPr>
+          <p:cNvPicPr>
+            <a:picLocks noChangeAspect="1" noChangeArrowheads="1"/>
+          </p:cNvPicPr>
+          <p:nvPr/>
+        </p:nvPicPr>
+        <p:blipFill>
+          <a:blip r:embed="rId3">
+            <a:extLst>
+              <a:ext uri="{28A0092B-C50C-407E-A947-70E740481C1C}">
+                <a14:useLocalDpi xmlns:a14="http://schemas.microsoft.com/office/drawing/2010/main" val="0"/>
+              </a:ext>
+            </a:extLst>
+          </a:blip>
+          <a:srcRect/>
+          <a:stretch>
+            <a:fillRect/>
+          </a:stretch>
+        </p:blipFill>
+        <p:spPr bwMode="auto">
+          <a:xfrm>
+            <a:off x="814037" y="1140194"/>
+            <a:ext cx="4793599" cy="3969836"/>
+          </a:xfrm>
+          <a:prstGeom prst="rect">
+            <a:avLst/>
+          </a:prstGeom>
+          <a:noFill/>
+          <a:extLst>
+            <a:ext uri="{909E8E84-426E-40DD-AFC4-6F175D3DCCD1}">
+              <a14:hiddenFill xmlns:a14="http://schemas.microsoft.com/office/drawing/2010/main">
+                <a:solidFill>
+                  <a:srgbClr val="FFFFFF"/>
+                </a:solidFill>
+              </a14:hiddenFill>
+            </a:ext>
+          </a:extLst>
+        </p:spPr>
+      </p:pic>
     </p:spTree>
     <p:extLst>
       <p:ext uri="{BB962C8B-B14F-4D97-AF65-F5344CB8AC3E}">

--- a/Presentation-Churn-JalalMahmud.pptx
+++ b/Presentation-Churn-JalalMahmud.pptx
@@ -10,31 +10,33 @@
     <p:sldId id="261" r:id="rId4"/>
     <p:sldId id="285" r:id="rId5"/>
     <p:sldId id="286" r:id="rId6"/>
-    <p:sldId id="258" r:id="rId7"/>
-    <p:sldId id="260" r:id="rId8"/>
-    <p:sldId id="262" r:id="rId9"/>
-    <p:sldId id="259" r:id="rId10"/>
-    <p:sldId id="263" r:id="rId11"/>
-    <p:sldId id="264" r:id="rId12"/>
-    <p:sldId id="265" r:id="rId13"/>
-    <p:sldId id="266" r:id="rId14"/>
-    <p:sldId id="267" r:id="rId15"/>
-    <p:sldId id="268" r:id="rId16"/>
-    <p:sldId id="269" r:id="rId17"/>
-    <p:sldId id="270" r:id="rId18"/>
-    <p:sldId id="271" r:id="rId19"/>
-    <p:sldId id="272" r:id="rId20"/>
-    <p:sldId id="273" r:id="rId21"/>
-    <p:sldId id="274" r:id="rId22"/>
-    <p:sldId id="275" r:id="rId23"/>
-    <p:sldId id="276" r:id="rId24"/>
-    <p:sldId id="277" r:id="rId25"/>
-    <p:sldId id="278" r:id="rId26"/>
-    <p:sldId id="279" r:id="rId27"/>
-    <p:sldId id="282" r:id="rId28"/>
-    <p:sldId id="280" r:id="rId29"/>
-    <p:sldId id="281" r:id="rId30"/>
-    <p:sldId id="284" r:id="rId31"/>
+    <p:sldId id="296" r:id="rId7"/>
+    <p:sldId id="297" r:id="rId8"/>
+    <p:sldId id="258" r:id="rId9"/>
+    <p:sldId id="260" r:id="rId10"/>
+    <p:sldId id="262" r:id="rId11"/>
+    <p:sldId id="259" r:id="rId12"/>
+    <p:sldId id="263" r:id="rId13"/>
+    <p:sldId id="264" r:id="rId14"/>
+    <p:sldId id="265" r:id="rId15"/>
+    <p:sldId id="266" r:id="rId16"/>
+    <p:sldId id="267" r:id="rId17"/>
+    <p:sldId id="268" r:id="rId18"/>
+    <p:sldId id="269" r:id="rId19"/>
+    <p:sldId id="270" r:id="rId20"/>
+    <p:sldId id="271" r:id="rId21"/>
+    <p:sldId id="272" r:id="rId22"/>
+    <p:sldId id="273" r:id="rId23"/>
+    <p:sldId id="274" r:id="rId24"/>
+    <p:sldId id="275" r:id="rId25"/>
+    <p:sldId id="276" r:id="rId26"/>
+    <p:sldId id="277" r:id="rId27"/>
+    <p:sldId id="278" r:id="rId28"/>
+    <p:sldId id="300" r:id="rId29"/>
+    <p:sldId id="291" r:id="rId30"/>
+    <p:sldId id="289" r:id="rId31"/>
+    <p:sldId id="298" r:id="rId32"/>
+    <p:sldId id="299" r:id="rId33"/>
   </p:sldIdLst>
   <p:sldSz cx="12192000" cy="6858000"/>
   <p:notesSz cx="6858000" cy="9144000"/>
@@ -288,7 +290,7 @@
           <a:p>
             <a:fld id="{A8DEBFBD-F2A5-3244-A58C-5A7E56E384D2}" type="datetimeFigureOut">
               <a:rPr lang="en-US" smtClean="0"/>
-              <a:t>7/7/24</a:t>
+              <a:t>7/11/24</a:t>
             </a:fld>
             <a:endParaRPr lang="en-US"/>
           </a:p>
@@ -486,7 +488,7 @@
           <a:p>
             <a:fld id="{A8DEBFBD-F2A5-3244-A58C-5A7E56E384D2}" type="datetimeFigureOut">
               <a:rPr lang="en-US" smtClean="0"/>
-              <a:t>7/7/24</a:t>
+              <a:t>7/11/24</a:t>
             </a:fld>
             <a:endParaRPr lang="en-US"/>
           </a:p>
@@ -694,7 +696,7 @@
           <a:p>
             <a:fld id="{A8DEBFBD-F2A5-3244-A58C-5A7E56E384D2}" type="datetimeFigureOut">
               <a:rPr lang="en-US" smtClean="0"/>
-              <a:t>7/7/24</a:t>
+              <a:t>7/11/24</a:t>
             </a:fld>
             <a:endParaRPr lang="en-US"/>
           </a:p>
@@ -892,7 +894,7 @@
           <a:p>
             <a:fld id="{A8DEBFBD-F2A5-3244-A58C-5A7E56E384D2}" type="datetimeFigureOut">
               <a:rPr lang="en-US" smtClean="0"/>
-              <a:t>7/7/24</a:t>
+              <a:t>7/11/24</a:t>
             </a:fld>
             <a:endParaRPr lang="en-US"/>
           </a:p>
@@ -1167,7 +1169,7 @@
           <a:p>
             <a:fld id="{A8DEBFBD-F2A5-3244-A58C-5A7E56E384D2}" type="datetimeFigureOut">
               <a:rPr lang="en-US" smtClean="0"/>
-              <a:t>7/7/24</a:t>
+              <a:t>7/11/24</a:t>
             </a:fld>
             <a:endParaRPr lang="en-US"/>
           </a:p>
@@ -1432,7 +1434,7 @@
           <a:p>
             <a:fld id="{A8DEBFBD-F2A5-3244-A58C-5A7E56E384D2}" type="datetimeFigureOut">
               <a:rPr lang="en-US" smtClean="0"/>
-              <a:t>7/7/24</a:t>
+              <a:t>7/11/24</a:t>
             </a:fld>
             <a:endParaRPr lang="en-US"/>
           </a:p>
@@ -1844,7 +1846,7 @@
           <a:p>
             <a:fld id="{A8DEBFBD-F2A5-3244-A58C-5A7E56E384D2}" type="datetimeFigureOut">
               <a:rPr lang="en-US" smtClean="0"/>
-              <a:t>7/7/24</a:t>
+              <a:t>7/11/24</a:t>
             </a:fld>
             <a:endParaRPr lang="en-US"/>
           </a:p>
@@ -1985,7 +1987,7 @@
           <a:p>
             <a:fld id="{A8DEBFBD-F2A5-3244-A58C-5A7E56E384D2}" type="datetimeFigureOut">
               <a:rPr lang="en-US" smtClean="0"/>
-              <a:t>7/7/24</a:t>
+              <a:t>7/11/24</a:t>
             </a:fld>
             <a:endParaRPr lang="en-US"/>
           </a:p>
@@ -2098,7 +2100,7 @@
           <a:p>
             <a:fld id="{A8DEBFBD-F2A5-3244-A58C-5A7E56E384D2}" type="datetimeFigureOut">
               <a:rPr lang="en-US" smtClean="0"/>
-              <a:t>7/7/24</a:t>
+              <a:t>7/11/24</a:t>
             </a:fld>
             <a:endParaRPr lang="en-US"/>
           </a:p>
@@ -2409,7 +2411,7 @@
           <a:p>
             <a:fld id="{A8DEBFBD-F2A5-3244-A58C-5A7E56E384D2}" type="datetimeFigureOut">
               <a:rPr lang="en-US" smtClean="0"/>
-              <a:t>7/7/24</a:t>
+              <a:t>7/11/24</a:t>
             </a:fld>
             <a:endParaRPr lang="en-US"/>
           </a:p>
@@ -2697,7 +2699,7 @@
           <a:p>
             <a:fld id="{A8DEBFBD-F2A5-3244-A58C-5A7E56E384D2}" type="datetimeFigureOut">
               <a:rPr lang="en-US" smtClean="0"/>
-              <a:t>7/7/24</a:t>
+              <a:t>7/11/24</a:t>
             </a:fld>
             <a:endParaRPr lang="en-US"/>
           </a:p>
@@ -2938,7 +2940,7 @@
           <a:p>
             <a:fld id="{A8DEBFBD-F2A5-3244-A58C-5A7E56E384D2}" type="datetimeFigureOut">
               <a:rPr lang="en-US" smtClean="0"/>
-              <a:t>7/7/24</a:t>
+              <a:t>7/11/24</a:t>
             </a:fld>
             <a:endParaRPr lang="en-US"/>
           </a:p>
@@ -3378,7 +3380,7 @@
           <a:p>
             <a:r>
               <a:rPr lang="en-US" dirty="0"/>
-              <a:t>Technical Assignment – Churn </a:t>
+              <a:t>Technical Assignment – Churn Analysis &amp; Prediction </a:t>
             </a:r>
           </a:p>
         </p:txBody>
@@ -3446,6 +3448,503 @@
           <p:cNvPr id="2" name="Title 1">
             <a:extLst>
               <a:ext uri="{FF2B5EF4-FFF2-40B4-BE49-F238E27FC236}">
+                <a16:creationId xmlns:a16="http://schemas.microsoft.com/office/drawing/2014/main" id="{C91C1884-537C-088C-76B3-8D073201D118}"/>
+              </a:ext>
+            </a:extLst>
+          </p:cNvPr>
+          <p:cNvSpPr>
+            <a:spLocks noGrp="1"/>
+          </p:cNvSpPr>
+          <p:nvPr>
+            <p:ph type="title"/>
+          </p:nvPr>
+        </p:nvSpPr>
+        <p:spPr>
+          <a:xfrm>
+            <a:off x="755862" y="34703"/>
+            <a:ext cx="10515600" cy="1325563"/>
+          </a:xfrm>
+        </p:spPr>
+        <p:txBody>
+          <a:bodyPr/>
+          <a:lstStyle/>
+          <a:p>
+            <a:r>
+              <a:rPr lang="en-US" dirty="0"/>
+              <a:t>   Churn vs. Tenure </a:t>
+            </a:r>
+          </a:p>
+        </p:txBody>
+      </p:sp>
+      <p:pic>
+        <p:nvPicPr>
+          <p:cNvPr id="2050" name="Picture 2">
+            <a:extLst>
+              <a:ext uri="{FF2B5EF4-FFF2-40B4-BE49-F238E27FC236}">
+                <a16:creationId xmlns:a16="http://schemas.microsoft.com/office/drawing/2014/main" id="{D46E5F59-AB3A-4309-8D53-746B2C3D1141}"/>
+              </a:ext>
+            </a:extLst>
+          </p:cNvPr>
+          <p:cNvPicPr>
+            <a:picLocks noGrp="1" noChangeAspect="1" noChangeArrowheads="1"/>
+          </p:cNvPicPr>
+          <p:nvPr>
+            <p:ph idx="1"/>
+          </p:nvPr>
+        </p:nvPicPr>
+        <p:blipFill>
+          <a:blip r:embed="rId2">
+            <a:extLst>
+              <a:ext uri="{28A0092B-C50C-407E-A947-70E740481C1C}">
+                <a14:useLocalDpi xmlns:a14="http://schemas.microsoft.com/office/drawing/2010/main" val="0"/>
+              </a:ext>
+            </a:extLst>
+          </a:blip>
+          <a:srcRect/>
+          <a:stretch>
+            <a:fillRect/>
+          </a:stretch>
+        </p:blipFill>
+        <p:spPr bwMode="auto">
+          <a:xfrm>
+            <a:off x="7031421" y="1140194"/>
+            <a:ext cx="4298216" cy="3889886"/>
+          </a:xfrm>
+          <a:prstGeom prst="rect">
+            <a:avLst/>
+          </a:prstGeom>
+          <a:noFill/>
+          <a:extLst>
+            <a:ext uri="{909E8E84-426E-40DD-AFC4-6F175D3DCCD1}">
+              <a14:hiddenFill xmlns:a14="http://schemas.microsoft.com/office/drawing/2010/main">
+                <a:solidFill>
+                  <a:srgbClr val="FFFFFF"/>
+                </a:solidFill>
+              </a14:hiddenFill>
+            </a:ext>
+          </a:extLst>
+        </p:spPr>
+      </p:pic>
+      <p:sp>
+        <p:nvSpPr>
+          <p:cNvPr id="5" name="TextBox 4">
+            <a:extLst>
+              <a:ext uri="{FF2B5EF4-FFF2-40B4-BE49-F238E27FC236}">
+                <a16:creationId xmlns:a16="http://schemas.microsoft.com/office/drawing/2014/main" id="{04B6B24F-4D63-6B76-6A63-94258CFBC76A}"/>
+              </a:ext>
+            </a:extLst>
+          </p:cNvPr>
+          <p:cNvSpPr txBox="1"/>
+          <p:nvPr/>
+        </p:nvSpPr>
+        <p:spPr>
+          <a:xfrm>
+            <a:off x="755862" y="5030080"/>
+            <a:ext cx="11026235" cy="1477328"/>
+          </a:xfrm>
+          <a:prstGeom prst="rect">
+            <a:avLst/>
+          </a:prstGeom>
+          <a:noFill/>
+        </p:spPr>
+        <p:txBody>
+          <a:bodyPr wrap="square">
+            <a:spAutoFit/>
+          </a:bodyPr>
+          <a:lstStyle/>
+          <a:p>
+            <a:pPr marL="285750" indent="-285750">
+              <a:buFont typeface="Arial" panose="020B0604020202020204" pitchFamily="34" charset="0"/>
+              <a:buChar char="•"/>
+            </a:pPr>
+            <a:r>
+              <a:rPr lang="en-US" b="0" dirty="0">
+                <a:effectLst/>
+              </a:rPr>
+              <a:t>Assuming that here Tenure is in months - input file doesn't mention the unit. 50% or more customers Churn within their first month and 35% of customers Churn within their first 3 months. </a:t>
+            </a:r>
+          </a:p>
+          <a:p>
+            <a:pPr marL="742950" lvl="1" indent="-285750">
+              <a:buFont typeface="Arial" panose="020B0604020202020204" pitchFamily="34" charset="0"/>
+              <a:buChar char="•"/>
+            </a:pPr>
+            <a:r>
+              <a:rPr lang="en-US" b="0" dirty="0">
+                <a:effectLst/>
+              </a:rPr>
+              <a:t>From CX perspective, we need to focus on retaining new customers. E.g., customers who has not completed their first month or first 3 months. So, they need to be targeted with positive campaign.</a:t>
+            </a:r>
+          </a:p>
+          <a:p>
+            <a:pPr marL="285750" indent="-285750">
+              <a:buFont typeface="Arial" panose="020B0604020202020204" pitchFamily="34" charset="0"/>
+              <a:buChar char="•"/>
+            </a:pPr>
+            <a:r>
+              <a:rPr lang="en-US" b="1" dirty="0">
+                <a:effectLst/>
+              </a:rPr>
+              <a:t>Association between Churn and Tenure is statistically significant</a:t>
+            </a:r>
+          </a:p>
+        </p:txBody>
+      </p:sp>
+      <p:pic>
+        <p:nvPicPr>
+          <p:cNvPr id="12290" name="Picture 2">
+            <a:extLst>
+              <a:ext uri="{FF2B5EF4-FFF2-40B4-BE49-F238E27FC236}">
+                <a16:creationId xmlns:a16="http://schemas.microsoft.com/office/drawing/2014/main" id="{2DE0A2D2-6B28-110E-227A-1088A796EE3B}"/>
+              </a:ext>
+            </a:extLst>
+          </p:cNvPr>
+          <p:cNvPicPr>
+            <a:picLocks noChangeAspect="1" noChangeArrowheads="1"/>
+          </p:cNvPicPr>
+          <p:nvPr/>
+        </p:nvPicPr>
+        <p:blipFill>
+          <a:blip r:embed="rId3">
+            <a:extLst>
+              <a:ext uri="{28A0092B-C50C-407E-A947-70E740481C1C}">
+                <a14:useLocalDpi xmlns:a14="http://schemas.microsoft.com/office/drawing/2010/main" val="0"/>
+              </a:ext>
+            </a:extLst>
+          </a:blip>
+          <a:srcRect/>
+          <a:stretch>
+            <a:fillRect/>
+          </a:stretch>
+        </p:blipFill>
+        <p:spPr bwMode="auto">
+          <a:xfrm>
+            <a:off x="814037" y="1140194"/>
+            <a:ext cx="4793599" cy="3969836"/>
+          </a:xfrm>
+          <a:prstGeom prst="rect">
+            <a:avLst/>
+          </a:prstGeom>
+          <a:noFill/>
+          <a:extLst>
+            <a:ext uri="{909E8E84-426E-40DD-AFC4-6F175D3DCCD1}">
+              <a14:hiddenFill xmlns:a14="http://schemas.microsoft.com/office/drawing/2010/main">
+                <a:solidFill>
+                  <a:srgbClr val="FFFFFF"/>
+                </a:solidFill>
+              </a14:hiddenFill>
+            </a:ext>
+          </a:extLst>
+        </p:spPr>
+      </p:pic>
+    </p:spTree>
+    <p:extLst>
+      <p:ext uri="{BB962C8B-B14F-4D97-AF65-F5344CB8AC3E}">
+        <p14:creationId xmlns:p14="http://schemas.microsoft.com/office/powerpoint/2010/main" val="4293274753"/>
+      </p:ext>
+    </p:extLst>
+  </p:cSld>
+  <p:clrMapOvr>
+    <a:masterClrMapping/>
+  </p:clrMapOvr>
+</p:sld>
+</file>
+
+<file path=ppt/slides/slide11.xml><?xml version="1.0" encoding="utf-8"?>
+<p:sld xmlns:a="http://schemas.openxmlformats.org/drawingml/2006/main" xmlns:r="http://schemas.openxmlformats.org/officeDocument/2006/relationships" xmlns:p="http://schemas.openxmlformats.org/presentationml/2006/main">
+  <p:cSld>
+    <p:spTree>
+      <p:nvGrpSpPr>
+        <p:cNvPr id="1" name=""/>
+        <p:cNvGrpSpPr/>
+        <p:nvPr/>
+      </p:nvGrpSpPr>
+      <p:grpSpPr>
+        <a:xfrm>
+          <a:off x="0" y="0"/>
+          <a:ext cx="0" cy="0"/>
+          <a:chOff x="0" y="0"/>
+          <a:chExt cx="0" cy="0"/>
+        </a:xfrm>
+      </p:grpSpPr>
+      <p:sp>
+        <p:nvSpPr>
+          <p:cNvPr id="2" name="Title 1">
+            <a:extLst>
+              <a:ext uri="{FF2B5EF4-FFF2-40B4-BE49-F238E27FC236}">
+                <a16:creationId xmlns:a16="http://schemas.microsoft.com/office/drawing/2014/main" id="{C91C1884-537C-088C-76B3-8D073201D118}"/>
+              </a:ext>
+            </a:extLst>
+          </p:cNvPr>
+          <p:cNvSpPr>
+            <a:spLocks noGrp="1"/>
+          </p:cNvSpPr>
+          <p:nvPr>
+            <p:ph type="title"/>
+          </p:nvPr>
+        </p:nvSpPr>
+        <p:spPr/>
+        <p:txBody>
+          <a:bodyPr/>
+          <a:lstStyle/>
+          <a:p>
+            <a:r>
+              <a:rPr lang="en-US" dirty="0"/>
+              <a:t>Churn vs. </a:t>
+            </a:r>
+            <a:r>
+              <a:rPr lang="en-US" dirty="0" err="1"/>
+              <a:t>PreferredLoginDevice</a:t>
+            </a:r>
+            <a:r>
+              <a:rPr lang="en-US" dirty="0"/>
+              <a:t> </a:t>
+            </a:r>
+          </a:p>
+        </p:txBody>
+      </p:sp>
+      <p:sp>
+        <p:nvSpPr>
+          <p:cNvPr id="5" name="TextBox 4">
+            <a:extLst>
+              <a:ext uri="{FF2B5EF4-FFF2-40B4-BE49-F238E27FC236}">
+                <a16:creationId xmlns:a16="http://schemas.microsoft.com/office/drawing/2014/main" id="{04B6B24F-4D63-6B76-6A63-94258CFBC76A}"/>
+              </a:ext>
+            </a:extLst>
+          </p:cNvPr>
+          <p:cNvSpPr txBox="1"/>
+          <p:nvPr/>
+        </p:nvSpPr>
+        <p:spPr>
+          <a:xfrm>
+            <a:off x="6549930" y="1322698"/>
+            <a:ext cx="5415329" cy="4708981"/>
+          </a:xfrm>
+          <a:prstGeom prst="rect">
+            <a:avLst/>
+          </a:prstGeom>
+          <a:noFill/>
+        </p:spPr>
+        <p:txBody>
+          <a:bodyPr wrap="square">
+            <a:spAutoFit/>
+          </a:bodyPr>
+          <a:lstStyle/>
+          <a:p>
+            <a:endParaRPr lang="en-US" sz="2000" b="0" dirty="0">
+              <a:solidFill>
+                <a:srgbClr val="000000"/>
+              </a:solidFill>
+              <a:effectLst/>
+            </a:endParaRPr>
+          </a:p>
+          <a:p>
+            <a:pPr marL="285750" indent="-285750">
+              <a:buFont typeface="Arial" panose="020B0604020202020204" pitchFamily="34" charset="0"/>
+              <a:buChar char="•"/>
+            </a:pPr>
+            <a:r>
+              <a:rPr lang="en-US" sz="2000" b="0" dirty="0">
+                <a:effectLst/>
+              </a:rPr>
+              <a:t>Customer who used computer to login to application Churned more than customers who used </a:t>
+            </a:r>
+            <a:r>
+              <a:rPr lang="en-US" sz="2000" b="0" dirty="0" err="1">
+                <a:effectLst/>
+              </a:rPr>
+              <a:t>MobilePhone</a:t>
+            </a:r>
+            <a:r>
+              <a:rPr lang="en-US" sz="2000" b="0" dirty="0">
+                <a:effectLst/>
+              </a:rPr>
+              <a:t>. </a:t>
+            </a:r>
+          </a:p>
+          <a:p>
+            <a:pPr marL="285750" indent="-285750">
+              <a:buFont typeface="Arial" panose="020B0604020202020204" pitchFamily="34" charset="0"/>
+              <a:buChar char="•"/>
+            </a:pPr>
+            <a:endParaRPr lang="en-US" sz="2000" dirty="0">
+              <a:solidFill>
+                <a:schemeClr val="bg1">
+                  <a:lumMod val="50000"/>
+                </a:schemeClr>
+              </a:solidFill>
+            </a:endParaRPr>
+          </a:p>
+          <a:p>
+            <a:pPr marL="285750" indent="-285750">
+              <a:buFont typeface="Arial" panose="020B0604020202020204" pitchFamily="34" charset="0"/>
+              <a:buChar char="•"/>
+            </a:pPr>
+            <a:r>
+              <a:rPr lang="en-US" sz="2000" b="0" dirty="0">
+                <a:effectLst/>
+              </a:rPr>
+              <a:t>From CX perspective, we may engage with </a:t>
+            </a:r>
+            <a:r>
+              <a:rPr lang="en-US" sz="2000" dirty="0"/>
+              <a:t>customers</a:t>
+            </a:r>
+            <a:r>
+              <a:rPr lang="en-US" sz="2000" b="0" dirty="0">
+                <a:effectLst/>
+              </a:rPr>
+              <a:t> who are using Computer to login to application to understand if they are facing any technical issue </a:t>
+            </a:r>
+          </a:p>
+          <a:p>
+            <a:pPr marL="285750" indent="-285750">
+              <a:buFont typeface="Arial" panose="020B0604020202020204" pitchFamily="34" charset="0"/>
+              <a:buChar char="•"/>
+            </a:pPr>
+            <a:endParaRPr lang="en-US" sz="2000" dirty="0"/>
+          </a:p>
+          <a:p>
+            <a:pPr marL="285750" indent="-285750">
+              <a:buFont typeface="Arial" panose="020B0604020202020204" pitchFamily="34" charset="0"/>
+              <a:buChar char="•"/>
+            </a:pPr>
+            <a:r>
+              <a:rPr lang="en-US" sz="2000" b="1" dirty="0">
+                <a:effectLst/>
+              </a:rPr>
+              <a:t>Association between Churn and </a:t>
+            </a:r>
+            <a:r>
+              <a:rPr lang="en-US" sz="2000" b="1" dirty="0" err="1">
+                <a:effectLst/>
+              </a:rPr>
+              <a:t>PreferredLoginDevice</a:t>
+            </a:r>
+            <a:r>
+              <a:rPr lang="en-US" sz="2000" b="1" dirty="0">
+                <a:effectLst/>
+              </a:rPr>
+              <a:t> is statistically significant</a:t>
+            </a:r>
+          </a:p>
+          <a:p>
+            <a:pPr marL="285750" indent="-285750">
+              <a:buFont typeface="Arial" panose="020B0604020202020204" pitchFamily="34" charset="0"/>
+              <a:buChar char="•"/>
+            </a:pPr>
+            <a:endParaRPr lang="en-US" sz="2000" b="0" dirty="0">
+              <a:solidFill>
+                <a:srgbClr val="008000"/>
+              </a:solidFill>
+              <a:effectLst/>
+            </a:endParaRPr>
+          </a:p>
+          <a:p>
+            <a:pPr marL="285750" indent="-285750">
+              <a:buFont typeface="Arial" panose="020B0604020202020204" pitchFamily="34" charset="0"/>
+              <a:buChar char="•"/>
+            </a:pPr>
+            <a:endParaRPr lang="en-US" sz="2000" dirty="0">
+              <a:solidFill>
+                <a:srgbClr val="008000"/>
+              </a:solidFill>
+            </a:endParaRPr>
+          </a:p>
+          <a:p>
+            <a:endParaRPr lang="en-US" sz="2000" b="0" dirty="0">
+              <a:solidFill>
+                <a:srgbClr val="000000"/>
+              </a:solidFill>
+              <a:effectLst/>
+            </a:endParaRPr>
+          </a:p>
+        </p:txBody>
+      </p:sp>
+      <p:pic>
+        <p:nvPicPr>
+          <p:cNvPr id="9218" name="Picture 2">
+            <a:extLst>
+              <a:ext uri="{FF2B5EF4-FFF2-40B4-BE49-F238E27FC236}">
+                <a16:creationId xmlns:a16="http://schemas.microsoft.com/office/drawing/2014/main" id="{01BB6A68-D72A-A43B-5493-C2BDBAAB39C7}"/>
+              </a:ext>
+            </a:extLst>
+          </p:cNvPr>
+          <p:cNvPicPr>
+            <a:picLocks noGrp="1" noChangeAspect="1" noChangeArrowheads="1"/>
+          </p:cNvPicPr>
+          <p:nvPr>
+            <p:ph idx="1"/>
+          </p:nvPr>
+        </p:nvPicPr>
+        <p:blipFill>
+          <a:blip r:embed="rId2">
+            <a:extLst>
+              <a:ext uri="{28A0092B-C50C-407E-A947-70E740481C1C}">
+                <a14:useLocalDpi xmlns:a14="http://schemas.microsoft.com/office/drawing/2010/main" val="0"/>
+              </a:ext>
+            </a:extLst>
+          </a:blip>
+          <a:srcRect/>
+          <a:stretch>
+            <a:fillRect/>
+          </a:stretch>
+        </p:blipFill>
+        <p:spPr bwMode="auto">
+          <a:xfrm>
+            <a:off x="934065" y="1904117"/>
+            <a:ext cx="4232918" cy="3857586"/>
+          </a:xfrm>
+          <a:prstGeom prst="rect">
+            <a:avLst/>
+          </a:prstGeom>
+          <a:noFill/>
+          <a:extLst>
+            <a:ext uri="{909E8E84-426E-40DD-AFC4-6F175D3DCCD1}">
+              <a14:hiddenFill xmlns:a14="http://schemas.microsoft.com/office/drawing/2010/main">
+                <a:solidFill>
+                  <a:srgbClr val="FFFFFF"/>
+                </a:solidFill>
+              </a14:hiddenFill>
+            </a:ext>
+          </a:extLst>
+        </p:spPr>
+      </p:pic>
+    </p:spTree>
+    <p:extLst>
+      <p:ext uri="{BB962C8B-B14F-4D97-AF65-F5344CB8AC3E}">
+        <p14:creationId xmlns:p14="http://schemas.microsoft.com/office/powerpoint/2010/main" val="2512079756"/>
+      </p:ext>
+    </p:extLst>
+  </p:cSld>
+  <p:clrMapOvr>
+    <a:masterClrMapping/>
+  </p:clrMapOvr>
+</p:sld>
+</file>
+
+<file path=ppt/slides/slide12.xml><?xml version="1.0" encoding="utf-8"?>
+<p:sld xmlns:a="http://schemas.openxmlformats.org/drawingml/2006/main" xmlns:r="http://schemas.openxmlformats.org/officeDocument/2006/relationships" xmlns:p="http://schemas.openxmlformats.org/presentationml/2006/main">
+  <p:cSld>
+    <p:spTree>
+      <p:nvGrpSpPr>
+        <p:cNvPr id="1" name=""/>
+        <p:cNvGrpSpPr/>
+        <p:nvPr/>
+      </p:nvGrpSpPr>
+      <p:grpSpPr>
+        <a:xfrm>
+          <a:off x="0" y="0"/>
+          <a:ext cx="0" cy="0"/>
+          <a:chOff x="0" y="0"/>
+          <a:chExt cx="0" cy="0"/>
+        </a:xfrm>
+      </p:grpSpPr>
+      <p:sp>
+        <p:nvSpPr>
+          <p:cNvPr id="2" name="Title 1">
+            <a:extLst>
+              <a:ext uri="{FF2B5EF4-FFF2-40B4-BE49-F238E27FC236}">
                 <a16:creationId xmlns:a16="http://schemas.microsoft.com/office/drawing/2014/main" id="{DD815EEC-40A6-F5F0-D892-4CC97DD9A013}"/>
               </a:ext>
             </a:extLst>
@@ -3538,7 +4037,7 @@
         <p:spPr>
           <a:xfrm>
             <a:off x="6197602" y="1951672"/>
-            <a:ext cx="6099716" cy="5078313"/>
+            <a:ext cx="6099716" cy="4924425"/>
           </a:xfrm>
           <a:prstGeom prst="rect">
             <a:avLst/>
@@ -3556,43 +4055,26 @@
               <a:buChar char="•"/>
             </a:pPr>
             <a:r>
-              <a:rPr lang="en-US" b="0" dirty="0" err="1">
-                <a:solidFill>
-                  <a:srgbClr val="008000"/>
-                </a:solidFill>
-                <a:effectLst/>
-                <a:latin typeface="Courier New" panose="02070309020205020404" pitchFamily="49" charset="0"/>
+              <a:rPr lang="en-US" sz="2000" b="0" dirty="0" err="1">
+                <a:effectLst/>
               </a:rPr>
               <a:t>CityTier</a:t>
             </a:r>
             <a:r>
-              <a:rPr lang="en-US" b="0" dirty="0">
-                <a:solidFill>
-                  <a:srgbClr val="008000"/>
-                </a:solidFill>
-                <a:effectLst/>
-                <a:latin typeface="Courier New" panose="02070309020205020404" pitchFamily="49" charset="0"/>
+              <a:rPr lang="en-US" sz="2000" b="0" dirty="0">
+                <a:effectLst/>
               </a:rPr>
               <a:t> shows a consistent pattern, higher the city tier, higher churn</a:t>
             </a:r>
-            <a:endParaRPr lang="en-US" dirty="0">
-              <a:solidFill>
-                <a:srgbClr val="000000"/>
-              </a:solidFill>
-              <a:latin typeface="Courier New" panose="02070309020205020404" pitchFamily="49" charset="0"/>
-            </a:endParaRPr>
+            <a:endParaRPr lang="en-US" sz="2000" dirty="0"/>
           </a:p>
           <a:p>
             <a:pPr marL="285750" indent="-285750">
               <a:buFont typeface="Arial" panose="020B0604020202020204" pitchFamily="34" charset="0"/>
               <a:buChar char="•"/>
             </a:pPr>
-            <a:endParaRPr lang="en-US" b="0" dirty="0">
-              <a:solidFill>
-                <a:srgbClr val="008000"/>
-              </a:solidFill>
+            <a:endParaRPr lang="en-US" sz="2000" b="0" dirty="0">
               <a:effectLst/>
-              <a:latin typeface="Courier New" panose="02070309020205020404" pitchFamily="49" charset="0"/>
             </a:endParaRPr>
           </a:p>
           <a:p>
@@ -3601,52 +4083,32 @@
               <a:buChar char="•"/>
             </a:pPr>
             <a:r>
-              <a:rPr lang="en-US" b="0" dirty="0">
-                <a:solidFill>
-                  <a:srgbClr val="008000"/>
-                </a:solidFill>
-                <a:effectLst/>
-                <a:latin typeface="Courier New" panose="02070309020205020404" pitchFamily="49" charset="0"/>
-              </a:rPr>
-              <a:t>From CX perspective, it would be good to engage more with </a:t>
-            </a:r>
-            <a:r>
-              <a:rPr lang="en-US" b="0" dirty="0" err="1">
-                <a:solidFill>
-                  <a:srgbClr val="008000"/>
-                </a:solidFill>
-                <a:effectLst/>
-                <a:latin typeface="Courier New" panose="02070309020205020404" pitchFamily="49" charset="0"/>
+              <a:rPr lang="en-US" sz="2000" b="0" dirty="0">
+                <a:effectLst/>
+              </a:rPr>
+              <a:t>From CX perspective, it would be good to engage with </a:t>
+            </a:r>
+            <a:r>
+              <a:rPr lang="en-US" sz="2000" b="0" dirty="0" err="1">
+                <a:effectLst/>
               </a:rPr>
               <a:t>CityTier</a:t>
             </a:r>
             <a:r>
-              <a:rPr lang="en-US" b="0" dirty="0">
-                <a:solidFill>
-                  <a:srgbClr val="008000"/>
-                </a:solidFill>
-                <a:effectLst/>
-                <a:latin typeface="Courier New" panose="02070309020205020404" pitchFamily="49" charset="0"/>
+              <a:rPr lang="en-US" sz="2000" b="0" dirty="0">
+                <a:effectLst/>
               </a:rPr>
               <a:t> 2 and </a:t>
             </a:r>
             <a:r>
-              <a:rPr lang="en-US" b="0" dirty="0" err="1">
-                <a:solidFill>
-                  <a:srgbClr val="008000"/>
-                </a:solidFill>
-                <a:effectLst/>
-                <a:latin typeface="Courier New" panose="02070309020205020404" pitchFamily="49" charset="0"/>
+              <a:rPr lang="en-US" sz="2000" b="0" dirty="0" err="1">
+                <a:effectLst/>
               </a:rPr>
               <a:t>CityTier</a:t>
             </a:r>
             <a:r>
-              <a:rPr lang="en-US" b="0" dirty="0">
-                <a:solidFill>
-                  <a:srgbClr val="008000"/>
-                </a:solidFill>
-                <a:effectLst/>
-                <a:latin typeface="Courier New" panose="02070309020205020404" pitchFamily="49" charset="0"/>
+              <a:rPr lang="en-US" sz="2000" b="0" dirty="0">
+                <a:effectLst/>
               </a:rPr>
               <a:t> 3 customers since they are showing 20% or more Churn percentages. </a:t>
             </a:r>
@@ -3656,12 +4118,7 @@
               <a:buFont typeface="Arial" panose="020B0604020202020204" pitchFamily="34" charset="0"/>
               <a:buChar char="•"/>
             </a:pPr>
-            <a:endParaRPr lang="en-US" dirty="0">
-              <a:solidFill>
-                <a:srgbClr val="008000"/>
-              </a:solidFill>
-              <a:latin typeface="Courier New" panose="02070309020205020404" pitchFamily="49" charset="0"/>
-            </a:endParaRPr>
+            <a:endParaRPr lang="en-US" sz="2000" dirty="0"/>
           </a:p>
           <a:p>
             <a:pPr marL="285750" indent="-285750">
@@ -3669,30 +4126,17 @@
               <a:buChar char="•"/>
             </a:pPr>
             <a:r>
-              <a:rPr lang="en-US" b="0" dirty="0">
-                <a:solidFill>
-                  <a:srgbClr val="008000"/>
-                </a:solidFill>
-                <a:effectLst/>
-                <a:latin typeface="Courier New" panose="02070309020205020404" pitchFamily="49" charset="0"/>
+              <a:rPr lang="en-US" sz="2000" b="0" dirty="0">
+                <a:effectLst/>
               </a:rPr>
               <a:t>It is noteworthy tha</a:t>
             </a:r>
             <a:r>
-              <a:rPr lang="en-US" dirty="0">
-                <a:solidFill>
-                  <a:srgbClr val="008000"/>
-                </a:solidFill>
-                <a:latin typeface="Courier New" panose="02070309020205020404" pitchFamily="49" charset="0"/>
-              </a:rPr>
+              <a:rPr lang="en-US" sz="2000" dirty="0"/>
               <a:t>t CityTier2 and CityTier3 represent smaller group of customers (CityTier2 is only ~5% customers)</a:t>
             </a:r>
-            <a:endParaRPr lang="en-US" b="0" dirty="0">
-              <a:solidFill>
-                <a:srgbClr val="008000"/>
-              </a:solidFill>
+            <a:endParaRPr lang="en-US" sz="2000" b="0" dirty="0">
               <a:effectLst/>
-              <a:latin typeface="Courier New" panose="02070309020205020404" pitchFamily="49" charset="0"/>
             </a:endParaRPr>
           </a:p>
           <a:p>
@@ -3700,12 +4144,7 @@
               <a:buFont typeface="Arial" panose="020B0604020202020204" pitchFamily="34" charset="0"/>
               <a:buChar char="•"/>
             </a:pPr>
-            <a:endParaRPr lang="en-US" dirty="0">
-              <a:solidFill>
-                <a:srgbClr val="008000"/>
-              </a:solidFill>
-              <a:latin typeface="Courier New" panose="02070309020205020404" pitchFamily="49" charset="0"/>
-            </a:endParaRPr>
+            <a:endParaRPr lang="en-US" sz="2000" dirty="0"/>
           </a:p>
           <a:p>
             <a:pPr marL="285750" indent="-285750">
@@ -3713,42 +4152,23 @@
               <a:buChar char="•"/>
             </a:pPr>
             <a:r>
-              <a:rPr lang="en-US" b="0" dirty="0">
-                <a:solidFill>
-                  <a:srgbClr val="008000"/>
-                </a:solidFill>
-                <a:effectLst/>
-                <a:latin typeface="Courier New" panose="02070309020205020404" pitchFamily="49" charset="0"/>
+              <a:rPr lang="en-US" sz="2000" b="1" dirty="0">
+                <a:effectLst/>
               </a:rPr>
               <a:t>Association between Churn and </a:t>
             </a:r>
             <a:r>
-              <a:rPr lang="en-US" b="0" dirty="0" err="1">
-                <a:solidFill>
-                  <a:srgbClr val="008000"/>
-                </a:solidFill>
-                <a:effectLst/>
-                <a:latin typeface="Courier New" panose="02070309020205020404" pitchFamily="49" charset="0"/>
+              <a:rPr lang="en-US" sz="2000" b="1" dirty="0" err="1">
+                <a:effectLst/>
               </a:rPr>
               <a:t>CityTier</a:t>
             </a:r>
             <a:r>
-              <a:rPr lang="en-US" b="0" dirty="0">
-                <a:solidFill>
-                  <a:srgbClr val="008000"/>
-                </a:solidFill>
-                <a:effectLst/>
-                <a:latin typeface="Courier New" panose="02070309020205020404" pitchFamily="49" charset="0"/>
+              <a:rPr lang="en-US" sz="2000" b="1" dirty="0">
+                <a:effectLst/>
               </a:rPr>
               <a:t> is statistically significant</a:t>
             </a:r>
-            <a:endParaRPr lang="en-US" b="0" dirty="0">
-              <a:solidFill>
-                <a:srgbClr val="000000"/>
-              </a:solidFill>
-              <a:effectLst/>
-              <a:latin typeface="Courier New" panose="02070309020205020404" pitchFamily="49" charset="0"/>
-            </a:endParaRPr>
           </a:p>
           <a:p>
             <a:pPr marL="285750" indent="-285750">
@@ -3803,7 +4223,7 @@
 </p:sld>
 </file>
 
-<file path=ppt/slides/slide11.xml><?xml version="1.0" encoding="utf-8"?>
+<file path=ppt/slides/slide13.xml><?xml version="1.0" encoding="utf-8"?>
 <p:sld xmlns:a="http://schemas.openxmlformats.org/drawingml/2006/main" xmlns:r="http://schemas.openxmlformats.org/officeDocument/2006/relationships" xmlns:p="http://schemas.openxmlformats.org/presentationml/2006/main">
   <p:cSld>
     <p:spTree>
@@ -3917,7 +4337,7 @@
         <p:spPr>
           <a:xfrm>
             <a:off x="5915722" y="2019716"/>
-            <a:ext cx="6099716" cy="4524315"/>
+            <a:ext cx="6099716" cy="3785652"/>
           </a:xfrm>
           <a:prstGeom prst="rect">
             <a:avLst/>
@@ -3935,12 +4355,8 @@
               <a:buChar char="•"/>
             </a:pPr>
             <a:r>
-              <a:rPr lang="en-US" b="0" dirty="0">
-                <a:solidFill>
-                  <a:srgbClr val="008000"/>
-                </a:solidFill>
-                <a:effectLst/>
-                <a:latin typeface="Courier New" panose="02070309020205020404" pitchFamily="49" charset="0"/>
+              <a:rPr lang="en-US" sz="2000" b="0" dirty="0">
+                <a:effectLst/>
               </a:rPr>
               <a:t>Higher distance from home to warehouse increases churn. 15% of customers for whom Warehouse is within 5 to 25 mile from their home Churned, whereas more than 20% users Churned when the Warehouse is within 25 to 45 miles away from home.</a:t>
             </a:r>
@@ -3951,21 +4367,12 @@
               <a:buChar char="•"/>
             </a:pPr>
             <a:r>
-              <a:rPr lang="en-US" b="0" dirty="0">
-                <a:solidFill>
-                  <a:srgbClr val="008000"/>
-                </a:solidFill>
-                <a:effectLst/>
-                <a:latin typeface="Courier New" panose="02070309020205020404" pitchFamily="49" charset="0"/>
+              <a:rPr lang="en-US" sz="2000" b="0" dirty="0">
+                <a:effectLst/>
               </a:rPr>
               <a:t>This is intuitive because distance from Warehouse may increase shipping delay/cost. </a:t>
             </a:r>
-            <a:endParaRPr lang="en-US" dirty="0">
-              <a:solidFill>
-                <a:srgbClr val="000000"/>
-              </a:solidFill>
-              <a:latin typeface="Courier New" panose="02070309020205020404" pitchFamily="49" charset="0"/>
-            </a:endParaRPr>
+            <a:endParaRPr lang="en-US" sz="2000" dirty="0"/>
           </a:p>
           <a:p>
             <a:pPr marL="285750" indent="-285750">
@@ -3973,12 +4380,8 @@
               <a:buChar char="•"/>
             </a:pPr>
             <a:r>
-              <a:rPr lang="en-US" b="0" dirty="0">
-                <a:solidFill>
-                  <a:srgbClr val="008000"/>
-                </a:solidFill>
-                <a:effectLst/>
-                <a:latin typeface="Courier New" panose="02070309020205020404" pitchFamily="49" charset="0"/>
+              <a:rPr lang="en-US" sz="2000" b="0" dirty="0">
+                <a:effectLst/>
               </a:rPr>
               <a:t>From CX perspective, users who live far from the warehouse could be incentivized/engaged to prevent their high likelihood of Churn. </a:t>
             </a:r>
@@ -3989,42 +4392,23 @@
               <a:buChar char="•"/>
             </a:pPr>
             <a:r>
-              <a:rPr lang="en-US" b="0" dirty="0">
-                <a:solidFill>
-                  <a:srgbClr val="008000"/>
-                </a:solidFill>
-                <a:effectLst/>
-                <a:latin typeface="Courier New" panose="02070309020205020404" pitchFamily="49" charset="0"/>
+              <a:rPr lang="en-US" sz="2000" b="1" dirty="0">
+                <a:effectLst/>
               </a:rPr>
               <a:t>Association between Churn and </a:t>
             </a:r>
             <a:r>
-              <a:rPr lang="en-US" b="0" dirty="0" err="1">
-                <a:solidFill>
-                  <a:srgbClr val="008000"/>
-                </a:solidFill>
-                <a:effectLst/>
-                <a:latin typeface="Courier New" panose="02070309020205020404" pitchFamily="49" charset="0"/>
+              <a:rPr lang="en-US" sz="2000" b="1" dirty="0" err="1">
+                <a:effectLst/>
               </a:rPr>
               <a:t>WarehouseToHome</a:t>
             </a:r>
             <a:r>
-              <a:rPr lang="en-US" b="0" dirty="0">
-                <a:solidFill>
-                  <a:srgbClr val="008000"/>
-                </a:solidFill>
-                <a:effectLst/>
-                <a:latin typeface="Courier New" panose="02070309020205020404" pitchFamily="49" charset="0"/>
+              <a:rPr lang="en-US" sz="2000" b="1" dirty="0">
+                <a:effectLst/>
               </a:rPr>
               <a:t> is statistically significant</a:t>
             </a:r>
-            <a:endParaRPr lang="en-US" b="0" dirty="0">
-              <a:solidFill>
-                <a:srgbClr val="000000"/>
-              </a:solidFill>
-              <a:effectLst/>
-              <a:latin typeface="Courier New" panose="02070309020205020404" pitchFamily="49" charset="0"/>
-            </a:endParaRPr>
           </a:p>
         </p:txBody>
       </p:sp>
@@ -4041,7 +4425,7 @@
 </p:sld>
 </file>
 
-<file path=ppt/slides/slide12.xml><?xml version="1.0" encoding="utf-8"?>
+<file path=ppt/slides/slide14.xml><?xml version="1.0" encoding="utf-8"?>
 <p:sld xmlns:a="http://schemas.openxmlformats.org/drawingml/2006/main" xmlns:r="http://schemas.openxmlformats.org/officeDocument/2006/relationships" xmlns:p="http://schemas.openxmlformats.org/presentationml/2006/main">
   <p:cSld>
     <p:spTree>
@@ -4105,12 +4489,93 @@
           </a:p>
         </p:txBody>
       </p:sp>
+      <p:sp>
+        <p:nvSpPr>
+          <p:cNvPr id="5" name="TextBox 4">
+            <a:extLst>
+              <a:ext uri="{FF2B5EF4-FFF2-40B4-BE49-F238E27FC236}">
+                <a16:creationId xmlns:a16="http://schemas.microsoft.com/office/drawing/2014/main" id="{B1057B1C-6187-3167-C043-65929CC9495B}"/>
+              </a:ext>
+            </a:extLst>
+          </p:cNvPr>
+          <p:cNvSpPr txBox="1"/>
+          <p:nvPr/>
+        </p:nvSpPr>
+        <p:spPr>
+          <a:xfrm>
+            <a:off x="5949176" y="1781020"/>
+            <a:ext cx="6099716" cy="2246769"/>
+          </a:xfrm>
+          <a:prstGeom prst="rect">
+            <a:avLst/>
+          </a:prstGeom>
+          <a:noFill/>
+        </p:spPr>
+        <p:txBody>
+          <a:bodyPr wrap="square">
+            <a:spAutoFit/>
+          </a:bodyPr>
+          <a:lstStyle/>
+          <a:p>
+            <a:pPr marL="285750" indent="-285750">
+              <a:buFont typeface="Arial" panose="020B0604020202020204" pitchFamily="34" charset="0"/>
+              <a:buChar char="•"/>
+            </a:pPr>
+            <a:r>
+              <a:rPr lang="en-US" sz="2000" b="0" dirty="0" err="1">
+                <a:effectLst/>
+              </a:rPr>
+              <a:t>PreferredPaymentMode</a:t>
+            </a:r>
+            <a:r>
+              <a:rPr lang="en-US" sz="2000" b="0" dirty="0">
+                <a:effectLst/>
+              </a:rPr>
+              <a:t> shows variations of Churn behavior. Customers who preferred Cash on Delivery as their payment method Churned more (~25%). E-wallet also show more than 20% Churn.</a:t>
+            </a:r>
+            <a:endParaRPr lang="en-US" sz="2000" dirty="0"/>
+          </a:p>
+          <a:p>
+            <a:pPr marL="285750" indent="-285750">
+              <a:buFont typeface="Arial" panose="020B0604020202020204" pitchFamily="34" charset="0"/>
+              <a:buChar char="•"/>
+            </a:pPr>
+            <a:endParaRPr lang="en-US" sz="2000" b="0" dirty="0">
+              <a:effectLst/>
+            </a:endParaRPr>
+          </a:p>
+          <a:p>
+            <a:pPr marL="285750" indent="-285750">
+              <a:buFont typeface="Arial" panose="020B0604020202020204" pitchFamily="34" charset="0"/>
+              <a:buChar char="•"/>
+            </a:pPr>
+            <a:r>
+              <a:rPr lang="en-US" sz="2000" b="1" dirty="0">
+                <a:effectLst/>
+              </a:rPr>
+              <a:t>Association between Churn and </a:t>
+            </a:r>
+            <a:r>
+              <a:rPr lang="en-US" sz="2000" b="1" dirty="0" err="1">
+                <a:effectLst/>
+              </a:rPr>
+              <a:t>PreferredPaymentMode</a:t>
+            </a:r>
+            <a:r>
+              <a:rPr lang="en-US" sz="2000" b="1" dirty="0">
+                <a:effectLst/>
+              </a:rPr>
+              <a:t> is statistically significant.</a:t>
+            </a:r>
+          </a:p>
+        </p:txBody>
+      </p:sp>
       <p:pic>
         <p:nvPicPr>
-          <p:cNvPr id="8194" name="Picture 2">
-            <a:extLst>
-              <a:ext uri="{FF2B5EF4-FFF2-40B4-BE49-F238E27FC236}">
-                <a16:creationId xmlns:a16="http://schemas.microsoft.com/office/drawing/2014/main" id="{EF0C1E1F-BED9-DE9D-031A-551E4090465C}"/>
+          <p:cNvPr id="10242" name="Picture 2">
+            <a:extLst>
+              <a:ext uri="{FF2B5EF4-FFF2-40B4-BE49-F238E27FC236}">
+                <a16:creationId xmlns:a16="http://schemas.microsoft.com/office/drawing/2014/main" id="{7514C7B3-6C91-DBC5-21FD-3ECC81D36D23}"/>
               </a:ext>
             </a:extLst>
           </p:cNvPr>
@@ -4136,8 +4601,8 @@
         </p:blipFill>
         <p:spPr bwMode="auto">
           <a:xfrm>
-            <a:off x="942926" y="1781020"/>
-            <a:ext cx="4462910" cy="4351338"/>
+            <a:off x="838200" y="1781020"/>
+            <a:ext cx="4485915" cy="4351338"/>
           </a:xfrm>
           <a:prstGeom prst="rect">
             <a:avLst/>
@@ -4154,139 +4619,6 @@
           </a:extLst>
         </p:spPr>
       </p:pic>
-      <p:sp>
-        <p:nvSpPr>
-          <p:cNvPr id="5" name="TextBox 4">
-            <a:extLst>
-              <a:ext uri="{FF2B5EF4-FFF2-40B4-BE49-F238E27FC236}">
-                <a16:creationId xmlns:a16="http://schemas.microsoft.com/office/drawing/2014/main" id="{B1057B1C-6187-3167-C043-65929CC9495B}"/>
-              </a:ext>
-            </a:extLst>
-          </p:cNvPr>
-          <p:cNvSpPr txBox="1"/>
-          <p:nvPr/>
-        </p:nvSpPr>
-        <p:spPr>
-          <a:xfrm>
-            <a:off x="5949176" y="1781020"/>
-            <a:ext cx="6099716" cy="4247317"/>
-          </a:xfrm>
-          <a:prstGeom prst="rect">
-            <a:avLst/>
-          </a:prstGeom>
-          <a:noFill/>
-        </p:spPr>
-        <p:txBody>
-          <a:bodyPr wrap="square">
-            <a:spAutoFit/>
-          </a:bodyPr>
-          <a:lstStyle/>
-          <a:p>
-            <a:pPr marL="285750" indent="-285750">
-              <a:buFont typeface="Arial" panose="020B0604020202020204" pitchFamily="34" charset="0"/>
-              <a:buChar char="•"/>
-            </a:pPr>
-            <a:r>
-              <a:rPr lang="en-US" b="0" dirty="0" err="1">
-                <a:solidFill>
-                  <a:srgbClr val="008000"/>
-                </a:solidFill>
-                <a:effectLst/>
-                <a:latin typeface="Courier New" panose="02070309020205020404" pitchFamily="49" charset="0"/>
-              </a:rPr>
-              <a:t>PreferredPaymentMode</a:t>
-            </a:r>
-            <a:r>
-              <a:rPr lang="en-US" b="0" dirty="0">
-                <a:solidFill>
-                  <a:srgbClr val="008000"/>
-                </a:solidFill>
-                <a:effectLst/>
-                <a:latin typeface="Courier New" panose="02070309020205020404" pitchFamily="49" charset="0"/>
-              </a:rPr>
-              <a:t> shows variations of Churn behavior. Customers who preferred COD as their payment method Churned more (~28%). CC and E-wallet also show more than 20% Churn.</a:t>
-            </a:r>
-            <a:endParaRPr lang="en-US" dirty="0">
-              <a:solidFill>
-                <a:srgbClr val="000000"/>
-              </a:solidFill>
-              <a:latin typeface="Courier New" panose="02070309020205020404" pitchFamily="49" charset="0"/>
-            </a:endParaRPr>
-          </a:p>
-          <a:p>
-            <a:pPr marL="285750" indent="-285750">
-              <a:buFont typeface="Arial" panose="020B0604020202020204" pitchFamily="34" charset="0"/>
-              <a:buChar char="•"/>
-            </a:pPr>
-            <a:endParaRPr lang="en-US" b="0" dirty="0">
-              <a:solidFill>
-                <a:srgbClr val="000000"/>
-              </a:solidFill>
-              <a:effectLst/>
-              <a:latin typeface="Courier New" panose="02070309020205020404" pitchFamily="49" charset="0"/>
-            </a:endParaRPr>
-          </a:p>
-          <a:p>
-            <a:pPr marL="285750" indent="-285750">
-              <a:buFont typeface="Arial" panose="020B0604020202020204" pitchFamily="34" charset="0"/>
-              <a:buChar char="•"/>
-            </a:pPr>
-            <a:r>
-              <a:rPr lang="en-US" b="0" dirty="0">
-                <a:solidFill>
-                  <a:srgbClr val="008000"/>
-                </a:solidFill>
-                <a:effectLst/>
-                <a:latin typeface="Courier New" panose="02070309020205020404" pitchFamily="49" charset="0"/>
-              </a:rPr>
-              <a:t>This should be further investigated to see if those customers face any specific problem with these payment methods (CC, COD and E-wallet) using the application, so those customers should be engaged to learn more. </a:t>
-            </a:r>
-          </a:p>
-          <a:p>
-            <a:pPr marL="285750" indent="-285750">
-              <a:buFont typeface="Arial" panose="020B0604020202020204" pitchFamily="34" charset="0"/>
-              <a:buChar char="•"/>
-            </a:pPr>
-            <a:r>
-              <a:rPr lang="en-US" b="0" dirty="0">
-                <a:solidFill>
-                  <a:srgbClr val="008000"/>
-                </a:solidFill>
-                <a:effectLst/>
-                <a:latin typeface="Courier New" panose="02070309020205020404" pitchFamily="49" charset="0"/>
-              </a:rPr>
-              <a:t>Association between Churn and </a:t>
-            </a:r>
-            <a:r>
-              <a:rPr lang="en-US" b="0" dirty="0" err="1">
-                <a:solidFill>
-                  <a:srgbClr val="008000"/>
-                </a:solidFill>
-                <a:effectLst/>
-                <a:latin typeface="Courier New" panose="02070309020205020404" pitchFamily="49" charset="0"/>
-              </a:rPr>
-              <a:t>PreferredPaymentMode</a:t>
-            </a:r>
-            <a:r>
-              <a:rPr lang="en-US" b="0" dirty="0">
-                <a:solidFill>
-                  <a:srgbClr val="008000"/>
-                </a:solidFill>
-                <a:effectLst/>
-                <a:latin typeface="Courier New" panose="02070309020205020404" pitchFamily="49" charset="0"/>
-              </a:rPr>
-              <a:t> is statistically significant.</a:t>
-            </a:r>
-            <a:endParaRPr lang="en-US" b="0" dirty="0">
-              <a:solidFill>
-                <a:srgbClr val="000000"/>
-              </a:solidFill>
-              <a:effectLst/>
-              <a:latin typeface="Courier New" panose="02070309020205020404" pitchFamily="49" charset="0"/>
-            </a:endParaRPr>
-          </a:p>
-        </p:txBody>
-      </p:sp>
     </p:spTree>
     <p:extLst>
       <p:ext uri="{BB962C8B-B14F-4D97-AF65-F5344CB8AC3E}">
@@ -4300,7 +4632,7 @@
 </p:sld>
 </file>
 
-<file path=ppt/slides/slide13.xml><?xml version="1.0" encoding="utf-8"?>
+<file path=ppt/slides/slide15.xml><?xml version="1.0" encoding="utf-8"?>
 <p:sld xmlns:a="http://schemas.openxmlformats.org/drawingml/2006/main" xmlns:r="http://schemas.openxmlformats.org/officeDocument/2006/relationships" xmlns:p="http://schemas.openxmlformats.org/presentationml/2006/main">
   <p:cSld>
     <p:spTree>
@@ -4409,7 +4741,7 @@
         <p:spPr>
           <a:xfrm>
             <a:off x="6272562" y="1936739"/>
-            <a:ext cx="6099716" cy="1754326"/>
+            <a:ext cx="6099716" cy="1938992"/>
           </a:xfrm>
           <a:prstGeom prst="rect">
             <a:avLst/>
@@ -4427,12 +4759,8 @@
               <a:buChar char="•"/>
             </a:pPr>
             <a:r>
-              <a:rPr lang="en-US" b="0" dirty="0">
-                <a:solidFill>
-                  <a:srgbClr val="008000"/>
-                </a:solidFill>
-                <a:effectLst/>
-                <a:latin typeface="Courier New" panose="02070309020205020404" pitchFamily="49" charset="0"/>
+              <a:rPr lang="en-US" sz="2000" b="0" dirty="0">
+                <a:effectLst/>
               </a:rPr>
               <a:t>Data shows that Male customers churned more than Female customers.</a:t>
             </a:r>
@@ -4443,54 +4771,28 @@
               <a:buChar char="•"/>
             </a:pPr>
             <a:r>
-              <a:rPr lang="en-US" b="0" dirty="0">
-                <a:solidFill>
-                  <a:srgbClr val="008000"/>
-                </a:solidFill>
-                <a:effectLst/>
-                <a:latin typeface="Courier New" panose="02070309020205020404" pitchFamily="49" charset="0"/>
+              <a:rPr lang="en-US" sz="2000" b="1" dirty="0">
+                <a:effectLst/>
               </a:rPr>
               <a:t>Association between Churn and Gender is statistically significant.</a:t>
             </a:r>
-            <a:endParaRPr lang="en-US" b="0" dirty="0">
-              <a:solidFill>
-                <a:srgbClr val="000000"/>
-              </a:solidFill>
-              <a:effectLst/>
-              <a:latin typeface="Courier New" panose="02070309020205020404" pitchFamily="49" charset="0"/>
-            </a:endParaRPr>
           </a:p>
           <a:p>
             <a:pPr marL="285750" indent="-285750">
               <a:buFont typeface="Arial" panose="020B0604020202020204" pitchFamily="34" charset="0"/>
               <a:buChar char="•"/>
             </a:pPr>
-            <a:endParaRPr lang="en-US" b="0" dirty="0">
-              <a:solidFill>
-                <a:srgbClr val="008000"/>
-              </a:solidFill>
+            <a:endParaRPr lang="en-US" sz="2000" b="0" dirty="0">
               <a:effectLst/>
-              <a:latin typeface="Courier New" panose="02070309020205020404" pitchFamily="49" charset="0"/>
             </a:endParaRPr>
           </a:p>
           <a:p>
             <a:r>
-              <a:rPr lang="en-US" b="0" dirty="0">
-                <a:solidFill>
-                  <a:srgbClr val="008000"/>
-                </a:solidFill>
-                <a:effectLst/>
-                <a:latin typeface="Courier New" panose="02070309020205020404" pitchFamily="49" charset="0"/>
+              <a:rPr lang="en-US" sz="2000" b="0" dirty="0">
+                <a:effectLst/>
               </a:rPr>
               <a:t> </a:t>
             </a:r>
-            <a:endParaRPr lang="en-US" b="0" dirty="0">
-              <a:solidFill>
-                <a:srgbClr val="000000"/>
-              </a:solidFill>
-              <a:effectLst/>
-              <a:latin typeface="Courier New" panose="02070309020205020404" pitchFamily="49" charset="0"/>
-            </a:endParaRPr>
           </a:p>
         </p:txBody>
       </p:sp>
@@ -4507,7 +4809,7 @@
 </p:sld>
 </file>
 
-<file path=ppt/slides/slide14.xml><?xml version="1.0" encoding="utf-8"?>
+<file path=ppt/slides/slide16.xml><?xml version="1.0" encoding="utf-8"?>
 <p:sld xmlns:a="http://schemas.openxmlformats.org/drawingml/2006/main" xmlns:r="http://schemas.openxmlformats.org/officeDocument/2006/relationships" xmlns:p="http://schemas.openxmlformats.org/presentationml/2006/main">
   <p:cSld>
     <p:spTree>
@@ -4624,7 +4926,7 @@
         <p:spPr>
           <a:xfrm>
             <a:off x="6092284" y="1808376"/>
-            <a:ext cx="6099716" cy="3139321"/>
+            <a:ext cx="6099716" cy="2769989"/>
           </a:xfrm>
           <a:prstGeom prst="rect">
             <a:avLst/>
@@ -4642,32 +4944,20 @@
               <a:buChar char="•"/>
             </a:pPr>
             <a:r>
-              <a:rPr lang="en-US" b="0" dirty="0">
-                <a:solidFill>
-                  <a:srgbClr val="008000"/>
-                </a:solidFill>
-                <a:effectLst/>
-                <a:latin typeface="Courier New" panose="02070309020205020404" pitchFamily="49" charset="0"/>
+              <a:rPr lang="en-US" sz="2000" b="0" dirty="0">
+                <a:effectLst/>
               </a:rPr>
               <a:t>Intuitively we would expect that higher the number of </a:t>
             </a:r>
             <a:r>
-              <a:rPr lang="en-US" b="0" dirty="0" err="1">
-                <a:solidFill>
-                  <a:srgbClr val="008000"/>
-                </a:solidFill>
-                <a:effectLst/>
-                <a:latin typeface="Courier New" panose="02070309020205020404" pitchFamily="49" charset="0"/>
+              <a:rPr lang="en-US" sz="2000" b="0" dirty="0" err="1">
+                <a:effectLst/>
               </a:rPr>
               <a:t>hrs</a:t>
             </a:r>
             <a:r>
-              <a:rPr lang="en-US" b="0" dirty="0">
-                <a:solidFill>
-                  <a:srgbClr val="008000"/>
-                </a:solidFill>
-                <a:effectLst/>
-                <a:latin typeface="Courier New" panose="02070309020205020404" pitchFamily="49" charset="0"/>
+              <a:rPr lang="en-US" sz="2000" b="0" dirty="0">
+                <a:effectLst/>
               </a:rPr>
               <a:t> spend on app, users are less likely to churn, but data doesn't show us that. This is counter intuitive.</a:t>
             </a:r>
@@ -4677,11 +4967,10 @@
               <a:buFont typeface="Arial" panose="020B0604020202020204" pitchFamily="34" charset="0"/>
               <a:buChar char="•"/>
             </a:pPr>
-            <a:endParaRPr lang="en-US" dirty="0">
+            <a:endParaRPr lang="en-US" sz="2000" dirty="0">
               <a:solidFill>
                 <a:srgbClr val="008000"/>
               </a:solidFill>
-              <a:latin typeface="Courier New" panose="02070309020205020404" pitchFamily="49" charset="0"/>
             </a:endParaRPr>
           </a:p>
           <a:p>
@@ -4690,58 +4979,44 @@
               <a:buChar char="•"/>
             </a:pPr>
             <a:r>
-              <a:rPr lang="en-US" b="0" dirty="0">
+              <a:rPr lang="en-US" sz="2000" b="1" dirty="0">
                 <a:solidFill>
-                  <a:srgbClr val="FF0000"/>
+                  <a:srgbClr val="C00000"/>
                 </a:solidFill>
                 <a:effectLst/>
+              </a:rPr>
+              <a:t>Association between Churn and </a:t>
+            </a:r>
+            <a:r>
+              <a:rPr lang="en-US" sz="2000" b="1" dirty="0" err="1">
+                <a:solidFill>
+                  <a:srgbClr val="C00000"/>
+                </a:solidFill>
+                <a:effectLst/>
+              </a:rPr>
+              <a:t>HourSpendOnApp</a:t>
+            </a:r>
+            <a:r>
+              <a:rPr lang="en-US" sz="2000" b="1" dirty="0">
+                <a:solidFill>
+                  <a:srgbClr val="C00000"/>
+                </a:solidFill>
+                <a:effectLst/>
+              </a:rPr>
+              <a:t> is not statistically significant</a:t>
+            </a:r>
+          </a:p>
+          <a:p>
+            <a:r>
+              <a:rPr lang="en-US" b="1" dirty="0">
+                <a:solidFill>
+                  <a:srgbClr val="C00000"/>
+                </a:solidFill>
+                <a:effectLst/>
                 <a:latin typeface="Courier New" panose="02070309020205020404" pitchFamily="49" charset="0"/>
               </a:rPr>
-              <a:t>Association between Churn and </a:t>
-            </a:r>
-            <a:r>
-              <a:rPr lang="en-US" b="0" dirty="0" err="1">
-                <a:solidFill>
-                  <a:srgbClr val="FF0000"/>
-                </a:solidFill>
-                <a:effectLst/>
-                <a:latin typeface="Courier New" panose="02070309020205020404" pitchFamily="49" charset="0"/>
-              </a:rPr>
-              <a:t>HourSpendOnApp</a:t>
-            </a:r>
-            <a:r>
-              <a:rPr lang="en-US" b="0" dirty="0">
-                <a:solidFill>
-                  <a:srgbClr val="FF0000"/>
-                </a:solidFill>
-                <a:effectLst/>
-                <a:latin typeface="Courier New" panose="02070309020205020404" pitchFamily="49" charset="0"/>
-              </a:rPr>
-              <a:t> is not statistically significant</a:t>
-            </a:r>
-          </a:p>
-          <a:p>
-            <a:pPr marL="285750" indent="-285750">
-              <a:buFont typeface="Arial" panose="020B0604020202020204" pitchFamily="34" charset="0"/>
-              <a:buChar char="•"/>
-            </a:pPr>
-            <a:r>
-              <a:rPr lang="en-US" b="0" dirty="0">
-                <a:solidFill>
-                  <a:srgbClr val="008000"/>
-                </a:solidFill>
-                <a:effectLst/>
-                <a:latin typeface="Courier New" panose="02070309020205020404" pitchFamily="49" charset="0"/>
-              </a:rPr>
               <a:t> </a:t>
             </a:r>
-            <a:endParaRPr lang="en-US" b="0" dirty="0">
-              <a:solidFill>
-                <a:srgbClr val="000000"/>
-              </a:solidFill>
-              <a:effectLst/>
-              <a:latin typeface="Courier New" panose="02070309020205020404" pitchFamily="49" charset="0"/>
-            </a:endParaRPr>
           </a:p>
           <a:p>
             <a:br>
@@ -4776,7 +5051,7 @@
 </p:sld>
 </file>
 
-<file path=ppt/slides/slide15.xml><?xml version="1.0" encoding="utf-8"?>
+<file path=ppt/slides/slide17.xml><?xml version="1.0" encoding="utf-8"?>
 <p:sld xmlns:a="http://schemas.openxmlformats.org/drawingml/2006/main" xmlns:r="http://schemas.openxmlformats.org/officeDocument/2006/relationships" xmlns:p="http://schemas.openxmlformats.org/presentationml/2006/main">
   <p:cSld>
     <p:spTree>
@@ -4890,7 +5165,7 @@
         <p:spPr>
           <a:xfrm>
             <a:off x="6096000" y="1965887"/>
-            <a:ext cx="6099716" cy="2031325"/>
+            <a:ext cx="6099716" cy="1323439"/>
           </a:xfrm>
           <a:prstGeom prst="rect">
             <a:avLst/>
@@ -4908,21 +5183,12 @@
               <a:buChar char="•"/>
             </a:pPr>
             <a:r>
-              <a:rPr lang="en-US" dirty="0">
-                <a:solidFill>
-                  <a:srgbClr val="008000"/>
-                </a:solidFill>
-                <a:latin typeface="Courier New" panose="02070309020205020404" pitchFamily="49" charset="0"/>
-              </a:rPr>
+              <a:rPr lang="en-US" sz="2000" dirty="0"/>
               <a:t>Customers churned more as they have registered </a:t>
             </a:r>
             <a:r>
-              <a:rPr lang="en-US" b="0" dirty="0">
-                <a:solidFill>
-                  <a:srgbClr val="008000"/>
-                </a:solidFill>
-                <a:effectLst/>
-                <a:latin typeface="Courier New" panose="02070309020205020404" pitchFamily="49" charset="0"/>
+              <a:rPr lang="en-US" sz="2000" b="0" dirty="0">
+                <a:effectLst/>
               </a:rPr>
               <a:t> higher number of devices </a:t>
             </a:r>
@@ -4933,58 +5199,23 @@
               <a:buChar char="•"/>
             </a:pPr>
             <a:r>
-              <a:rPr lang="en-US" b="0" dirty="0">
-                <a:solidFill>
-                  <a:srgbClr val="008000"/>
-                </a:solidFill>
-                <a:effectLst/>
-                <a:latin typeface="Courier New" panose="02070309020205020404" pitchFamily="49" charset="0"/>
-              </a:rPr>
-              <a:t>From CX point of view, users with more registered devices should be engaged.</a:t>
-            </a:r>
-          </a:p>
-          <a:p>
-            <a:pPr marL="285750" indent="-285750">
-              <a:buFont typeface="Arial" panose="020B0604020202020204" pitchFamily="34" charset="0"/>
-              <a:buChar char="•"/>
-            </a:pPr>
-            <a:r>
-              <a:rPr lang="en-US" b="0" dirty="0">
-                <a:solidFill>
-                  <a:srgbClr val="008000"/>
-                </a:solidFill>
-                <a:effectLst/>
-                <a:latin typeface="Courier New" panose="02070309020205020404" pitchFamily="49" charset="0"/>
+              <a:rPr lang="en-US" sz="2000" b="1" dirty="0">
+                <a:effectLst/>
               </a:rPr>
               <a:t>Association between Churn and </a:t>
             </a:r>
             <a:r>
-              <a:rPr lang="en-US" b="0" dirty="0" err="1">
-                <a:solidFill>
-                  <a:srgbClr val="008000"/>
-                </a:solidFill>
-                <a:effectLst/>
-                <a:latin typeface="Courier New" panose="02070309020205020404" pitchFamily="49" charset="0"/>
+              <a:rPr lang="en-US" sz="2000" b="1" dirty="0" err="1">
+                <a:effectLst/>
               </a:rPr>
               <a:t>NumberOfDeviceRegistered</a:t>
             </a:r>
             <a:r>
-              <a:rPr lang="en-US" b="0" dirty="0">
-                <a:solidFill>
-                  <a:srgbClr val="008000"/>
-                </a:solidFill>
-                <a:effectLst/>
-                <a:latin typeface="Courier New" panose="02070309020205020404" pitchFamily="49" charset="0"/>
+              <a:rPr lang="en-US" sz="2000" b="1" dirty="0">
+                <a:effectLst/>
               </a:rPr>
               <a:t> is statistically significant</a:t>
             </a:r>
-            <a:endParaRPr lang="en-US" b="0" dirty="0">
-              <a:solidFill>
-                <a:srgbClr val="000000"/>
-              </a:solidFill>
-              <a:effectLst/>
-              <a:latin typeface="Courier New" panose="02070309020205020404" pitchFamily="49" charset="0"/>
-            </a:endParaRPr>
           </a:p>
         </p:txBody>
       </p:sp>
@@ -5001,7 +5232,7 @@
 </p:sld>
 </file>
 
-<file path=ppt/slides/slide16.xml><?xml version="1.0" encoding="utf-8"?>
+<file path=ppt/slides/slide18.xml><?xml version="1.0" encoding="utf-8"?>
 <p:sld xmlns:a="http://schemas.openxmlformats.org/drawingml/2006/main" xmlns:r="http://schemas.openxmlformats.org/officeDocument/2006/relationships" xmlns:p="http://schemas.openxmlformats.org/presentationml/2006/main">
   <p:cSld>
     <p:spTree>
@@ -5054,12 +5285,77 @@
           </a:p>
         </p:txBody>
       </p:sp>
+      <p:sp>
+        <p:nvSpPr>
+          <p:cNvPr id="5" name="TextBox 4">
+            <a:extLst>
+              <a:ext uri="{FF2B5EF4-FFF2-40B4-BE49-F238E27FC236}">
+                <a16:creationId xmlns:a16="http://schemas.microsoft.com/office/drawing/2014/main" id="{A3A5095B-507E-7A71-9E20-281AB8300B2A}"/>
+              </a:ext>
+            </a:extLst>
+          </p:cNvPr>
+          <p:cNvSpPr txBox="1"/>
+          <p:nvPr/>
+        </p:nvSpPr>
+        <p:spPr>
+          <a:xfrm>
+            <a:off x="5447371" y="1803322"/>
+            <a:ext cx="6099716" cy="1323439"/>
+          </a:xfrm>
+          <a:prstGeom prst="rect">
+            <a:avLst/>
+          </a:prstGeom>
+          <a:noFill/>
+        </p:spPr>
+        <p:txBody>
+          <a:bodyPr wrap="square">
+            <a:spAutoFit/>
+          </a:bodyPr>
+          <a:lstStyle/>
+          <a:p>
+            <a:pPr marL="285750" indent="-285750">
+              <a:buFont typeface="Arial" panose="020B0604020202020204" pitchFamily="34" charset="0"/>
+              <a:buChar char="•"/>
+            </a:pPr>
+            <a:r>
+              <a:rPr lang="en-US" sz="2000" b="0" dirty="0">
+                <a:effectLst/>
+              </a:rPr>
+              <a:t>Customers who ordered mobile phones churned more (more than 25%) </a:t>
+            </a:r>
+          </a:p>
+          <a:p>
+            <a:pPr marL="285750" indent="-285750">
+              <a:buFont typeface="Arial" panose="020B0604020202020204" pitchFamily="34" charset="0"/>
+              <a:buChar char="•"/>
+            </a:pPr>
+            <a:r>
+              <a:rPr lang="en-US" sz="2000" b="1" dirty="0">
+                <a:effectLst/>
+              </a:rPr>
+              <a:t>Association between Churn and  </a:t>
+            </a:r>
+            <a:r>
+              <a:rPr lang="en-US" sz="2000" b="1" dirty="0" err="1">
+                <a:effectLst/>
+              </a:rPr>
+              <a:t>PreferredOrderCat</a:t>
+            </a:r>
+            <a:r>
+              <a:rPr lang="en-US" sz="2000" b="1" dirty="0">
+                <a:effectLst/>
+              </a:rPr>
+              <a:t> is statistically significant</a:t>
+            </a:r>
+          </a:p>
+        </p:txBody>
+      </p:sp>
       <p:pic>
         <p:nvPicPr>
-          <p:cNvPr id="12290" name="Picture 2">
-            <a:extLst>
-              <a:ext uri="{FF2B5EF4-FFF2-40B4-BE49-F238E27FC236}">
-                <a16:creationId xmlns:a16="http://schemas.microsoft.com/office/drawing/2014/main" id="{2AB5C74D-D5AF-38E7-CD6D-1E143E17B167}"/>
+          <p:cNvPr id="11266" name="Picture 2">
+            <a:extLst>
+              <a:ext uri="{FF2B5EF4-FFF2-40B4-BE49-F238E27FC236}">
+                <a16:creationId xmlns:a16="http://schemas.microsoft.com/office/drawing/2014/main" id="{FB3714C7-8276-7597-6547-DC98FE1D2612}"/>
               </a:ext>
             </a:extLst>
           </p:cNvPr>
@@ -5103,94 +5399,6 @@
           </a:extLst>
         </p:spPr>
       </p:pic>
-      <p:sp>
-        <p:nvSpPr>
-          <p:cNvPr id="5" name="TextBox 4">
-            <a:extLst>
-              <a:ext uri="{FF2B5EF4-FFF2-40B4-BE49-F238E27FC236}">
-                <a16:creationId xmlns:a16="http://schemas.microsoft.com/office/drawing/2014/main" id="{A3A5095B-507E-7A71-9E20-281AB8300B2A}"/>
-              </a:ext>
-            </a:extLst>
-          </p:cNvPr>
-          <p:cNvSpPr txBox="1"/>
-          <p:nvPr/>
-        </p:nvSpPr>
-        <p:spPr>
-          <a:xfrm>
-            <a:off x="5447371" y="1803322"/>
-            <a:ext cx="6099716" cy="1477328"/>
-          </a:xfrm>
-          <a:prstGeom prst="rect">
-            <a:avLst/>
-          </a:prstGeom>
-          <a:noFill/>
-        </p:spPr>
-        <p:txBody>
-          <a:bodyPr wrap="square">
-            <a:spAutoFit/>
-          </a:bodyPr>
-          <a:lstStyle/>
-          <a:p>
-            <a:pPr marL="285750" indent="-285750">
-              <a:buFont typeface="Arial" panose="020B0604020202020204" pitchFamily="34" charset="0"/>
-              <a:buChar char="•"/>
-            </a:pPr>
-            <a:r>
-              <a:rPr lang="en-US" b="0" dirty="0">
-                <a:solidFill>
-                  <a:srgbClr val="008000"/>
-                </a:solidFill>
-                <a:effectLst/>
-                <a:latin typeface="Courier New" panose="02070309020205020404" pitchFamily="49" charset="0"/>
-              </a:rPr>
-              <a:t>Customers who ordered mobile and mobile phones churned more (more than 25%) </a:t>
-            </a:r>
-          </a:p>
-          <a:p>
-            <a:pPr marL="285750" indent="-285750">
-              <a:buFont typeface="Arial" panose="020B0604020202020204" pitchFamily="34" charset="0"/>
-              <a:buChar char="•"/>
-            </a:pPr>
-            <a:r>
-              <a:rPr lang="en-US" b="0" dirty="0">
-                <a:solidFill>
-                  <a:srgbClr val="008000"/>
-                </a:solidFill>
-                <a:effectLst/>
-                <a:latin typeface="Courier New" panose="02070309020205020404" pitchFamily="49" charset="0"/>
-              </a:rPr>
-              <a:t>Association between Churn and  </a:t>
-            </a:r>
-            <a:r>
-              <a:rPr lang="en-US" b="0" dirty="0" err="1">
-                <a:solidFill>
-                  <a:srgbClr val="008000"/>
-                </a:solidFill>
-                <a:effectLst/>
-                <a:latin typeface="Courier New" panose="02070309020205020404" pitchFamily="49" charset="0"/>
-              </a:rPr>
-              <a:t>PreferredOrderCat</a:t>
-            </a:r>
-            <a:r>
-              <a:rPr lang="en-US" b="0" dirty="0">
-                <a:solidFill>
-                  <a:srgbClr val="008000"/>
-                </a:solidFill>
-                <a:effectLst/>
-                <a:latin typeface="Courier New" panose="02070309020205020404" pitchFamily="49" charset="0"/>
-              </a:rPr>
-              <a:t> is statistically significant</a:t>
-            </a:r>
-            <a:endParaRPr lang="en-US" b="0" dirty="0">
-              <a:solidFill>
-                <a:srgbClr val="000000"/>
-              </a:solidFill>
-              <a:effectLst/>
-              <a:latin typeface="Courier New" panose="02070309020205020404" pitchFamily="49" charset="0"/>
-            </a:endParaRPr>
-          </a:p>
-        </p:txBody>
-      </p:sp>
     </p:spTree>
     <p:extLst>
       <p:ext uri="{BB962C8B-B14F-4D97-AF65-F5344CB8AC3E}">
@@ -5204,7 +5412,7 @@
 </p:sld>
 </file>
 
-<file path=ppt/slides/slide17.xml><?xml version="1.0" encoding="utf-8"?>
+<file path=ppt/slides/slide19.xml><?xml version="1.0" encoding="utf-8"?>
 <p:sld xmlns:a="http://schemas.openxmlformats.org/drawingml/2006/main" xmlns:r="http://schemas.openxmlformats.org/officeDocument/2006/relationships" xmlns:p="http://schemas.openxmlformats.org/presentationml/2006/main">
   <p:cSld>
     <p:spTree>
@@ -5321,7 +5529,7 @@
         <p:spPr>
           <a:xfrm>
             <a:off x="6092284" y="2091802"/>
-            <a:ext cx="6099716" cy="3693319"/>
+            <a:ext cx="6099716" cy="2862322"/>
           </a:xfrm>
           <a:prstGeom prst="rect">
             <a:avLst/>
@@ -5339,36 +5547,11 @@
               <a:buChar char="•"/>
             </a:pPr>
             <a:r>
-              <a:rPr lang="en-US" b="0" dirty="0">
-                <a:solidFill>
-                  <a:srgbClr val="008000"/>
-                </a:solidFill>
-                <a:effectLst/>
-                <a:latin typeface="Courier New" panose="02070309020205020404" pitchFamily="49" charset="0"/>
-              </a:rPr>
-              <a:t>Assuming 1 means most satisfied, data shows that most satisfied customers are less likely to churn (intuitive), however if 1 here means least satisfied, </a:t>
-            </a:r>
-          </a:p>
-          <a:p>
-            <a:r>
-              <a:rPr lang="en-US" b="0" dirty="0">
-                <a:solidFill>
-                  <a:srgbClr val="008000"/>
-                </a:solidFill>
-                <a:effectLst/>
-                <a:latin typeface="Courier New" panose="02070309020205020404" pitchFamily="49" charset="0"/>
-              </a:rPr>
-              <a:t>  data shows counter intuitive. </a:t>
-            </a:r>
-          </a:p>
-          <a:p>
-            <a:endParaRPr lang="en-US" b="0" dirty="0">
-              <a:solidFill>
-                <a:srgbClr val="008000"/>
-              </a:solidFill>
-              <a:effectLst/>
-              <a:latin typeface="Courier New" panose="02070309020205020404" pitchFamily="49" charset="0"/>
-            </a:endParaRPr>
+              <a:rPr lang="en-US" sz="2000" dirty="0">
+                <a:effectLst/>
+              </a:rPr>
+              <a:t>Higher the satisfaction score, higher the churn. </a:t>
+            </a:r>
           </a:p>
           <a:p>
             <a:pPr marL="285750" indent="-285750">
@@ -5376,35 +5559,9 @@
               <a:buChar char="•"/>
             </a:pPr>
             <a:r>
-              <a:rPr lang="en-US" b="0" dirty="0">
-                <a:solidFill>
-                  <a:srgbClr val="008000"/>
-                </a:solidFill>
-                <a:effectLst/>
-                <a:latin typeface="Courier New" panose="02070309020205020404" pitchFamily="49" charset="0"/>
-              </a:rPr>
-              <a:t>From CX perspective, Customers who are least satisfied should be engaged.</a:t>
-            </a:r>
-          </a:p>
-          <a:p>
-            <a:r>
-              <a:rPr lang="en-US" b="0" dirty="0">
-                <a:solidFill>
-                  <a:srgbClr val="008000"/>
-                </a:solidFill>
-                <a:effectLst/>
-                <a:latin typeface="Courier New" panose="02070309020205020404" pitchFamily="49" charset="0"/>
-              </a:rPr>
-              <a:t> </a:t>
-            </a:r>
-          </a:p>
-          <a:p>
-            <a:endParaRPr lang="en-US" dirty="0">
-              <a:solidFill>
-                <a:srgbClr val="008000"/>
-              </a:solidFill>
-              <a:latin typeface="Courier New" panose="02070309020205020404" pitchFamily="49" charset="0"/>
-            </a:endParaRPr>
+              <a:rPr lang="en-US" sz="2000" dirty="0"/>
+              <a:t>If 5 means most satisfied then it is counter intuitive. </a:t>
+            </a:r>
           </a:p>
           <a:p>
             <a:pPr marL="285750" indent="-285750">
@@ -5412,42 +5569,65 @@
               <a:buChar char="•"/>
             </a:pPr>
             <a:r>
-              <a:rPr lang="en-US" b="0" dirty="0">
-                <a:solidFill>
-                  <a:srgbClr val="008000"/>
-                </a:solidFill>
-                <a:effectLst/>
-                <a:latin typeface="Courier New" panose="02070309020205020404" pitchFamily="49" charset="0"/>
+              <a:rPr lang="en-US" sz="2000" dirty="0">
+                <a:effectLst/>
+              </a:rPr>
+              <a:t>If 1  means most sat</a:t>
+            </a:r>
+            <a:r>
+              <a:rPr lang="en-US" sz="2000" dirty="0"/>
+              <a:t>isfied, then it is intuitive. </a:t>
+            </a:r>
+            <a:endParaRPr lang="en-US" sz="2000" dirty="0">
+              <a:effectLst/>
+            </a:endParaRPr>
+          </a:p>
+          <a:p>
+            <a:pPr marL="285750" indent="-285750">
+              <a:buFont typeface="Arial" panose="020B0604020202020204" pitchFamily="34" charset="0"/>
+              <a:buChar char="•"/>
+            </a:pPr>
+            <a:r>
+              <a:rPr lang="en-US" sz="2000" dirty="0">
+                <a:effectLst/>
+              </a:rPr>
+              <a:t>From CX perspective, Customers who are least satisfied should be engaged.</a:t>
+            </a:r>
+          </a:p>
+          <a:p>
+            <a:r>
+              <a:rPr lang="en-US" sz="2000" dirty="0">
+                <a:effectLst/>
+              </a:rPr>
+              <a:t> </a:t>
+            </a:r>
+          </a:p>
+          <a:p>
+            <a:endParaRPr lang="en-US" sz="2000" dirty="0"/>
+          </a:p>
+          <a:p>
+            <a:pPr marL="285750" indent="-285750">
+              <a:buFont typeface="Arial" panose="020B0604020202020204" pitchFamily="34" charset="0"/>
+              <a:buChar char="•"/>
+            </a:pPr>
+            <a:r>
+              <a:rPr lang="en-US" sz="2000" b="1" dirty="0">
+                <a:effectLst/>
               </a:rPr>
               <a:t>Association between Churn and </a:t>
             </a:r>
             <a:r>
-              <a:rPr lang="en-US" b="0" dirty="0" err="1">
-                <a:solidFill>
-                  <a:srgbClr val="008000"/>
-                </a:solidFill>
-                <a:effectLst/>
-                <a:latin typeface="Courier New" panose="02070309020205020404" pitchFamily="49" charset="0"/>
+              <a:rPr lang="en-US" sz="2000" b="1" dirty="0" err="1">
+                <a:effectLst/>
               </a:rPr>
               <a:t>SatisfactionScore</a:t>
             </a:r>
             <a:r>
-              <a:rPr lang="en-US" b="0" dirty="0">
-                <a:solidFill>
-                  <a:srgbClr val="008000"/>
-                </a:solidFill>
-                <a:effectLst/>
-                <a:latin typeface="Courier New" panose="02070309020205020404" pitchFamily="49" charset="0"/>
+              <a:rPr lang="en-US" sz="2000" b="1" dirty="0">
+                <a:effectLst/>
               </a:rPr>
               <a:t> is statistically significant</a:t>
             </a:r>
-            <a:endParaRPr lang="en-US" b="0" dirty="0">
-              <a:solidFill>
-                <a:srgbClr val="000000"/>
-              </a:solidFill>
-              <a:effectLst/>
-              <a:latin typeface="Courier New" panose="02070309020205020404" pitchFamily="49" charset="0"/>
-            </a:endParaRPr>
           </a:p>
         </p:txBody>
       </p:sp>
@@ -5455,459 +5635,6 @@
     <p:extLst>
       <p:ext uri="{BB962C8B-B14F-4D97-AF65-F5344CB8AC3E}">
         <p14:creationId xmlns:p14="http://schemas.microsoft.com/office/powerpoint/2010/main" val="1166015772"/>
-      </p:ext>
-    </p:extLst>
-  </p:cSld>
-  <p:clrMapOvr>
-    <a:masterClrMapping/>
-  </p:clrMapOvr>
-</p:sld>
-</file>
-
-<file path=ppt/slides/slide18.xml><?xml version="1.0" encoding="utf-8"?>
-<p:sld xmlns:a="http://schemas.openxmlformats.org/drawingml/2006/main" xmlns:r="http://schemas.openxmlformats.org/officeDocument/2006/relationships" xmlns:p="http://schemas.openxmlformats.org/presentationml/2006/main">
-  <p:cSld>
-    <p:spTree>
-      <p:nvGrpSpPr>
-        <p:cNvPr id="1" name=""/>
-        <p:cNvGrpSpPr/>
-        <p:nvPr/>
-      </p:nvGrpSpPr>
-      <p:grpSpPr>
-        <a:xfrm>
-          <a:off x="0" y="0"/>
-          <a:ext cx="0" cy="0"/>
-          <a:chOff x="0" y="0"/>
-          <a:chExt cx="0" cy="0"/>
-        </a:xfrm>
-      </p:grpSpPr>
-      <p:sp>
-        <p:nvSpPr>
-          <p:cNvPr id="2" name="Title 1">
-            <a:extLst>
-              <a:ext uri="{FF2B5EF4-FFF2-40B4-BE49-F238E27FC236}">
-                <a16:creationId xmlns:a16="http://schemas.microsoft.com/office/drawing/2014/main" id="{5063E13E-41A3-464C-4BF9-A6DAA2699FEF}"/>
-              </a:ext>
-            </a:extLst>
-          </p:cNvPr>
-          <p:cNvSpPr>
-            <a:spLocks noGrp="1"/>
-          </p:cNvSpPr>
-          <p:nvPr>
-            <p:ph type="title"/>
-          </p:nvPr>
-        </p:nvSpPr>
-        <p:spPr/>
-        <p:txBody>
-          <a:bodyPr/>
-          <a:lstStyle/>
-          <a:p>
-            <a:r>
-              <a:rPr lang="en-US" dirty="0"/>
-              <a:t>Churn vs. </a:t>
-            </a:r>
-            <a:r>
-              <a:rPr lang="en-US" dirty="0" err="1"/>
-              <a:t>MaritalStatus</a:t>
-            </a:r>
-            <a:r>
-              <a:rPr lang="en-US"/>
-              <a:t> </a:t>
-            </a:r>
-          </a:p>
-        </p:txBody>
-      </p:sp>
-      <p:pic>
-        <p:nvPicPr>
-          <p:cNvPr id="1026" name="Picture 2">
-            <a:extLst>
-              <a:ext uri="{FF2B5EF4-FFF2-40B4-BE49-F238E27FC236}">
-                <a16:creationId xmlns:a16="http://schemas.microsoft.com/office/drawing/2014/main" id="{09022482-288D-D929-32F9-C5822D8B4409}"/>
-              </a:ext>
-            </a:extLst>
-          </p:cNvPr>
-          <p:cNvPicPr>
-            <a:picLocks noGrp="1" noChangeAspect="1" noChangeArrowheads="1"/>
-          </p:cNvPicPr>
-          <p:nvPr>
-            <p:ph idx="1"/>
-          </p:nvPr>
-        </p:nvPicPr>
-        <p:blipFill>
-          <a:blip r:embed="rId2">
-            <a:extLst>
-              <a:ext uri="{28A0092B-C50C-407E-A947-70E740481C1C}">
-                <a14:useLocalDpi xmlns:a14="http://schemas.microsoft.com/office/drawing/2010/main" val="0"/>
-              </a:ext>
-            </a:extLst>
-          </a:blip>
-          <a:srcRect/>
-          <a:stretch>
-            <a:fillRect/>
-          </a:stretch>
-        </p:blipFill>
-        <p:spPr bwMode="auto">
-          <a:xfrm>
-            <a:off x="838200" y="1783584"/>
-            <a:ext cx="5001537" cy="4351338"/>
-          </a:xfrm>
-          <a:prstGeom prst="rect">
-            <a:avLst/>
-          </a:prstGeom>
-          <a:noFill/>
-          <a:extLst>
-            <a:ext uri="{909E8E84-426E-40DD-AFC4-6F175D3DCCD1}">
-              <a14:hiddenFill xmlns:a14="http://schemas.microsoft.com/office/drawing/2010/main">
-                <a:solidFill>
-                  <a:srgbClr val="FFFFFF"/>
-                </a:solidFill>
-              </a14:hiddenFill>
-            </a:ext>
-          </a:extLst>
-        </p:spPr>
-      </p:pic>
-      <p:sp>
-        <p:nvSpPr>
-          <p:cNvPr id="6" name="TextBox 5">
-            <a:extLst>
-              <a:ext uri="{FF2B5EF4-FFF2-40B4-BE49-F238E27FC236}">
-                <a16:creationId xmlns:a16="http://schemas.microsoft.com/office/drawing/2014/main" id="{1F1081A0-2B21-8F0C-7D37-9E7DA5439B42}"/>
-              </a:ext>
-            </a:extLst>
-          </p:cNvPr>
-          <p:cNvSpPr txBox="1"/>
-          <p:nvPr/>
-        </p:nvSpPr>
-        <p:spPr>
-          <a:xfrm>
-            <a:off x="6022428" y="1783584"/>
-            <a:ext cx="6096000" cy="2308324"/>
-          </a:xfrm>
-          <a:prstGeom prst="rect">
-            <a:avLst/>
-          </a:prstGeom>
-          <a:noFill/>
-        </p:spPr>
-        <p:txBody>
-          <a:bodyPr wrap="square">
-            <a:spAutoFit/>
-          </a:bodyPr>
-          <a:lstStyle/>
-          <a:p>
-            <a:pPr marL="285750" indent="-285750">
-              <a:buFont typeface="Arial" panose="020B0604020202020204" pitchFamily="34" charset="0"/>
-              <a:buChar char="•"/>
-            </a:pPr>
-            <a:r>
-              <a:rPr lang="en-US" b="0" dirty="0">
-                <a:solidFill>
-                  <a:srgbClr val="008000"/>
-                </a:solidFill>
-                <a:effectLst/>
-                <a:latin typeface="Courier New" panose="02070309020205020404" pitchFamily="49" charset="0"/>
-              </a:rPr>
-              <a:t>Data shows married people are churning less, whereas single individuals are churning more. Perhaps they don't have consistent purchase behaviors.</a:t>
-            </a:r>
-          </a:p>
-          <a:p>
-            <a:pPr marL="285750" indent="-285750">
-              <a:buFont typeface="Arial" panose="020B0604020202020204" pitchFamily="34" charset="0"/>
-              <a:buChar char="•"/>
-            </a:pPr>
-            <a:r>
-              <a:rPr lang="en-US" b="0" dirty="0">
-                <a:solidFill>
-                  <a:srgbClr val="008000"/>
-                </a:solidFill>
-                <a:effectLst/>
-                <a:latin typeface="Courier New" panose="02070309020205020404" pitchFamily="49" charset="0"/>
-              </a:rPr>
-              <a:t>Association between Churn and </a:t>
-            </a:r>
-            <a:r>
-              <a:rPr lang="en-US" b="0" dirty="0" err="1">
-                <a:solidFill>
-                  <a:srgbClr val="008000"/>
-                </a:solidFill>
-                <a:effectLst/>
-                <a:latin typeface="Courier New" panose="02070309020205020404" pitchFamily="49" charset="0"/>
-              </a:rPr>
-              <a:t>MaritalStatus</a:t>
-            </a:r>
-            <a:r>
-              <a:rPr lang="en-US" b="0" dirty="0">
-                <a:solidFill>
-                  <a:srgbClr val="008000"/>
-                </a:solidFill>
-                <a:effectLst/>
-                <a:latin typeface="Courier New" panose="02070309020205020404" pitchFamily="49" charset="0"/>
-              </a:rPr>
-              <a:t> is statistically significant</a:t>
-            </a:r>
-          </a:p>
-          <a:p>
-            <a:pPr marL="285750" indent="-285750">
-              <a:buFont typeface="Arial" panose="020B0604020202020204" pitchFamily="34" charset="0"/>
-              <a:buChar char="•"/>
-            </a:pPr>
-            <a:endParaRPr lang="en-US" b="0" dirty="0">
-              <a:solidFill>
-                <a:srgbClr val="000000"/>
-              </a:solidFill>
-              <a:effectLst/>
-              <a:latin typeface="Courier New" panose="02070309020205020404" pitchFamily="49" charset="0"/>
-            </a:endParaRPr>
-          </a:p>
-        </p:txBody>
-      </p:sp>
-    </p:spTree>
-    <p:extLst>
-      <p:ext uri="{BB962C8B-B14F-4D97-AF65-F5344CB8AC3E}">
-        <p14:creationId xmlns:p14="http://schemas.microsoft.com/office/powerpoint/2010/main" val="2676943868"/>
-      </p:ext>
-    </p:extLst>
-  </p:cSld>
-  <p:clrMapOvr>
-    <a:masterClrMapping/>
-  </p:clrMapOvr>
-</p:sld>
-</file>
-
-<file path=ppt/slides/slide19.xml><?xml version="1.0" encoding="utf-8"?>
-<p:sld xmlns:a="http://schemas.openxmlformats.org/drawingml/2006/main" xmlns:r="http://schemas.openxmlformats.org/officeDocument/2006/relationships" xmlns:p="http://schemas.openxmlformats.org/presentationml/2006/main">
-  <p:cSld>
-    <p:spTree>
-      <p:nvGrpSpPr>
-        <p:cNvPr id="1" name=""/>
-        <p:cNvGrpSpPr/>
-        <p:nvPr/>
-      </p:nvGrpSpPr>
-      <p:grpSpPr>
-        <a:xfrm>
-          <a:off x="0" y="0"/>
-          <a:ext cx="0" cy="0"/>
-          <a:chOff x="0" y="0"/>
-          <a:chExt cx="0" cy="0"/>
-        </a:xfrm>
-      </p:grpSpPr>
-      <p:sp>
-        <p:nvSpPr>
-          <p:cNvPr id="2" name="Title 1">
-            <a:extLst>
-              <a:ext uri="{FF2B5EF4-FFF2-40B4-BE49-F238E27FC236}">
-                <a16:creationId xmlns:a16="http://schemas.microsoft.com/office/drawing/2014/main" id="{DF5B0E9A-F7B8-816F-4687-DDF1D35E59E5}"/>
-              </a:ext>
-            </a:extLst>
-          </p:cNvPr>
-          <p:cNvSpPr>
-            <a:spLocks noGrp="1"/>
-          </p:cNvSpPr>
-          <p:nvPr>
-            <p:ph type="title"/>
-          </p:nvPr>
-        </p:nvSpPr>
-        <p:spPr/>
-        <p:txBody>
-          <a:bodyPr/>
-          <a:lstStyle/>
-          <a:p>
-            <a:r>
-              <a:rPr lang="en-US" dirty="0"/>
-              <a:t>Churn vs </a:t>
-            </a:r>
-            <a:r>
-              <a:rPr lang="en-US" dirty="0" err="1"/>
-              <a:t>NumberOfAddress</a:t>
-            </a:r>
-            <a:endParaRPr lang="en-US" dirty="0"/>
-          </a:p>
-        </p:txBody>
-      </p:sp>
-      <p:pic>
-        <p:nvPicPr>
-          <p:cNvPr id="2050" name="Picture 2">
-            <a:extLst>
-              <a:ext uri="{FF2B5EF4-FFF2-40B4-BE49-F238E27FC236}">
-                <a16:creationId xmlns:a16="http://schemas.microsoft.com/office/drawing/2014/main" id="{F5930DAB-4F04-D8EB-247D-A7C9D7256869}"/>
-              </a:ext>
-            </a:extLst>
-          </p:cNvPr>
-          <p:cNvPicPr>
-            <a:picLocks noGrp="1" noChangeAspect="1" noChangeArrowheads="1"/>
-          </p:cNvPicPr>
-          <p:nvPr>
-            <p:ph idx="1"/>
-          </p:nvPr>
-        </p:nvPicPr>
-        <p:blipFill>
-          <a:blip r:embed="rId2">
-            <a:extLst>
-              <a:ext uri="{28A0092B-C50C-407E-A947-70E740481C1C}">
-                <a14:useLocalDpi xmlns:a14="http://schemas.microsoft.com/office/drawing/2010/main" val="0"/>
-              </a:ext>
-            </a:extLst>
-          </a:blip>
-          <a:srcRect/>
-          <a:stretch>
-            <a:fillRect/>
-          </a:stretch>
-        </p:blipFill>
-        <p:spPr bwMode="auto">
-          <a:xfrm>
-            <a:off x="838200" y="1690688"/>
-            <a:ext cx="4928172" cy="4351338"/>
-          </a:xfrm>
-          <a:prstGeom prst="rect">
-            <a:avLst/>
-          </a:prstGeom>
-          <a:noFill/>
-          <a:extLst>
-            <a:ext uri="{909E8E84-426E-40DD-AFC4-6F175D3DCCD1}">
-              <a14:hiddenFill xmlns:a14="http://schemas.microsoft.com/office/drawing/2010/main">
-                <a:solidFill>
-                  <a:srgbClr val="FFFFFF"/>
-                </a:solidFill>
-              </a14:hiddenFill>
-            </a:ext>
-          </a:extLst>
-        </p:spPr>
-      </p:pic>
-      <p:sp>
-        <p:nvSpPr>
-          <p:cNvPr id="5" name="TextBox 4">
-            <a:extLst>
-              <a:ext uri="{FF2B5EF4-FFF2-40B4-BE49-F238E27FC236}">
-                <a16:creationId xmlns:a16="http://schemas.microsoft.com/office/drawing/2014/main" id="{E5B8228C-574F-7099-8DD7-5B96F11A950D}"/>
-              </a:ext>
-            </a:extLst>
-          </p:cNvPr>
-          <p:cNvSpPr txBox="1"/>
-          <p:nvPr/>
-        </p:nvSpPr>
-        <p:spPr>
-          <a:xfrm>
-            <a:off x="5864773" y="1824334"/>
-            <a:ext cx="6096000" cy="2862322"/>
-          </a:xfrm>
-          <a:prstGeom prst="rect">
-            <a:avLst/>
-          </a:prstGeom>
-          <a:noFill/>
-        </p:spPr>
-        <p:txBody>
-          <a:bodyPr wrap="square">
-            <a:spAutoFit/>
-          </a:bodyPr>
-          <a:lstStyle/>
-          <a:p>
-            <a:pPr marL="285750" indent="-285750">
-              <a:buFont typeface="Arial" panose="020B0604020202020204" pitchFamily="34" charset="0"/>
-              <a:buChar char="•"/>
-            </a:pPr>
-            <a:r>
-              <a:rPr lang="en-US" b="0" dirty="0">
-                <a:solidFill>
-                  <a:srgbClr val="008000"/>
-                </a:solidFill>
-                <a:effectLst/>
-                <a:latin typeface="Courier New" panose="02070309020205020404" pitchFamily="49" charset="0"/>
-              </a:rPr>
-              <a:t>Customers who use more number of addresses are churning more. </a:t>
-            </a:r>
-          </a:p>
-          <a:p>
-            <a:pPr marL="285750" indent="-285750">
-              <a:buFont typeface="Arial" panose="020B0604020202020204" pitchFamily="34" charset="0"/>
-              <a:buChar char="•"/>
-            </a:pPr>
-            <a:r>
-              <a:rPr lang="en-US" dirty="0">
-                <a:solidFill>
-                  <a:srgbClr val="008000"/>
-                </a:solidFill>
-                <a:latin typeface="Courier New" panose="02070309020205020404" pitchFamily="49" charset="0"/>
-              </a:rPr>
-              <a:t>More than 65% of customers with 16 or more addresses are churning. </a:t>
-            </a:r>
-          </a:p>
-          <a:p>
-            <a:pPr marL="285750" indent="-285750">
-              <a:buFont typeface="Arial" panose="020B0604020202020204" pitchFamily="34" charset="0"/>
-              <a:buChar char="•"/>
-            </a:pPr>
-            <a:endParaRPr lang="en-US" b="0" dirty="0">
-              <a:solidFill>
-                <a:srgbClr val="008000"/>
-              </a:solidFill>
-              <a:effectLst/>
-              <a:latin typeface="Courier New" panose="02070309020205020404" pitchFamily="49" charset="0"/>
-            </a:endParaRPr>
-          </a:p>
-          <a:p>
-            <a:pPr marL="285750" indent="-285750">
-              <a:buFont typeface="Arial" panose="020B0604020202020204" pitchFamily="34" charset="0"/>
-              <a:buChar char="•"/>
-            </a:pPr>
-            <a:r>
-              <a:rPr lang="en-US" b="0" dirty="0">
-                <a:solidFill>
-                  <a:srgbClr val="008000"/>
-                </a:solidFill>
-                <a:effectLst/>
-                <a:latin typeface="Courier New" panose="02070309020205020404" pitchFamily="49" charset="0"/>
-              </a:rPr>
-              <a:t>This is probably they are not very stable customers.</a:t>
-            </a:r>
-          </a:p>
-          <a:p>
-            <a:pPr marL="285750" indent="-285750">
-              <a:buFont typeface="Arial" panose="020B0604020202020204" pitchFamily="34" charset="0"/>
-              <a:buChar char="•"/>
-            </a:pPr>
-            <a:r>
-              <a:rPr lang="en-US" b="0" dirty="0">
-                <a:solidFill>
-                  <a:srgbClr val="008000"/>
-                </a:solidFill>
-                <a:effectLst/>
-                <a:latin typeface="Courier New" panose="02070309020205020404" pitchFamily="49" charset="0"/>
-              </a:rPr>
-              <a:t>Association between Churn and </a:t>
-            </a:r>
-            <a:r>
-              <a:rPr lang="en-US" b="0" dirty="0" err="1">
-                <a:solidFill>
-                  <a:srgbClr val="008000"/>
-                </a:solidFill>
-                <a:effectLst/>
-                <a:latin typeface="Courier New" panose="02070309020205020404" pitchFamily="49" charset="0"/>
-              </a:rPr>
-              <a:t>NumberOfAddress</a:t>
-            </a:r>
-            <a:r>
-              <a:rPr lang="en-US" b="0" dirty="0">
-                <a:solidFill>
-                  <a:srgbClr val="008000"/>
-                </a:solidFill>
-                <a:effectLst/>
-                <a:latin typeface="Courier New" panose="02070309020205020404" pitchFamily="49" charset="0"/>
-              </a:rPr>
-              <a:t> is statistically significant</a:t>
-            </a:r>
-            <a:endParaRPr lang="en-US" b="0" dirty="0">
-              <a:solidFill>
-                <a:srgbClr val="000000"/>
-              </a:solidFill>
-              <a:effectLst/>
-              <a:latin typeface="Courier New" panose="02070309020205020404" pitchFamily="49" charset="0"/>
-            </a:endParaRPr>
-          </a:p>
-        </p:txBody>
-      </p:sp>
-    </p:spTree>
-    <p:extLst>
-      <p:ext uri="{BB962C8B-B14F-4D97-AF65-F5344CB8AC3E}">
-        <p14:creationId xmlns:p14="http://schemas.microsoft.com/office/powerpoint/2010/main" val="2564266936"/>
       </p:ext>
     </p:extLst>
   </p:cSld>
@@ -6113,12 +5840,12 @@
                     <a:p>
                       <a:pPr algn="l" fontAlgn="b"/>
                       <a:r>
-                        <a:rPr lang="en-US" sz="1100" u="none" strike="noStrike">
+                        <a:rPr lang="en-US" sz="1100" u="none" strike="noStrike" dirty="0">
                           <a:effectLst/>
                         </a:rPr>
                         <a:t>Churn</a:t>
                       </a:r>
-                      <a:endParaRPr lang="en-US" sz="1100" b="0" i="0" u="none" strike="noStrike">
+                      <a:endParaRPr lang="en-US" sz="1100" b="0" i="0" u="none" strike="noStrike" dirty="0">
                         <a:solidFill>
                           <a:srgbClr val="000000"/>
                         </a:solidFill>
@@ -6166,12 +5893,12 @@
                     <a:p>
                       <a:pPr algn="l" fontAlgn="b"/>
                       <a:r>
-                        <a:rPr lang="en-US" sz="1100" u="none" strike="noStrike">
+                        <a:rPr lang="en-US" sz="1100" u="none" strike="noStrike" dirty="0">
                           <a:effectLst/>
                         </a:rPr>
                         <a:t>Tenure</a:t>
                       </a:r>
-                      <a:endParaRPr lang="en-US" sz="1100" b="0" i="0" u="none" strike="noStrike">
+                      <a:endParaRPr lang="en-US" sz="1100" b="0" i="0" u="none" strike="noStrike" dirty="0">
                         <a:solidFill>
                           <a:srgbClr val="000000"/>
                         </a:solidFill>
@@ -6219,12 +5946,12 @@
                     <a:p>
                       <a:pPr algn="l" fontAlgn="b"/>
                       <a:r>
-                        <a:rPr lang="en-US" sz="1100" u="none" strike="noStrike">
+                        <a:rPr lang="en-US" sz="1100" u="none" strike="noStrike" dirty="0" err="1">
                           <a:effectLst/>
                         </a:rPr>
                         <a:t>PreferredLoginDevice</a:t>
                       </a:r>
-                      <a:endParaRPr lang="en-US" sz="1100" b="0" i="0" u="none" strike="noStrike">
+                      <a:endParaRPr lang="en-US" sz="1100" b="0" i="0" u="none" strike="noStrike" dirty="0">
                         <a:solidFill>
                           <a:srgbClr val="000000"/>
                         </a:solidFill>
@@ -6272,12 +5999,12 @@
                     <a:p>
                       <a:pPr algn="l" fontAlgn="b"/>
                       <a:r>
-                        <a:rPr lang="en-US" sz="1100" u="none" strike="noStrike">
+                        <a:rPr lang="en-US" sz="1100" u="none" strike="noStrike" dirty="0" err="1">
                           <a:effectLst/>
                         </a:rPr>
                         <a:t>CityTier</a:t>
                       </a:r>
-                      <a:endParaRPr lang="en-US" sz="1100" b="0" i="0" u="none" strike="noStrike">
+                      <a:endParaRPr lang="en-US" sz="1100" b="0" i="0" u="none" strike="noStrike" dirty="0">
                         <a:solidFill>
                           <a:srgbClr val="000000"/>
                         </a:solidFill>
@@ -6325,12 +6052,12 @@
                     <a:p>
                       <a:pPr algn="l" fontAlgn="b"/>
                       <a:r>
-                        <a:rPr lang="en-US" sz="1100" u="none" strike="noStrike">
+                        <a:rPr lang="en-US" sz="1100" u="none" strike="noStrike" dirty="0" err="1">
                           <a:effectLst/>
                         </a:rPr>
                         <a:t>WarehouseToHome</a:t>
                       </a:r>
-                      <a:endParaRPr lang="en-US" sz="1100" b="0" i="0" u="none" strike="noStrike">
+                      <a:endParaRPr lang="en-US" sz="1100" b="0" i="0" u="none" strike="noStrike" dirty="0">
                         <a:solidFill>
                           <a:srgbClr val="000000"/>
                         </a:solidFill>
@@ -7151,6 +6878,407 @@
           <p:cNvPr id="2" name="Title 1">
             <a:extLst>
               <a:ext uri="{FF2B5EF4-FFF2-40B4-BE49-F238E27FC236}">
+                <a16:creationId xmlns:a16="http://schemas.microsoft.com/office/drawing/2014/main" id="{5063E13E-41A3-464C-4BF9-A6DAA2699FEF}"/>
+              </a:ext>
+            </a:extLst>
+          </p:cNvPr>
+          <p:cNvSpPr>
+            <a:spLocks noGrp="1"/>
+          </p:cNvSpPr>
+          <p:nvPr>
+            <p:ph type="title"/>
+          </p:nvPr>
+        </p:nvSpPr>
+        <p:spPr/>
+        <p:txBody>
+          <a:bodyPr/>
+          <a:lstStyle/>
+          <a:p>
+            <a:r>
+              <a:rPr lang="en-US" dirty="0"/>
+              <a:t>Churn vs. </a:t>
+            </a:r>
+            <a:r>
+              <a:rPr lang="en-US" dirty="0" err="1"/>
+              <a:t>MaritalStatus</a:t>
+            </a:r>
+            <a:r>
+              <a:rPr lang="en-US"/>
+              <a:t> </a:t>
+            </a:r>
+          </a:p>
+        </p:txBody>
+      </p:sp>
+      <p:pic>
+        <p:nvPicPr>
+          <p:cNvPr id="1026" name="Picture 2">
+            <a:extLst>
+              <a:ext uri="{FF2B5EF4-FFF2-40B4-BE49-F238E27FC236}">
+                <a16:creationId xmlns:a16="http://schemas.microsoft.com/office/drawing/2014/main" id="{09022482-288D-D929-32F9-C5822D8B4409}"/>
+              </a:ext>
+            </a:extLst>
+          </p:cNvPr>
+          <p:cNvPicPr>
+            <a:picLocks noGrp="1" noChangeAspect="1" noChangeArrowheads="1"/>
+          </p:cNvPicPr>
+          <p:nvPr>
+            <p:ph idx="1"/>
+          </p:nvPr>
+        </p:nvPicPr>
+        <p:blipFill>
+          <a:blip r:embed="rId2">
+            <a:extLst>
+              <a:ext uri="{28A0092B-C50C-407E-A947-70E740481C1C}">
+                <a14:useLocalDpi xmlns:a14="http://schemas.microsoft.com/office/drawing/2010/main" val="0"/>
+              </a:ext>
+            </a:extLst>
+          </a:blip>
+          <a:srcRect/>
+          <a:stretch>
+            <a:fillRect/>
+          </a:stretch>
+        </p:blipFill>
+        <p:spPr bwMode="auto">
+          <a:xfrm>
+            <a:off x="838200" y="1783584"/>
+            <a:ext cx="5001537" cy="4351338"/>
+          </a:xfrm>
+          <a:prstGeom prst="rect">
+            <a:avLst/>
+          </a:prstGeom>
+          <a:noFill/>
+          <a:extLst>
+            <a:ext uri="{909E8E84-426E-40DD-AFC4-6F175D3DCCD1}">
+              <a14:hiddenFill xmlns:a14="http://schemas.microsoft.com/office/drawing/2010/main">
+                <a:solidFill>
+                  <a:srgbClr val="FFFFFF"/>
+                </a:solidFill>
+              </a14:hiddenFill>
+            </a:ext>
+          </a:extLst>
+        </p:spPr>
+      </p:pic>
+      <p:sp>
+        <p:nvSpPr>
+          <p:cNvPr id="6" name="TextBox 5">
+            <a:extLst>
+              <a:ext uri="{FF2B5EF4-FFF2-40B4-BE49-F238E27FC236}">
+                <a16:creationId xmlns:a16="http://schemas.microsoft.com/office/drawing/2014/main" id="{1F1081A0-2B21-8F0C-7D37-9E7DA5439B42}"/>
+              </a:ext>
+            </a:extLst>
+          </p:cNvPr>
+          <p:cNvSpPr txBox="1"/>
+          <p:nvPr/>
+        </p:nvSpPr>
+        <p:spPr>
+          <a:xfrm>
+            <a:off x="6022428" y="1783584"/>
+            <a:ext cx="6096000" cy="1908215"/>
+          </a:xfrm>
+          <a:prstGeom prst="rect">
+            <a:avLst/>
+          </a:prstGeom>
+          <a:noFill/>
+        </p:spPr>
+        <p:txBody>
+          <a:bodyPr wrap="square">
+            <a:spAutoFit/>
+          </a:bodyPr>
+          <a:lstStyle/>
+          <a:p>
+            <a:pPr marL="285750" indent="-285750">
+              <a:buFont typeface="Arial" panose="020B0604020202020204" pitchFamily="34" charset="0"/>
+              <a:buChar char="•"/>
+            </a:pPr>
+            <a:r>
+              <a:rPr lang="en-US" sz="2000" b="0" dirty="0">
+                <a:effectLst/>
+              </a:rPr>
+              <a:t>Data shows married people are churning less, whereas single individuals are churning more. Perhaps they don't have consistent purchase behaviors.</a:t>
+            </a:r>
+          </a:p>
+          <a:p>
+            <a:pPr marL="285750" indent="-285750">
+              <a:buFont typeface="Arial" panose="020B0604020202020204" pitchFamily="34" charset="0"/>
+              <a:buChar char="•"/>
+            </a:pPr>
+            <a:r>
+              <a:rPr lang="en-US" sz="2000" b="1" dirty="0">
+                <a:effectLst/>
+              </a:rPr>
+              <a:t>Association between Churn and </a:t>
+            </a:r>
+            <a:r>
+              <a:rPr lang="en-US" sz="2000" b="1" dirty="0" err="1">
+                <a:effectLst/>
+              </a:rPr>
+              <a:t>MaritalStatus</a:t>
+            </a:r>
+            <a:r>
+              <a:rPr lang="en-US" sz="2000" b="1" dirty="0">
+                <a:effectLst/>
+              </a:rPr>
+              <a:t> is statistically significant</a:t>
+            </a:r>
+          </a:p>
+          <a:p>
+            <a:pPr marL="285750" indent="-285750">
+              <a:buFont typeface="Arial" panose="020B0604020202020204" pitchFamily="34" charset="0"/>
+              <a:buChar char="•"/>
+            </a:pPr>
+            <a:endParaRPr lang="en-US" b="0" dirty="0">
+              <a:solidFill>
+                <a:srgbClr val="000000"/>
+              </a:solidFill>
+              <a:effectLst/>
+              <a:latin typeface="Courier New" panose="02070309020205020404" pitchFamily="49" charset="0"/>
+            </a:endParaRPr>
+          </a:p>
+        </p:txBody>
+      </p:sp>
+    </p:spTree>
+    <p:extLst>
+      <p:ext uri="{BB962C8B-B14F-4D97-AF65-F5344CB8AC3E}">
+        <p14:creationId xmlns:p14="http://schemas.microsoft.com/office/powerpoint/2010/main" val="2676943868"/>
+      </p:ext>
+    </p:extLst>
+  </p:cSld>
+  <p:clrMapOvr>
+    <a:masterClrMapping/>
+  </p:clrMapOvr>
+</p:sld>
+</file>
+
+<file path=ppt/slides/slide21.xml><?xml version="1.0" encoding="utf-8"?>
+<p:sld xmlns:a="http://schemas.openxmlformats.org/drawingml/2006/main" xmlns:r="http://schemas.openxmlformats.org/officeDocument/2006/relationships" xmlns:p="http://schemas.openxmlformats.org/presentationml/2006/main">
+  <p:cSld>
+    <p:spTree>
+      <p:nvGrpSpPr>
+        <p:cNvPr id="1" name=""/>
+        <p:cNvGrpSpPr/>
+        <p:nvPr/>
+      </p:nvGrpSpPr>
+      <p:grpSpPr>
+        <a:xfrm>
+          <a:off x="0" y="0"/>
+          <a:ext cx="0" cy="0"/>
+          <a:chOff x="0" y="0"/>
+          <a:chExt cx="0" cy="0"/>
+        </a:xfrm>
+      </p:grpSpPr>
+      <p:sp>
+        <p:nvSpPr>
+          <p:cNvPr id="2" name="Title 1">
+            <a:extLst>
+              <a:ext uri="{FF2B5EF4-FFF2-40B4-BE49-F238E27FC236}">
+                <a16:creationId xmlns:a16="http://schemas.microsoft.com/office/drawing/2014/main" id="{DF5B0E9A-F7B8-816F-4687-DDF1D35E59E5}"/>
+              </a:ext>
+            </a:extLst>
+          </p:cNvPr>
+          <p:cNvSpPr>
+            <a:spLocks noGrp="1"/>
+          </p:cNvSpPr>
+          <p:nvPr>
+            <p:ph type="title"/>
+          </p:nvPr>
+        </p:nvSpPr>
+        <p:spPr/>
+        <p:txBody>
+          <a:bodyPr/>
+          <a:lstStyle/>
+          <a:p>
+            <a:r>
+              <a:rPr lang="en-US" dirty="0"/>
+              <a:t>Churn vs </a:t>
+            </a:r>
+            <a:r>
+              <a:rPr lang="en-US" dirty="0" err="1"/>
+              <a:t>NumberOfAddress</a:t>
+            </a:r>
+            <a:endParaRPr lang="en-US" dirty="0"/>
+          </a:p>
+        </p:txBody>
+      </p:sp>
+      <p:pic>
+        <p:nvPicPr>
+          <p:cNvPr id="2050" name="Picture 2">
+            <a:extLst>
+              <a:ext uri="{FF2B5EF4-FFF2-40B4-BE49-F238E27FC236}">
+                <a16:creationId xmlns:a16="http://schemas.microsoft.com/office/drawing/2014/main" id="{F5930DAB-4F04-D8EB-247D-A7C9D7256869}"/>
+              </a:ext>
+            </a:extLst>
+          </p:cNvPr>
+          <p:cNvPicPr>
+            <a:picLocks noGrp="1" noChangeAspect="1" noChangeArrowheads="1"/>
+          </p:cNvPicPr>
+          <p:nvPr>
+            <p:ph idx="1"/>
+          </p:nvPr>
+        </p:nvPicPr>
+        <p:blipFill>
+          <a:blip r:embed="rId2">
+            <a:extLst>
+              <a:ext uri="{28A0092B-C50C-407E-A947-70E740481C1C}">
+                <a14:useLocalDpi xmlns:a14="http://schemas.microsoft.com/office/drawing/2010/main" val="0"/>
+              </a:ext>
+            </a:extLst>
+          </a:blip>
+          <a:srcRect/>
+          <a:stretch>
+            <a:fillRect/>
+          </a:stretch>
+        </p:blipFill>
+        <p:spPr bwMode="auto">
+          <a:xfrm>
+            <a:off x="838200" y="1690688"/>
+            <a:ext cx="4928172" cy="4351338"/>
+          </a:xfrm>
+          <a:prstGeom prst="rect">
+            <a:avLst/>
+          </a:prstGeom>
+          <a:noFill/>
+          <a:extLst>
+            <a:ext uri="{909E8E84-426E-40DD-AFC4-6F175D3DCCD1}">
+              <a14:hiddenFill xmlns:a14="http://schemas.microsoft.com/office/drawing/2010/main">
+                <a:solidFill>
+                  <a:srgbClr val="FFFFFF"/>
+                </a:solidFill>
+              </a14:hiddenFill>
+            </a:ext>
+          </a:extLst>
+        </p:spPr>
+      </p:pic>
+      <p:sp>
+        <p:nvSpPr>
+          <p:cNvPr id="5" name="TextBox 4">
+            <a:extLst>
+              <a:ext uri="{FF2B5EF4-FFF2-40B4-BE49-F238E27FC236}">
+                <a16:creationId xmlns:a16="http://schemas.microsoft.com/office/drawing/2014/main" id="{E5B8228C-574F-7099-8DD7-5B96F11A950D}"/>
+              </a:ext>
+            </a:extLst>
+          </p:cNvPr>
+          <p:cNvSpPr txBox="1"/>
+          <p:nvPr/>
+        </p:nvSpPr>
+        <p:spPr>
+          <a:xfrm>
+            <a:off x="5864773" y="1824334"/>
+            <a:ext cx="6096000" cy="2554545"/>
+          </a:xfrm>
+          <a:prstGeom prst="rect">
+            <a:avLst/>
+          </a:prstGeom>
+          <a:noFill/>
+        </p:spPr>
+        <p:txBody>
+          <a:bodyPr wrap="square">
+            <a:spAutoFit/>
+          </a:bodyPr>
+          <a:lstStyle/>
+          <a:p>
+            <a:pPr marL="285750" indent="-285750">
+              <a:buFont typeface="Arial" panose="020B0604020202020204" pitchFamily="34" charset="0"/>
+              <a:buChar char="•"/>
+            </a:pPr>
+            <a:r>
+              <a:rPr lang="en-US" sz="2000" b="0" dirty="0">
+                <a:effectLst/>
+              </a:rPr>
+              <a:t>Customers who use more number of addresses are churning more. </a:t>
+            </a:r>
+          </a:p>
+          <a:p>
+            <a:pPr marL="285750" indent="-285750">
+              <a:buFont typeface="Arial" panose="020B0604020202020204" pitchFamily="34" charset="0"/>
+              <a:buChar char="•"/>
+            </a:pPr>
+            <a:r>
+              <a:rPr lang="en-US" sz="2000" dirty="0"/>
+              <a:t>More than 65% of customers with 16 or more addresses are churning. </a:t>
+            </a:r>
+          </a:p>
+          <a:p>
+            <a:pPr marL="285750" indent="-285750">
+              <a:buFont typeface="Arial" panose="020B0604020202020204" pitchFamily="34" charset="0"/>
+              <a:buChar char="•"/>
+            </a:pPr>
+            <a:endParaRPr lang="en-US" sz="2000" b="0" dirty="0">
+              <a:effectLst/>
+            </a:endParaRPr>
+          </a:p>
+          <a:p>
+            <a:pPr marL="285750" indent="-285750">
+              <a:buFont typeface="Arial" panose="020B0604020202020204" pitchFamily="34" charset="0"/>
+              <a:buChar char="•"/>
+            </a:pPr>
+            <a:r>
+              <a:rPr lang="en-US" sz="2000" b="0" dirty="0">
+                <a:effectLst/>
+              </a:rPr>
+              <a:t>This is probably they are not very stable customers.</a:t>
+            </a:r>
+          </a:p>
+          <a:p>
+            <a:pPr marL="285750" indent="-285750">
+              <a:buFont typeface="Arial" panose="020B0604020202020204" pitchFamily="34" charset="0"/>
+              <a:buChar char="•"/>
+            </a:pPr>
+            <a:r>
+              <a:rPr lang="en-US" sz="2000" b="1" dirty="0">
+                <a:effectLst/>
+              </a:rPr>
+              <a:t>Association between Churn and </a:t>
+            </a:r>
+            <a:r>
+              <a:rPr lang="en-US" sz="2000" b="1" dirty="0" err="1">
+                <a:effectLst/>
+              </a:rPr>
+              <a:t>NumberOfAddress</a:t>
+            </a:r>
+            <a:r>
+              <a:rPr lang="en-US" sz="2000" b="1" dirty="0">
+                <a:effectLst/>
+              </a:rPr>
+              <a:t> is statistically significant</a:t>
+            </a:r>
+          </a:p>
+        </p:txBody>
+      </p:sp>
+    </p:spTree>
+    <p:extLst>
+      <p:ext uri="{BB962C8B-B14F-4D97-AF65-F5344CB8AC3E}">
+        <p14:creationId xmlns:p14="http://schemas.microsoft.com/office/powerpoint/2010/main" val="2564266936"/>
+      </p:ext>
+    </p:extLst>
+  </p:cSld>
+  <p:clrMapOvr>
+    <a:masterClrMapping/>
+  </p:clrMapOvr>
+</p:sld>
+</file>
+
+<file path=ppt/slides/slide22.xml><?xml version="1.0" encoding="utf-8"?>
+<p:sld xmlns:a="http://schemas.openxmlformats.org/drawingml/2006/main" xmlns:r="http://schemas.openxmlformats.org/officeDocument/2006/relationships" xmlns:p="http://schemas.openxmlformats.org/presentationml/2006/main">
+  <p:cSld>
+    <p:spTree>
+      <p:nvGrpSpPr>
+        <p:cNvPr id="1" name=""/>
+        <p:cNvGrpSpPr/>
+        <p:nvPr/>
+      </p:nvGrpSpPr>
+      <p:grpSpPr>
+        <a:xfrm>
+          <a:off x="0" y="0"/>
+          <a:ext cx="0" cy="0"/>
+          <a:chOff x="0" y="0"/>
+          <a:chExt cx="0" cy="0"/>
+        </a:xfrm>
+      </p:grpSpPr>
+      <p:sp>
+        <p:nvSpPr>
+          <p:cNvPr id="2" name="Title 1">
+            <a:extLst>
+              <a:ext uri="{FF2B5EF4-FFF2-40B4-BE49-F238E27FC236}">
                 <a16:creationId xmlns:a16="http://schemas.microsoft.com/office/drawing/2014/main" id="{9A34A9C7-860E-81BD-AF78-2510365F6348}"/>
               </a:ext>
             </a:extLst>
@@ -7238,7 +7366,7 @@
         <p:spPr>
           <a:xfrm>
             <a:off x="6096000" y="1801567"/>
-            <a:ext cx="6096000" cy="2862322"/>
+            <a:ext cx="6096000" cy="2800767"/>
           </a:xfrm>
           <a:prstGeom prst="rect">
             <a:avLst/>
@@ -7256,31 +7384,18 @@
               <a:buChar char="•"/>
             </a:pPr>
             <a:r>
-              <a:rPr lang="en-US" b="0" dirty="0">
-                <a:solidFill>
-                  <a:srgbClr val="008000"/>
-                </a:solidFill>
-                <a:effectLst/>
-                <a:latin typeface="Courier New" panose="02070309020205020404" pitchFamily="49" charset="0"/>
+              <a:rPr lang="en-US" sz="2000" b="0" dirty="0">
+                <a:effectLst/>
               </a:rPr>
               <a:t>Customers who </a:t>
             </a:r>
             <a:r>
-              <a:rPr lang="en-US" dirty="0">
-                <a:solidFill>
-                  <a:srgbClr val="008000"/>
-                </a:solidFill>
-                <a:latin typeface="Courier New" panose="02070309020205020404" pitchFamily="49" charset="0"/>
-              </a:rPr>
+              <a:rPr lang="en-US" sz="2000" dirty="0"/>
               <a:t>raised </a:t>
             </a:r>
             <a:r>
-              <a:rPr lang="en-US" b="0" dirty="0">
-                <a:solidFill>
-                  <a:srgbClr val="008000"/>
-                </a:solidFill>
-                <a:effectLst/>
-                <a:latin typeface="Courier New" panose="02070309020205020404" pitchFamily="49" charset="0"/>
+              <a:rPr lang="en-US" sz="2000" b="0" dirty="0">
+                <a:effectLst/>
               </a:rPr>
               <a:t>complain (in last month) churn more. This is intuitive. </a:t>
             </a:r>
@@ -7291,12 +7406,7 @@
               <a:buChar char="•"/>
             </a:pPr>
             <a:r>
-              <a:rPr lang="en-US" dirty="0">
-                <a:solidFill>
-                  <a:srgbClr val="008000"/>
-                </a:solidFill>
-                <a:latin typeface="Courier New" panose="02070309020205020404" pitchFamily="49" charset="0"/>
-              </a:rPr>
+              <a:rPr lang="en-US" sz="2000" dirty="0"/>
               <a:t>From CX standpoint, these customers should be engaged to understand their issue and mitigation should be in place to retain them. </a:t>
             </a:r>
           </a:p>
@@ -7306,29 +7416,18 @@
               <a:buChar char="•"/>
             </a:pPr>
             <a:r>
-              <a:rPr lang="en-US" b="0" dirty="0">
-                <a:solidFill>
-                  <a:srgbClr val="008000"/>
-                </a:solidFill>
-                <a:effectLst/>
-                <a:latin typeface="Courier New" panose="02070309020205020404" pitchFamily="49" charset="0"/>
+              <a:rPr lang="en-US" sz="2000" b="1" dirty="0">
+                <a:effectLst/>
               </a:rPr>
               <a:t>Association between Churn and Complain is statistically significant</a:t>
             </a:r>
-            <a:endParaRPr lang="en-US" b="0" dirty="0">
-              <a:solidFill>
-                <a:srgbClr val="000000"/>
-              </a:solidFill>
-              <a:effectLst/>
-              <a:latin typeface="Courier New" panose="02070309020205020404" pitchFamily="49" charset="0"/>
-            </a:endParaRPr>
           </a:p>
           <a:p>
             <a:pPr marL="285750" indent="-285750">
               <a:buFont typeface="Arial" panose="020B0604020202020204" pitchFamily="34" charset="0"/>
               <a:buChar char="•"/>
             </a:pPr>
-            <a:endParaRPr lang="en-US" dirty="0">
+            <a:endParaRPr lang="en-US" b="1" dirty="0">
               <a:solidFill>
                 <a:srgbClr val="008000"/>
               </a:solidFill>
@@ -7363,7 +7462,7 @@
 </p:sld>
 </file>
 
-<file path=ppt/slides/slide21.xml><?xml version="1.0" encoding="utf-8"?>
+<file path=ppt/slides/slide23.xml><?xml version="1.0" encoding="utf-8"?>
 <p:sld xmlns:a="http://schemas.openxmlformats.org/drawingml/2006/main" xmlns:r="http://schemas.openxmlformats.org/officeDocument/2006/relationships" xmlns:p="http://schemas.openxmlformats.org/presentationml/2006/main">
   <p:cSld>
     <p:spTree>
@@ -7477,7 +7576,7 @@
         <p:spPr>
           <a:xfrm>
             <a:off x="6011917" y="1980479"/>
-            <a:ext cx="6096000" cy="3693319"/>
+            <a:ext cx="6096000" cy="2523768"/>
           </a:xfrm>
           <a:prstGeom prst="rect">
             <a:avLst/>
@@ -7495,21 +7594,12 @@
               <a:buChar char="•"/>
             </a:pPr>
             <a:r>
-              <a:rPr lang="en-US" b="0" dirty="0">
-                <a:solidFill>
-                  <a:srgbClr val="008000"/>
-                </a:solidFill>
-                <a:effectLst/>
-                <a:latin typeface="Courier New" panose="02070309020205020404" pitchFamily="49" charset="0"/>
+              <a:rPr lang="en-US" sz="2000" b="0" dirty="0">
+                <a:effectLst/>
               </a:rPr>
               <a:t>This shows that people churn less when their order amount hikes more from last year. Order amount hike shows increased engagement with the app, and it is a clear indicator of engagement.  So this is intuitive. </a:t>
             </a:r>
-            <a:endParaRPr lang="en-US" dirty="0">
-              <a:solidFill>
-                <a:srgbClr val="000000"/>
-              </a:solidFill>
-              <a:latin typeface="Courier New" panose="02070309020205020404" pitchFamily="49" charset="0"/>
-            </a:endParaRPr>
+            <a:endParaRPr lang="en-US" sz="2000" dirty="0"/>
           </a:p>
           <a:p>
             <a:pPr marL="285750" indent="-285750">
@@ -7517,58 +7607,23 @@
               <a:buChar char="•"/>
             </a:pPr>
             <a:r>
-              <a:rPr lang="en-US" b="0" dirty="0">
-                <a:solidFill>
-                  <a:srgbClr val="008000"/>
-                </a:solidFill>
-                <a:effectLst/>
-                <a:latin typeface="Courier New" panose="02070309020205020404" pitchFamily="49" charset="0"/>
-              </a:rPr>
-              <a:t>From CX standpoint, customers who show less hikes in order amount should be engaged.</a:t>
-            </a:r>
-          </a:p>
-          <a:p>
-            <a:pPr marL="285750" indent="-285750">
-              <a:buFont typeface="Arial" panose="020B0604020202020204" pitchFamily="34" charset="0"/>
-              <a:buChar char="•"/>
-            </a:pPr>
-            <a:r>
-              <a:rPr lang="en-US" b="0" dirty="0">
-                <a:solidFill>
-                  <a:srgbClr val="008000"/>
-                </a:solidFill>
-                <a:effectLst/>
-                <a:latin typeface="Courier New" panose="02070309020205020404" pitchFamily="49" charset="0"/>
+              <a:rPr lang="en-US" sz="2000" b="1" dirty="0">
+                <a:effectLst/>
               </a:rPr>
               <a:t>Association between Churn and </a:t>
             </a:r>
             <a:r>
-              <a:rPr lang="en-US" b="0" dirty="0" err="1">
-                <a:solidFill>
-                  <a:srgbClr val="008000"/>
-                </a:solidFill>
-                <a:effectLst/>
-                <a:latin typeface="Courier New" panose="02070309020205020404" pitchFamily="49" charset="0"/>
+              <a:rPr lang="en-US" sz="2000" b="1" dirty="0" err="1">
+                <a:effectLst/>
               </a:rPr>
               <a:t>OrderAmountHikeFromLastYear</a:t>
             </a:r>
             <a:r>
-              <a:rPr lang="en-US" b="0" dirty="0">
-                <a:solidFill>
-                  <a:srgbClr val="008000"/>
-                </a:solidFill>
-                <a:effectLst/>
-                <a:latin typeface="Courier New" panose="02070309020205020404" pitchFamily="49" charset="0"/>
+              <a:rPr lang="en-US" sz="2000" b="1" dirty="0">
+                <a:effectLst/>
               </a:rPr>
               <a:t> is statistically significant</a:t>
             </a:r>
-            <a:endParaRPr lang="en-US" b="0" dirty="0">
-              <a:solidFill>
-                <a:srgbClr val="000000"/>
-              </a:solidFill>
-              <a:effectLst/>
-              <a:latin typeface="Courier New" panose="02070309020205020404" pitchFamily="49" charset="0"/>
-            </a:endParaRPr>
           </a:p>
           <a:p>
             <a:pPr marL="285750" indent="-285750">
@@ -7598,7 +7653,7 @@
 </p:sld>
 </file>
 
-<file path=ppt/slides/slide22.xml><?xml version="1.0" encoding="utf-8"?>
+<file path=ppt/slides/slide24.xml><?xml version="1.0" encoding="utf-8"?>
 <p:sld xmlns:a="http://schemas.openxmlformats.org/drawingml/2006/main" xmlns:r="http://schemas.openxmlformats.org/officeDocument/2006/relationships" xmlns:p="http://schemas.openxmlformats.org/presentationml/2006/main">
   <p:cSld>
     <p:spTree>
@@ -7712,7 +7767,7 @@
         <p:spPr>
           <a:xfrm>
             <a:off x="5812221" y="1878177"/>
-            <a:ext cx="6096000" cy="3416320"/>
+            <a:ext cx="6096000" cy="3354765"/>
           </a:xfrm>
           <a:prstGeom prst="rect">
             <a:avLst/>
@@ -7730,30 +7785,15 @@
               <a:buChar char="•"/>
             </a:pPr>
             <a:r>
-              <a:rPr lang="en-US" b="0" dirty="0">
-                <a:solidFill>
-                  <a:srgbClr val="008000"/>
-                </a:solidFill>
-                <a:effectLst/>
-                <a:latin typeface="Courier New" panose="02070309020205020404" pitchFamily="49" charset="0"/>
+              <a:rPr lang="en-US" sz="2000" b="0" dirty="0">
+                <a:effectLst/>
               </a:rPr>
               <a:t>Customers using more coupons are engaged customers, so we expect them to churn less. However, we don’t see a consistent pattern from the data for this behavior (e.</a:t>
             </a:r>
             <a:r>
-              <a:rPr lang="en-US" dirty="0">
-                <a:solidFill>
-                  <a:srgbClr val="008000"/>
-                </a:solidFill>
-                <a:latin typeface="Courier New" panose="02070309020205020404" pitchFamily="49" charset="0"/>
-              </a:rPr>
+              <a:rPr lang="en-US" sz="2000" dirty="0"/>
               <a:t>g., middle group who churn more than the first group). </a:t>
             </a:r>
-            <a:endParaRPr lang="en-US" dirty="0">
-              <a:solidFill>
-                <a:srgbClr val="FF0000"/>
-              </a:solidFill>
-              <a:latin typeface="Courier New" panose="02070309020205020404" pitchFamily="49" charset="0"/>
-            </a:endParaRPr>
           </a:p>
           <a:p>
             <a:pPr marL="285750" indent="-285750">
@@ -7761,32 +7801,29 @@
               <a:buChar char="•"/>
             </a:pPr>
             <a:r>
-              <a:rPr lang="en-US" b="0" dirty="0">
+              <a:rPr lang="en-US" sz="2000" b="1" dirty="0">
                 <a:solidFill>
-                  <a:srgbClr val="FF0000"/>
+                  <a:srgbClr val="C00000"/>
                 </a:solidFill>
                 <a:effectLst/>
-                <a:latin typeface="Courier New" panose="02070309020205020404" pitchFamily="49" charset="0"/>
               </a:rPr>
               <a:t>Association between Churn and </a:t>
             </a:r>
             <a:r>
-              <a:rPr lang="en-US" b="0" dirty="0" err="1">
+              <a:rPr lang="en-US" sz="2000" b="1" dirty="0" err="1">
                 <a:solidFill>
-                  <a:srgbClr val="FF0000"/>
+                  <a:srgbClr val="C00000"/>
                 </a:solidFill>
                 <a:effectLst/>
-                <a:latin typeface="Courier New" panose="02070309020205020404" pitchFamily="49" charset="0"/>
               </a:rPr>
               <a:t>CouponUsed</a:t>
             </a:r>
             <a:r>
-              <a:rPr lang="en-US" b="0" dirty="0">
+              <a:rPr lang="en-US" sz="2000" b="1" dirty="0">
                 <a:solidFill>
-                  <a:srgbClr val="FF0000"/>
+                  <a:srgbClr val="C00000"/>
                 </a:solidFill>
                 <a:effectLst/>
-                <a:latin typeface="Courier New" panose="02070309020205020404" pitchFamily="49" charset="0"/>
               </a:rPr>
               <a:t> is not statistically significant</a:t>
             </a:r>
@@ -7849,7 +7886,7 @@
 </p:sld>
 </file>
 
-<file path=ppt/slides/slide23.xml><?xml version="1.0" encoding="utf-8"?>
+<file path=ppt/slides/slide25.xml><?xml version="1.0" encoding="utf-8"?>
 <p:sld xmlns:a="http://schemas.openxmlformats.org/drawingml/2006/main" xmlns:r="http://schemas.openxmlformats.org/officeDocument/2006/relationships" xmlns:p="http://schemas.openxmlformats.org/presentationml/2006/main">
   <p:cSld>
     <p:spTree>
@@ -7966,7 +8003,7 @@
         <p:spPr>
           <a:xfrm>
             <a:off x="5906814" y="1867667"/>
-            <a:ext cx="6096000" cy="2308324"/>
+            <a:ext cx="6096000" cy="2185214"/>
           </a:xfrm>
           <a:prstGeom prst="rect">
             <a:avLst/>
@@ -7984,12 +8021,8 @@
               <a:buChar char="•"/>
             </a:pPr>
             <a:r>
-              <a:rPr lang="en-US" b="0" dirty="0">
-                <a:solidFill>
-                  <a:srgbClr val="008000"/>
-                </a:solidFill>
-                <a:effectLst/>
-                <a:latin typeface="Courier New" panose="02070309020205020404" pitchFamily="49" charset="0"/>
+              <a:rPr lang="en-US" sz="2000" b="0" dirty="0">
+                <a:effectLst/>
               </a:rPr>
               <a:t>People who placed more orders in the last month churned less. This is intuitive, since placing more orders means engagement with the service. </a:t>
             </a:r>
@@ -8000,42 +8033,23 @@
               <a:buChar char="•"/>
             </a:pPr>
             <a:r>
-              <a:rPr lang="en-US" b="0" dirty="0">
-                <a:solidFill>
-                  <a:srgbClr val="008000"/>
-                </a:solidFill>
-                <a:effectLst/>
-                <a:latin typeface="Courier New" panose="02070309020205020404" pitchFamily="49" charset="0"/>
+              <a:rPr lang="en-US" sz="2000" b="1" dirty="0">
+                <a:effectLst/>
               </a:rPr>
               <a:t>Association between Churn and </a:t>
             </a:r>
             <a:r>
-              <a:rPr lang="en-US" b="0" dirty="0" err="1">
-                <a:solidFill>
-                  <a:srgbClr val="008000"/>
-                </a:solidFill>
-                <a:effectLst/>
-                <a:latin typeface="Courier New" panose="02070309020205020404" pitchFamily="49" charset="0"/>
+              <a:rPr lang="en-US" sz="2000" b="1" dirty="0" err="1">
+                <a:effectLst/>
               </a:rPr>
               <a:t>OrderCount</a:t>
             </a:r>
             <a:r>
-              <a:rPr lang="en-US" b="0" dirty="0">
-                <a:solidFill>
-                  <a:srgbClr val="008000"/>
-                </a:solidFill>
-                <a:effectLst/>
-                <a:latin typeface="Courier New" panose="02070309020205020404" pitchFamily="49" charset="0"/>
+              <a:rPr lang="en-US" sz="2000" b="1" dirty="0">
+                <a:effectLst/>
               </a:rPr>
               <a:t> is statistically significant</a:t>
             </a:r>
-            <a:endParaRPr lang="en-US" b="0" dirty="0">
-              <a:solidFill>
-                <a:srgbClr val="000000"/>
-              </a:solidFill>
-              <a:effectLst/>
-              <a:latin typeface="Courier New" panose="02070309020205020404" pitchFamily="49" charset="0"/>
-            </a:endParaRPr>
           </a:p>
           <a:p>
             <a:pPr marL="285750" indent="-285750">
@@ -8078,7 +8092,7 @@
 </p:sld>
 </file>
 
-<file path=ppt/slides/slide24.xml><?xml version="1.0" encoding="utf-8"?>
+<file path=ppt/slides/slide26.xml><?xml version="1.0" encoding="utf-8"?>
 <p:sld xmlns:a="http://schemas.openxmlformats.org/drawingml/2006/main" xmlns:r="http://schemas.openxmlformats.org/officeDocument/2006/relationships" xmlns:p="http://schemas.openxmlformats.org/presentationml/2006/main">
   <p:cSld>
     <p:spTree>
@@ -8143,7 +8157,7 @@
         <p:spPr>
           <a:xfrm>
             <a:off x="5917325" y="1899197"/>
-            <a:ext cx="6096000" cy="2308324"/>
+            <a:ext cx="6096000" cy="1938992"/>
           </a:xfrm>
           <a:prstGeom prst="rect">
             <a:avLst/>
@@ -8161,12 +8175,8 @@
               <a:buChar char="•"/>
             </a:pPr>
             <a:r>
-              <a:rPr lang="en-US" b="0" dirty="0">
-                <a:solidFill>
-                  <a:srgbClr val="008000"/>
-                </a:solidFill>
-                <a:effectLst/>
-                <a:latin typeface="Courier New" panose="02070309020205020404" pitchFamily="49" charset="0"/>
+              <a:rPr lang="en-US" sz="2000" b="0" dirty="0">
+                <a:effectLst/>
               </a:rPr>
               <a:t>Intuitively, customers who did not put any order recently are more likely to churn. </a:t>
             </a:r>
@@ -8177,20 +8187,11 @@
               <a:buChar char="•"/>
             </a:pPr>
             <a:r>
-              <a:rPr lang="en-US" dirty="0">
-                <a:solidFill>
-                  <a:srgbClr val="008000"/>
-                </a:solidFill>
-                <a:latin typeface="Courier New" panose="02070309020205020404" pitchFamily="49" charset="0"/>
-              </a:rPr>
+              <a:rPr lang="en-US" sz="2000" dirty="0"/>
               <a:t>For most of the graph we didn’t see any consistent pattern.  </a:t>
             </a:r>
-            <a:endParaRPr lang="en-US" b="0" dirty="0">
-              <a:solidFill>
-                <a:srgbClr val="008000"/>
-              </a:solidFill>
+            <a:endParaRPr lang="en-US" sz="2000" b="0" dirty="0">
               <a:effectLst/>
-              <a:latin typeface="Courier New" panose="02070309020205020404" pitchFamily="49" charset="0"/>
             </a:endParaRPr>
           </a:p>
           <a:p>
@@ -8199,42 +8200,23 @@
               <a:buChar char="•"/>
             </a:pPr>
             <a:r>
-              <a:rPr lang="en-US" b="0" dirty="0">
-                <a:solidFill>
-                  <a:srgbClr val="008000"/>
-                </a:solidFill>
-                <a:effectLst/>
-                <a:latin typeface="Courier New" panose="02070309020205020404" pitchFamily="49" charset="0"/>
+              <a:rPr lang="en-US" sz="2000" b="1" dirty="0">
+                <a:effectLst/>
               </a:rPr>
               <a:t>However, association between Churn and </a:t>
             </a:r>
             <a:r>
-              <a:rPr lang="en-US" b="0" dirty="0" err="1">
-                <a:solidFill>
-                  <a:srgbClr val="008000"/>
-                </a:solidFill>
-                <a:effectLst/>
-                <a:latin typeface="Courier New" panose="02070309020205020404" pitchFamily="49" charset="0"/>
+              <a:rPr lang="en-US" sz="2000" b="1" dirty="0" err="1">
+                <a:effectLst/>
               </a:rPr>
               <a:t>DaySinceLastOrder</a:t>
             </a:r>
             <a:r>
-              <a:rPr lang="en-US" b="0" dirty="0">
-                <a:solidFill>
-                  <a:srgbClr val="008000"/>
-                </a:solidFill>
-                <a:effectLst/>
-                <a:latin typeface="Courier New" panose="02070309020205020404" pitchFamily="49" charset="0"/>
+              <a:rPr lang="en-US" sz="2000" b="1" dirty="0">
+                <a:effectLst/>
               </a:rPr>
               <a:t> is statistically significant</a:t>
             </a:r>
-            <a:endParaRPr lang="en-US" b="0" dirty="0">
-              <a:solidFill>
-                <a:srgbClr val="000000"/>
-              </a:solidFill>
-              <a:effectLst/>
-              <a:latin typeface="Courier New" panose="02070309020205020404" pitchFamily="49" charset="0"/>
-            </a:endParaRPr>
           </a:p>
         </p:txBody>
       </p:sp>
@@ -8300,7 +8282,7 @@
 </p:sld>
 </file>
 
-<file path=ppt/slides/slide25.xml><?xml version="1.0" encoding="utf-8"?>
+<file path=ppt/slides/slide27.xml><?xml version="1.0" encoding="utf-8"?>
 <p:sld xmlns:a="http://schemas.openxmlformats.org/drawingml/2006/main" xmlns:r="http://schemas.openxmlformats.org/officeDocument/2006/relationships" xmlns:p="http://schemas.openxmlformats.org/presentationml/2006/main">
   <p:cSld>
     <p:spTree>
@@ -8414,7 +8396,7 @@
         <p:spPr>
           <a:xfrm>
             <a:off x="5969876" y="1951749"/>
-            <a:ext cx="6096000" cy="1477328"/>
+            <a:ext cx="6096000" cy="2246769"/>
           </a:xfrm>
           <a:prstGeom prst="rect">
             <a:avLst/>
@@ -8432,12 +8414,8 @@
               <a:buChar char="•"/>
             </a:pPr>
             <a:r>
-              <a:rPr lang="en-US" b="0" dirty="0">
-                <a:solidFill>
-                  <a:srgbClr val="008000"/>
-                </a:solidFill>
-                <a:effectLst/>
-                <a:latin typeface="Courier New" panose="02070309020205020404" pitchFamily="49" charset="0"/>
+              <a:rPr lang="en-US" sz="2000" b="0" dirty="0">
+                <a:effectLst/>
               </a:rPr>
               <a:t>People who are getting higher cash back are churning less, this is intuitive</a:t>
             </a:r>
@@ -8448,42 +8426,36 @@
               <a:buChar char="•"/>
             </a:pPr>
             <a:r>
-              <a:rPr lang="en-US" b="0" dirty="0">
-                <a:solidFill>
-                  <a:srgbClr val="008000"/>
-                </a:solidFill>
-                <a:effectLst/>
-                <a:latin typeface="Courier New" panose="02070309020205020404" pitchFamily="49" charset="0"/>
+              <a:rPr lang="en-US" sz="2000" dirty="0"/>
+              <a:t>From CX perspective, it is evident that offering customers cashback is a good strategy to retain customers. </a:t>
+            </a:r>
+            <a:endParaRPr lang="en-US" sz="2000" b="0" dirty="0">
+              <a:effectLst/>
+            </a:endParaRPr>
+          </a:p>
+          <a:p>
+            <a:pPr marL="285750" indent="-285750">
+              <a:buFont typeface="Arial" panose="020B0604020202020204" pitchFamily="34" charset="0"/>
+              <a:buChar char="•"/>
+            </a:pPr>
+            <a:r>
+              <a:rPr lang="en-US" sz="2000" b="1" dirty="0">
+                <a:effectLst/>
               </a:rPr>
               <a:t>Association between Churn and </a:t>
             </a:r>
             <a:r>
-              <a:rPr lang="en-US" b="0" dirty="0" err="1">
-                <a:solidFill>
-                  <a:srgbClr val="008000"/>
-                </a:solidFill>
-                <a:effectLst/>
-                <a:latin typeface="Courier New" panose="02070309020205020404" pitchFamily="49" charset="0"/>
+              <a:rPr lang="en-US" sz="2000" b="1" dirty="0" err="1">
+                <a:effectLst/>
               </a:rPr>
               <a:t>CashbackAmount</a:t>
             </a:r>
             <a:r>
-              <a:rPr lang="en-US" b="0" dirty="0">
-                <a:solidFill>
-                  <a:srgbClr val="008000"/>
-                </a:solidFill>
-                <a:effectLst/>
-                <a:latin typeface="Courier New" panose="02070309020205020404" pitchFamily="49" charset="0"/>
+              <a:rPr lang="en-US" sz="2000" b="1" dirty="0">
+                <a:effectLst/>
               </a:rPr>
               <a:t> is statistically significant</a:t>
             </a:r>
-            <a:endParaRPr lang="en-US" b="0" dirty="0">
-              <a:solidFill>
-                <a:srgbClr val="000000"/>
-              </a:solidFill>
-              <a:effectLst/>
-              <a:latin typeface="Courier New" panose="02070309020205020404" pitchFamily="49" charset="0"/>
-            </a:endParaRPr>
           </a:p>
         </p:txBody>
       </p:sp>
@@ -8491,673 +8463,6 @@
     <p:extLst>
       <p:ext uri="{BB962C8B-B14F-4D97-AF65-F5344CB8AC3E}">
         <p14:creationId xmlns:p14="http://schemas.microsoft.com/office/powerpoint/2010/main" val="3057077752"/>
-      </p:ext>
-    </p:extLst>
-  </p:cSld>
-  <p:clrMapOvr>
-    <a:masterClrMapping/>
-  </p:clrMapOvr>
-</p:sld>
-</file>
-
-<file path=ppt/slides/slide26.xml><?xml version="1.0" encoding="utf-8"?>
-<p:sld xmlns:a="http://schemas.openxmlformats.org/drawingml/2006/main" xmlns:r="http://schemas.openxmlformats.org/officeDocument/2006/relationships" xmlns:p="http://schemas.openxmlformats.org/presentationml/2006/main">
-  <p:cSld>
-    <p:spTree>
-      <p:nvGrpSpPr>
-        <p:cNvPr id="1" name=""/>
-        <p:cNvGrpSpPr/>
-        <p:nvPr/>
-      </p:nvGrpSpPr>
-      <p:grpSpPr>
-        <a:xfrm>
-          <a:off x="0" y="0"/>
-          <a:ext cx="0" cy="0"/>
-          <a:chOff x="0" y="0"/>
-          <a:chExt cx="0" cy="0"/>
-        </a:xfrm>
-      </p:grpSpPr>
-      <p:sp>
-        <p:nvSpPr>
-          <p:cNvPr id="2" name="Title 1">
-            <a:extLst>
-              <a:ext uri="{FF2B5EF4-FFF2-40B4-BE49-F238E27FC236}">
-                <a16:creationId xmlns:a16="http://schemas.microsoft.com/office/drawing/2014/main" id="{8AE849E7-0767-87D2-BE92-243CE53BA9CD}"/>
-              </a:ext>
-            </a:extLst>
-          </p:cNvPr>
-          <p:cNvSpPr>
-            <a:spLocks noGrp="1"/>
-          </p:cNvSpPr>
-          <p:nvPr>
-            <p:ph type="title"/>
-          </p:nvPr>
-        </p:nvSpPr>
-        <p:spPr/>
-        <p:txBody>
-          <a:bodyPr/>
-          <a:lstStyle/>
-          <a:p>
-            <a:r>
-              <a:rPr lang="en-US" dirty="0"/>
-              <a:t>Significant Factors Contributing to Customer Churn </a:t>
-            </a:r>
-          </a:p>
-        </p:txBody>
-      </p:sp>
-      <p:sp>
-        <p:nvSpPr>
-          <p:cNvPr id="3" name="Content Placeholder 2">
-            <a:extLst>
-              <a:ext uri="{FF2B5EF4-FFF2-40B4-BE49-F238E27FC236}">
-                <a16:creationId xmlns:a16="http://schemas.microsoft.com/office/drawing/2014/main" id="{4D6A2DCC-D795-0469-E8FC-CF9FCABA33A6}"/>
-              </a:ext>
-            </a:extLst>
-          </p:cNvPr>
-          <p:cNvSpPr>
-            <a:spLocks noGrp="1"/>
-          </p:cNvSpPr>
-          <p:nvPr>
-            <p:ph idx="1"/>
-          </p:nvPr>
-        </p:nvSpPr>
-        <p:spPr/>
-        <p:txBody>
-          <a:bodyPr>
-            <a:normAutofit/>
-          </a:bodyPr>
-          <a:lstStyle/>
-          <a:p>
-            <a:r>
-              <a:rPr lang="en-US" sz="2400" dirty="0"/>
-              <a:t>We applied statistical test (Chi-square test) to determine if a factor is significant. </a:t>
-            </a:r>
-          </a:p>
-          <a:p>
-            <a:r>
-              <a:rPr lang="en-US" sz="2400" dirty="0"/>
-              <a:t>The following factors were found significant: </a:t>
-            </a:r>
-          </a:p>
-          <a:p>
-            <a:pPr lvl="1"/>
-            <a:r>
-              <a:rPr lang="en-US" sz="2000" dirty="0"/>
-              <a:t>'Tenure', '</a:t>
-            </a:r>
-            <a:r>
-              <a:rPr lang="en-US" sz="2000" dirty="0" err="1"/>
-              <a:t>PreferredLoginDevice</a:t>
-            </a:r>
-            <a:r>
-              <a:rPr lang="en-US" sz="2000" dirty="0"/>
-              <a:t>', '</a:t>
-            </a:r>
-            <a:r>
-              <a:rPr lang="en-US" sz="2000" dirty="0" err="1"/>
-              <a:t>CityTier</a:t>
-            </a:r>
-            <a:r>
-              <a:rPr lang="en-US" sz="2000" dirty="0"/>
-              <a:t>', '</a:t>
-            </a:r>
-            <a:r>
-              <a:rPr lang="en-US" sz="2000" dirty="0" err="1"/>
-              <a:t>WarehouseToHome</a:t>
-            </a:r>
-            <a:r>
-              <a:rPr lang="en-US" sz="2000" dirty="0"/>
-              <a:t>', '</a:t>
-            </a:r>
-            <a:r>
-              <a:rPr lang="en-US" sz="2000" dirty="0" err="1"/>
-              <a:t>PreferredPaymentMode</a:t>
-            </a:r>
-            <a:r>
-              <a:rPr lang="en-US" sz="2000" dirty="0"/>
-              <a:t>', 'Gender', '</a:t>
-            </a:r>
-            <a:r>
-              <a:rPr lang="en-US" sz="2000" dirty="0" err="1"/>
-              <a:t>NumberOfDeviceRegistered</a:t>
-            </a:r>
-            <a:r>
-              <a:rPr lang="en-US" sz="2000" dirty="0"/>
-              <a:t>', '</a:t>
-            </a:r>
-            <a:r>
-              <a:rPr lang="en-US" sz="2000" dirty="0" err="1"/>
-              <a:t>PreferedOrderCat</a:t>
-            </a:r>
-            <a:r>
-              <a:rPr lang="en-US" sz="2000" dirty="0"/>
-              <a:t>', '</a:t>
-            </a:r>
-            <a:r>
-              <a:rPr lang="en-US" sz="2000" dirty="0" err="1"/>
-              <a:t>SatisfactionScore</a:t>
-            </a:r>
-            <a:r>
-              <a:rPr lang="en-US" sz="2000" dirty="0"/>
-              <a:t>', '</a:t>
-            </a:r>
-            <a:r>
-              <a:rPr lang="en-US" sz="2000" dirty="0" err="1"/>
-              <a:t>MaritalStatus</a:t>
-            </a:r>
-            <a:r>
-              <a:rPr lang="en-US" sz="2000" dirty="0"/>
-              <a:t>', '</a:t>
-            </a:r>
-            <a:r>
-              <a:rPr lang="en-US" sz="2000" dirty="0" err="1"/>
-              <a:t>NumberOfAddress</a:t>
-            </a:r>
-            <a:r>
-              <a:rPr lang="en-US" sz="2000" dirty="0"/>
-              <a:t>', 'Complain', '</a:t>
-            </a:r>
-            <a:r>
-              <a:rPr lang="en-US" sz="2000" dirty="0" err="1"/>
-              <a:t>OrderAmountHikeFromlastYear</a:t>
-            </a:r>
-            <a:r>
-              <a:rPr lang="en-US" sz="2000" dirty="0"/>
-              <a:t>', '</a:t>
-            </a:r>
-            <a:r>
-              <a:rPr lang="en-US" sz="2000" dirty="0" err="1"/>
-              <a:t>OrderCount</a:t>
-            </a:r>
-            <a:r>
-              <a:rPr lang="en-US" sz="2000" dirty="0"/>
-              <a:t>', '</a:t>
-            </a:r>
-            <a:r>
-              <a:rPr lang="en-US" sz="2000" dirty="0" err="1"/>
-              <a:t>DaySinceLastOrder</a:t>
-            </a:r>
-            <a:r>
-              <a:rPr lang="en-US" sz="2000" dirty="0"/>
-              <a:t>', '</a:t>
-            </a:r>
-            <a:r>
-              <a:rPr lang="en-US" sz="2000" dirty="0" err="1"/>
-              <a:t>CashbackAmount</a:t>
-            </a:r>
-            <a:r>
-              <a:rPr lang="en-US" sz="2000" dirty="0"/>
-              <a:t>’</a:t>
-            </a:r>
-          </a:p>
-          <a:p>
-            <a:endParaRPr lang="en-US" sz="2400" dirty="0"/>
-          </a:p>
-          <a:p>
-            <a:pPr marL="0" indent="0">
-              <a:buNone/>
-            </a:pPr>
-            <a:endParaRPr lang="en-US" sz="2400" dirty="0"/>
-          </a:p>
-        </p:txBody>
-      </p:sp>
-    </p:spTree>
-    <p:extLst>
-      <p:ext uri="{BB962C8B-B14F-4D97-AF65-F5344CB8AC3E}">
-        <p14:creationId xmlns:p14="http://schemas.microsoft.com/office/powerpoint/2010/main" val="206619887"/>
-      </p:ext>
-    </p:extLst>
-  </p:cSld>
-  <p:clrMapOvr>
-    <a:masterClrMapping/>
-  </p:clrMapOvr>
-</p:sld>
-</file>
-
-<file path=ppt/slides/slide27.xml><?xml version="1.0" encoding="utf-8"?>
-<p:sld xmlns:a="http://schemas.openxmlformats.org/drawingml/2006/main" xmlns:r="http://schemas.openxmlformats.org/officeDocument/2006/relationships" xmlns:p="http://schemas.openxmlformats.org/presentationml/2006/main">
-  <p:cSld>
-    <p:spTree>
-      <p:nvGrpSpPr>
-        <p:cNvPr id="1" name=""/>
-        <p:cNvGrpSpPr/>
-        <p:nvPr/>
-      </p:nvGrpSpPr>
-      <p:grpSpPr>
-        <a:xfrm>
-          <a:off x="0" y="0"/>
-          <a:ext cx="0" cy="0"/>
-          <a:chOff x="0" y="0"/>
-          <a:chExt cx="0" cy="0"/>
-        </a:xfrm>
-      </p:grpSpPr>
-      <p:sp>
-        <p:nvSpPr>
-          <p:cNvPr id="2" name="Title 1">
-            <a:extLst>
-              <a:ext uri="{FF2B5EF4-FFF2-40B4-BE49-F238E27FC236}">
-                <a16:creationId xmlns:a16="http://schemas.microsoft.com/office/drawing/2014/main" id="{8AE849E7-0767-87D2-BE92-243CE53BA9CD}"/>
-              </a:ext>
-            </a:extLst>
-          </p:cNvPr>
-          <p:cNvSpPr>
-            <a:spLocks noGrp="1"/>
-          </p:cNvSpPr>
-          <p:nvPr>
-            <p:ph type="title"/>
-          </p:nvPr>
-        </p:nvSpPr>
-        <p:spPr/>
-        <p:txBody>
-          <a:bodyPr/>
-          <a:lstStyle/>
-          <a:p>
-            <a:r>
-              <a:rPr lang="en-US" dirty="0"/>
-              <a:t>Developing ML Model to Predict Churn</a:t>
-            </a:r>
-          </a:p>
-        </p:txBody>
-      </p:sp>
-      <p:sp>
-        <p:nvSpPr>
-          <p:cNvPr id="3" name="Content Placeholder 2">
-            <a:extLst>
-              <a:ext uri="{FF2B5EF4-FFF2-40B4-BE49-F238E27FC236}">
-                <a16:creationId xmlns:a16="http://schemas.microsoft.com/office/drawing/2014/main" id="{4D6A2DCC-D795-0469-E8FC-CF9FCABA33A6}"/>
-              </a:ext>
-            </a:extLst>
-          </p:cNvPr>
-          <p:cNvSpPr>
-            <a:spLocks noGrp="1"/>
-          </p:cNvSpPr>
-          <p:nvPr>
-            <p:ph idx="1"/>
-          </p:nvPr>
-        </p:nvSpPr>
-        <p:spPr>
-          <a:xfrm>
-            <a:off x="932793" y="1469969"/>
-            <a:ext cx="10849304" cy="5022905"/>
-          </a:xfrm>
-        </p:spPr>
-        <p:txBody>
-          <a:bodyPr>
-            <a:normAutofit fontScale="62500" lnSpcReduction="20000"/>
-          </a:bodyPr>
-          <a:lstStyle/>
-          <a:p>
-            <a:r>
-              <a:rPr lang="en-US" sz="3200" dirty="0"/>
-              <a:t>Use Significant Factors as features to predict Churn </a:t>
-            </a:r>
-          </a:p>
-          <a:p>
-            <a:pPr lvl="1"/>
-            <a:r>
-              <a:rPr lang="en-US" sz="3200" dirty="0"/>
-              <a:t>16 such features </a:t>
-            </a:r>
-          </a:p>
-          <a:p>
-            <a:r>
-              <a:rPr lang="en-US" sz="3200" dirty="0"/>
-              <a:t> Handle Missing Values </a:t>
-            </a:r>
-          </a:p>
-          <a:p>
-            <a:pPr lvl="1"/>
-            <a:r>
-              <a:rPr lang="en-US" sz="3200" dirty="0"/>
-              <a:t>Replace missing values with mean for the following features</a:t>
-            </a:r>
-          </a:p>
-          <a:p>
-            <a:pPr lvl="2"/>
-            <a:r>
-              <a:rPr lang="en-US" sz="3200" dirty="0"/>
-              <a:t>Tenure 264 (4.7%)</a:t>
-            </a:r>
-          </a:p>
-          <a:p>
-            <a:pPr lvl="2"/>
-            <a:r>
-              <a:rPr lang="en-US" sz="3200" dirty="0" err="1"/>
-              <a:t>WarehouseToHome</a:t>
-            </a:r>
-            <a:r>
-              <a:rPr lang="en-US" sz="3200" dirty="0"/>
-              <a:t> 251 (4.5%) </a:t>
-            </a:r>
-          </a:p>
-          <a:p>
-            <a:pPr lvl="2"/>
-            <a:r>
-              <a:rPr lang="en-US" sz="3200" dirty="0" err="1"/>
-              <a:t>OrderAmountHikeFromlastYear</a:t>
-            </a:r>
-            <a:r>
-              <a:rPr lang="en-US" sz="3200" dirty="0"/>
-              <a:t> 265 (4.7%)</a:t>
-            </a:r>
-          </a:p>
-          <a:p>
-            <a:pPr lvl="2"/>
-            <a:r>
-              <a:rPr lang="en-US" sz="3200" dirty="0" err="1"/>
-              <a:t>OrderCount</a:t>
-            </a:r>
-            <a:r>
-              <a:rPr lang="en-US" sz="3200" dirty="0"/>
-              <a:t> 258 (4.5%)</a:t>
-            </a:r>
-          </a:p>
-          <a:p>
-            <a:pPr lvl="2"/>
-            <a:r>
-              <a:rPr lang="en-US" sz="3200" dirty="0" err="1"/>
-              <a:t>DaySinceLastOrder</a:t>
-            </a:r>
-            <a:r>
-              <a:rPr lang="en-US" sz="3200" dirty="0"/>
-              <a:t> 307 (5.5%)</a:t>
-            </a:r>
-          </a:p>
-          <a:p>
-            <a:r>
-              <a:rPr lang="en-US" sz="3200" dirty="0"/>
-              <a:t>Encode Categorical Features to Numerical </a:t>
-            </a:r>
-          </a:p>
-          <a:p>
-            <a:pPr lvl="1"/>
-            <a:r>
-              <a:rPr lang="en-US" sz="3200" b="0" dirty="0">
-                <a:solidFill>
-                  <a:srgbClr val="000000"/>
-                </a:solidFill>
-                <a:effectLst/>
-              </a:rPr>
-              <a:t>[</a:t>
-            </a:r>
-            <a:r>
-              <a:rPr lang="en-US" sz="3200" b="0" dirty="0">
-                <a:solidFill>
-                  <a:srgbClr val="A31515"/>
-                </a:solidFill>
-                <a:effectLst/>
-              </a:rPr>
-              <a:t>'Gender'</a:t>
-            </a:r>
-            <a:r>
-              <a:rPr lang="en-US" sz="3200" b="0" dirty="0">
-                <a:solidFill>
-                  <a:srgbClr val="000000"/>
-                </a:solidFill>
-                <a:effectLst/>
-              </a:rPr>
-              <a:t>, </a:t>
-            </a:r>
-            <a:r>
-              <a:rPr lang="en-US" sz="3200" b="0" dirty="0">
-                <a:solidFill>
-                  <a:srgbClr val="A31515"/>
-                </a:solidFill>
-                <a:effectLst/>
-              </a:rPr>
-              <a:t>'</a:t>
-            </a:r>
-            <a:r>
-              <a:rPr lang="en-US" sz="3200" b="0" dirty="0" err="1">
-                <a:solidFill>
-                  <a:srgbClr val="A31515"/>
-                </a:solidFill>
-                <a:effectLst/>
-              </a:rPr>
-              <a:t>PreferredLoginDevice</a:t>
-            </a:r>
-            <a:r>
-              <a:rPr lang="en-US" sz="3200" b="0" dirty="0">
-                <a:solidFill>
-                  <a:srgbClr val="A31515"/>
-                </a:solidFill>
-                <a:effectLst/>
-              </a:rPr>
-              <a:t>'</a:t>
-            </a:r>
-            <a:r>
-              <a:rPr lang="en-US" sz="3200" b="0" dirty="0">
-                <a:solidFill>
-                  <a:srgbClr val="000000"/>
-                </a:solidFill>
-                <a:effectLst/>
-              </a:rPr>
-              <a:t>, </a:t>
-            </a:r>
-            <a:r>
-              <a:rPr lang="en-US" sz="3200" b="0" dirty="0">
-                <a:solidFill>
-                  <a:srgbClr val="A31515"/>
-                </a:solidFill>
-                <a:effectLst/>
-              </a:rPr>
-              <a:t>'</a:t>
-            </a:r>
-            <a:r>
-              <a:rPr lang="en-US" sz="3200" b="0" dirty="0" err="1">
-                <a:solidFill>
-                  <a:srgbClr val="A31515"/>
-                </a:solidFill>
-                <a:effectLst/>
-              </a:rPr>
-              <a:t>CityTier</a:t>
-            </a:r>
-            <a:r>
-              <a:rPr lang="en-US" sz="3200" b="0" dirty="0">
-                <a:solidFill>
-                  <a:srgbClr val="A31515"/>
-                </a:solidFill>
-                <a:effectLst/>
-              </a:rPr>
-              <a:t>'</a:t>
-            </a:r>
-            <a:r>
-              <a:rPr lang="en-US" sz="3200" b="0" dirty="0">
-                <a:solidFill>
-                  <a:srgbClr val="000000"/>
-                </a:solidFill>
-                <a:effectLst/>
-              </a:rPr>
-              <a:t>, </a:t>
-            </a:r>
-            <a:r>
-              <a:rPr lang="en-US" sz="3200" b="0" dirty="0">
-                <a:solidFill>
-                  <a:srgbClr val="A31515"/>
-                </a:solidFill>
-                <a:effectLst/>
-              </a:rPr>
-              <a:t>'</a:t>
-            </a:r>
-            <a:r>
-              <a:rPr lang="en-US" sz="3200" b="0" dirty="0" err="1">
-                <a:solidFill>
-                  <a:srgbClr val="A31515"/>
-                </a:solidFill>
-                <a:effectLst/>
-              </a:rPr>
-              <a:t>PreferredPaymentMode</a:t>
-            </a:r>
-            <a:r>
-              <a:rPr lang="en-US" sz="3200" b="0" dirty="0">
-                <a:solidFill>
-                  <a:srgbClr val="A31515"/>
-                </a:solidFill>
-                <a:effectLst/>
-              </a:rPr>
-              <a:t>'</a:t>
-            </a:r>
-            <a:r>
-              <a:rPr lang="en-US" sz="3200" b="0" dirty="0">
-                <a:solidFill>
-                  <a:srgbClr val="000000"/>
-                </a:solidFill>
-                <a:effectLst/>
-              </a:rPr>
-              <a:t>, </a:t>
-            </a:r>
-            <a:r>
-              <a:rPr lang="en-US" sz="3200" b="0" dirty="0">
-                <a:solidFill>
-                  <a:srgbClr val="A31515"/>
-                </a:solidFill>
-                <a:effectLst/>
-              </a:rPr>
-              <a:t>'Complain'</a:t>
-            </a:r>
-            <a:r>
-              <a:rPr lang="en-US" sz="3200" b="0" dirty="0">
-                <a:solidFill>
-                  <a:srgbClr val="000000"/>
-                </a:solidFill>
-                <a:effectLst/>
-              </a:rPr>
-              <a:t>, </a:t>
-            </a:r>
-            <a:r>
-              <a:rPr lang="en-US" sz="3200" b="0" dirty="0">
-                <a:solidFill>
-                  <a:srgbClr val="A31515"/>
-                </a:solidFill>
-                <a:effectLst/>
-              </a:rPr>
-              <a:t>'</a:t>
-            </a:r>
-            <a:r>
-              <a:rPr lang="en-US" sz="3200" b="0" dirty="0" err="1">
-                <a:solidFill>
-                  <a:srgbClr val="A31515"/>
-                </a:solidFill>
-                <a:effectLst/>
-              </a:rPr>
-              <a:t>PreferedOrderCat</a:t>
-            </a:r>
-            <a:r>
-              <a:rPr lang="en-US" sz="3200" b="0" dirty="0">
-                <a:solidFill>
-                  <a:srgbClr val="A31515"/>
-                </a:solidFill>
-                <a:effectLst/>
-              </a:rPr>
-              <a:t>'</a:t>
-            </a:r>
-            <a:r>
-              <a:rPr lang="en-US" sz="3200" b="0" dirty="0">
-                <a:solidFill>
-                  <a:srgbClr val="000000"/>
-                </a:solidFill>
-                <a:effectLst/>
-              </a:rPr>
-              <a:t>, </a:t>
-            </a:r>
-            <a:r>
-              <a:rPr lang="en-US" sz="3200" b="0" dirty="0">
-                <a:solidFill>
-                  <a:srgbClr val="A31515"/>
-                </a:solidFill>
-                <a:effectLst/>
-              </a:rPr>
-              <a:t>'</a:t>
-            </a:r>
-            <a:r>
-              <a:rPr lang="en-US" sz="3200" b="0" dirty="0" err="1">
-                <a:solidFill>
-                  <a:srgbClr val="A31515"/>
-                </a:solidFill>
-                <a:effectLst/>
-              </a:rPr>
-              <a:t>MaritalStatus</a:t>
-            </a:r>
-            <a:r>
-              <a:rPr lang="en-US" sz="3200" b="0" dirty="0">
-                <a:solidFill>
-                  <a:srgbClr val="A31515"/>
-                </a:solidFill>
-                <a:effectLst/>
-              </a:rPr>
-              <a:t>’</a:t>
-            </a:r>
-            <a:r>
-              <a:rPr lang="en-US" sz="3200" b="0" dirty="0">
-                <a:solidFill>
-                  <a:srgbClr val="000000"/>
-                </a:solidFill>
-                <a:effectLst/>
-              </a:rPr>
-              <a:t>]</a:t>
-            </a:r>
-          </a:p>
-          <a:p>
-            <a:pPr lvl="1"/>
-            <a:endParaRPr lang="en-US" sz="3200" dirty="0">
-              <a:solidFill>
-                <a:srgbClr val="000000"/>
-              </a:solidFill>
-            </a:endParaRPr>
-          </a:p>
-          <a:p>
-            <a:r>
-              <a:rPr lang="en-US" sz="3200" dirty="0"/>
-              <a:t>Train/Test Split – 80% for training, 20% for testing </a:t>
-            </a:r>
-          </a:p>
-          <a:p>
-            <a:pPr lvl="2"/>
-            <a:r>
-              <a:rPr lang="en-US" sz="3200" dirty="0"/>
-              <a:t>1126 test samples, 941 no-churn and 185 churn </a:t>
-            </a:r>
-          </a:p>
-          <a:p>
-            <a:pPr lvl="1"/>
-            <a:r>
-              <a:rPr lang="en-US" sz="3200" dirty="0"/>
-              <a:t>ML Algorithm</a:t>
-            </a:r>
-          </a:p>
-          <a:p>
-            <a:pPr lvl="2"/>
-            <a:r>
-              <a:rPr lang="en-US" sz="3200" dirty="0"/>
-              <a:t>Decision Tree which gives explainable rules </a:t>
-            </a:r>
-          </a:p>
-          <a:p>
-            <a:pPr lvl="1"/>
-            <a:endParaRPr lang="en-US" sz="2000" b="0" dirty="0">
-              <a:solidFill>
-                <a:srgbClr val="000000"/>
-              </a:solidFill>
-              <a:effectLst/>
-              <a:latin typeface="Courier New" panose="02070309020205020404" pitchFamily="49" charset="0"/>
-            </a:endParaRPr>
-          </a:p>
-          <a:p>
-            <a:pPr lvl="1"/>
-            <a:endParaRPr lang="en-US" sz="2000" dirty="0"/>
-          </a:p>
-          <a:p>
-            <a:pPr marL="457200" lvl="1" indent="0">
-              <a:buNone/>
-            </a:pPr>
-            <a:endParaRPr lang="en-US" sz="2000" dirty="0"/>
-          </a:p>
-        </p:txBody>
-      </p:sp>
-    </p:spTree>
-    <p:extLst>
-      <p:ext uri="{BB962C8B-B14F-4D97-AF65-F5344CB8AC3E}">
-        <p14:creationId xmlns:p14="http://schemas.microsoft.com/office/powerpoint/2010/main" val="1047731557"/>
       </p:ext>
     </p:extLst>
   </p:cSld>
@@ -9241,86 +8546,94 @@
         </p:spPr>
         <p:txBody>
           <a:bodyPr>
-            <a:normAutofit fontScale="85000" lnSpcReduction="10000"/>
+            <a:normAutofit fontScale="92500" lnSpcReduction="10000"/>
           </a:bodyPr>
           <a:lstStyle/>
           <a:p>
-            <a:r>
-              <a:rPr lang="en-US" b="1" dirty="0"/>
-              <a:t>From Data Analysis:  </a:t>
-            </a:r>
-          </a:p>
-          <a:p>
             <a:pPr lvl="1"/>
             <a:r>
               <a:rPr lang="en-US" dirty="0"/>
-              <a:t>We saw that users are more likely to churn in their first 3 months, especially during the first month. So engage with such customers.</a:t>
+              <a:t>We found how each factor interacts with Churn – which we would like to reduce from CX perspective </a:t>
             </a:r>
           </a:p>
           <a:p>
             <a:pPr lvl="1"/>
             <a:r>
               <a:rPr lang="en-US" dirty="0"/>
-              <a:t>Customers who used Phone  to login to applications churned more than customers who used Computer or </a:t>
-            </a:r>
-            <a:r>
-              <a:rPr lang="en-US" dirty="0" err="1"/>
-              <a:t>MobilePhone</a:t>
-            </a:r>
+              <a:t>Some ad-hoc strategies can be applied which may reduce churn. E.g., </a:t>
+            </a:r>
+          </a:p>
+          <a:p>
+            <a:pPr lvl="2"/>
             <a:r>
               <a:rPr lang="en-US" dirty="0"/>
-              <a:t>. Engage with such customers if they have any technical issue </a:t>
-            </a:r>
-          </a:p>
-          <a:p>
-            <a:pPr lvl="1"/>
-            <a:r>
-              <a:rPr lang="en-US" dirty="0"/>
-              <a:t>Implement positive campaigns based on City tier – focusing on City Tier 2 and 3</a:t>
-            </a:r>
-          </a:p>
-          <a:p>
-            <a:pPr lvl="1"/>
-            <a:r>
-              <a:rPr lang="en-US" dirty="0"/>
-              <a:t>Engage with customers who uses COD, CC or E-Wallet as payment methods to understand if they have any specific issue which could be mitigated </a:t>
-            </a:r>
-          </a:p>
-          <a:p>
-            <a:pPr lvl="1"/>
+              <a:t>We saw that users are more likely to churn in their first 3 months, especially during the first month. So, engage with such customers</a:t>
+            </a:r>
+          </a:p>
+          <a:p>
+            <a:pPr lvl="2"/>
             <a:r>
               <a:rPr lang="en-US" dirty="0"/>
               <a:t>Engage with customers who submit low satisfaction score on the app, mitigate their concerns  </a:t>
             </a:r>
           </a:p>
           <a:p>
-            <a:pPr lvl="1"/>
+            <a:pPr lvl="2"/>
             <a:r>
               <a:rPr lang="en-US" dirty="0"/>
               <a:t>Engage with customers who complained in the last month, mitigate their concerns </a:t>
             </a:r>
           </a:p>
           <a:p>
+            <a:pPr lvl="2"/>
+            <a:endParaRPr lang="en-US" dirty="0"/>
+          </a:p>
+          <a:p>
             <a:pPr lvl="1"/>
             <a:r>
               <a:rPr lang="en-US" dirty="0"/>
-              <a:t>Engage with customers who are single – send targeted ads to motivate them to use the app for shopping  </a:t>
+              <a:t>However, we would like to develop a principled approach to predict Churn based on multiple factors </a:t>
+            </a:r>
+          </a:p>
+          <a:p>
+            <a:pPr lvl="2"/>
+            <a:r>
+              <a:rPr lang="en-US" dirty="0"/>
+              <a:t>Machine learning models can be trained to predict churn with a reasonable accuracy </a:t>
+            </a:r>
+          </a:p>
+          <a:p>
+            <a:pPr lvl="2"/>
+            <a:r>
+              <a:rPr lang="en-US" dirty="0"/>
+              <a:t>Based on the prediction, customers can be engaged for retention </a:t>
             </a:r>
           </a:p>
           <a:p>
             <a:pPr lvl="1"/>
             <a:r>
               <a:rPr lang="en-US" dirty="0"/>
-              <a:t>Engage with customers who live far (</a:t>
-            </a:r>
-            <a:r>
-              <a:rPr lang="en-US" dirty="0" err="1"/>
-              <a:t>e.g</a:t>
-            </a:r>
-            <a:r>
-              <a:rPr lang="en-US" dirty="0"/>
-              <a:t>, &gt; 25 miles) from the warehouse to understand if they have any concerns regarding shipping/availability. Incentivize them (e.g., through coupons) </a:t>
-            </a:r>
+              <a:t>Our choice of ML model is decision tree</a:t>
+            </a:r>
+          </a:p>
+          <a:p>
+            <a:pPr lvl="2"/>
+            <a:r>
+              <a:rPr lang="en-US" sz="2200" dirty="0"/>
+              <a:t>Gives explainable rules – appropriate for making business decisions </a:t>
+            </a:r>
+          </a:p>
+          <a:p>
+            <a:pPr lvl="2"/>
+            <a:endParaRPr lang="en-US" dirty="0"/>
+          </a:p>
+          <a:p>
+            <a:pPr lvl="2"/>
+            <a:endParaRPr lang="en-US" dirty="0"/>
+          </a:p>
+          <a:p>
+            <a:pPr lvl="2"/>
+            <a:endParaRPr lang="en-US" dirty="0"/>
           </a:p>
           <a:p>
             <a:pPr lvl="1"/>
@@ -9335,7 +8648,7 @@
     </p:spTree>
     <p:extLst>
       <p:ext uri="{BB962C8B-B14F-4D97-AF65-F5344CB8AC3E}">
-        <p14:creationId xmlns:p14="http://schemas.microsoft.com/office/powerpoint/2010/main" val="4118757771"/>
+        <p14:creationId xmlns:p14="http://schemas.microsoft.com/office/powerpoint/2010/main" val="2375578665"/>
       </p:ext>
     </p:extLst>
   </p:cSld>
@@ -9378,19 +8691,14 @@
             <p:ph type="title"/>
           </p:nvPr>
         </p:nvSpPr>
-        <p:spPr>
-          <a:xfrm>
-            <a:off x="838200" y="102367"/>
-            <a:ext cx="10515600" cy="1325563"/>
-          </a:xfrm>
-        </p:spPr>
+        <p:spPr/>
         <p:txBody>
           <a:bodyPr/>
           <a:lstStyle/>
           <a:p>
             <a:r>
               <a:rPr lang="en-US" dirty="0"/>
-              <a:t>Actionable Insights and Recommendations </a:t>
+              <a:t>Significant Factors Contributing to Customer Churn </a:t>
             </a:r>
           </a:p>
         </p:txBody>
@@ -9411,106 +8719,176 @@
             <p:ph idx="1"/>
           </p:nvPr>
         </p:nvSpPr>
-        <p:spPr>
-          <a:xfrm>
-            <a:off x="838200" y="1510315"/>
-            <a:ext cx="10515600" cy="4351338"/>
-          </a:xfrm>
-        </p:spPr>
+        <p:spPr/>
         <p:txBody>
           <a:bodyPr>
-            <a:normAutofit fontScale="70000" lnSpcReduction="20000"/>
+            <a:normAutofit/>
           </a:bodyPr>
           <a:lstStyle/>
           <a:p>
             <a:r>
-              <a:rPr lang="en-US" b="1" dirty="0"/>
-              <a:t>From ML Model:</a:t>
-            </a:r>
-          </a:p>
-          <a:p>
-            <a:pPr marL="457200" lvl="1" indent="0">
+              <a:rPr lang="en-US" sz="2400" dirty="0"/>
+              <a:t>The following factors were found significant from statistical test: </a:t>
+            </a:r>
+          </a:p>
+          <a:p>
+            <a:pPr lvl="1"/>
+            <a:r>
+              <a:rPr lang="en-US" sz="2000" dirty="0"/>
+              <a:t>Tenure, </a:t>
+            </a:r>
+            <a:r>
+              <a:rPr lang="en-US" sz="2000" dirty="0" err="1"/>
+              <a:t>PreferredLoginDevice</a:t>
+            </a:r>
+            <a:r>
+              <a:rPr lang="en-US" sz="2000" dirty="0"/>
+              <a:t>, </a:t>
+            </a:r>
+            <a:r>
+              <a:rPr lang="en-US" sz="2000" dirty="0" err="1"/>
+              <a:t>CityTier</a:t>
+            </a:r>
+            <a:r>
+              <a:rPr lang="en-US" sz="2000" dirty="0"/>
+              <a:t>, </a:t>
+            </a:r>
+            <a:r>
+              <a:rPr lang="en-US" sz="2000" dirty="0" err="1"/>
+              <a:t>WarehouseToHome</a:t>
+            </a:r>
+            <a:endParaRPr lang="en-US" sz="2000" dirty="0"/>
+          </a:p>
+          <a:p>
+            <a:pPr lvl="1"/>
+            <a:r>
+              <a:rPr lang="en-US" sz="2000" dirty="0" err="1"/>
+              <a:t>PreferredPaymentMode</a:t>
+            </a:r>
+            <a:r>
+              <a:rPr lang="en-US" sz="2000" dirty="0"/>
+              <a:t>, Gender, </a:t>
+            </a:r>
+            <a:r>
+              <a:rPr lang="en-US" sz="2000" dirty="0" err="1"/>
+              <a:t>NumberOfDeviceRegistered</a:t>
+            </a:r>
+            <a:r>
+              <a:rPr lang="en-US" sz="2000" dirty="0"/>
+              <a:t>, </a:t>
+            </a:r>
+            <a:r>
+              <a:rPr lang="en-US" sz="2000" dirty="0" err="1"/>
+              <a:t>PreferedOrderCat</a:t>
+            </a:r>
+            <a:endParaRPr lang="en-US" sz="2000" dirty="0"/>
+          </a:p>
+          <a:p>
+            <a:pPr lvl="1"/>
+            <a:r>
+              <a:rPr lang="en-US" sz="2000" dirty="0" err="1"/>
+              <a:t>SatisfactionScore</a:t>
+            </a:r>
+            <a:r>
+              <a:rPr lang="en-US" sz="2000" dirty="0"/>
+              <a:t>, </a:t>
+            </a:r>
+            <a:r>
+              <a:rPr lang="en-US" sz="2000" dirty="0" err="1"/>
+              <a:t>MaritalStatus</a:t>
+            </a:r>
+            <a:r>
+              <a:rPr lang="en-US" sz="2000" dirty="0"/>
+              <a:t>, </a:t>
+            </a:r>
+            <a:r>
+              <a:rPr lang="en-US" sz="2000" dirty="0" err="1"/>
+              <a:t>NumberOfAddress</a:t>
+            </a:r>
+            <a:r>
+              <a:rPr lang="en-US" sz="2000" dirty="0"/>
+              <a:t>, Complain</a:t>
+            </a:r>
+          </a:p>
+          <a:p>
+            <a:pPr lvl="1"/>
+            <a:r>
+              <a:rPr lang="en-US" sz="2000" dirty="0" err="1"/>
+              <a:t>OrderAmountHikeFromlastYear</a:t>
+            </a:r>
+            <a:r>
+              <a:rPr lang="en-US" sz="2000" dirty="0"/>
+              <a:t>, </a:t>
+            </a:r>
+            <a:r>
+              <a:rPr lang="en-US" sz="2000" dirty="0" err="1"/>
+              <a:t>OrderCount</a:t>
+            </a:r>
+            <a:r>
+              <a:rPr lang="en-US" sz="2000" dirty="0"/>
+              <a:t>, </a:t>
+            </a:r>
+            <a:r>
+              <a:rPr lang="en-US" sz="2000" dirty="0" err="1"/>
+              <a:t>DaySinceLastOrder</a:t>
+            </a:r>
+            <a:r>
+              <a:rPr lang="en-US" sz="2000" dirty="0"/>
+              <a:t>, </a:t>
+            </a:r>
+            <a:r>
+              <a:rPr lang="en-US" sz="2000" dirty="0" err="1"/>
+              <a:t>CashbackAmount</a:t>
+            </a:r>
+            <a:endParaRPr lang="en-US" sz="2000" dirty="0"/>
+          </a:p>
+          <a:p>
+            <a:endParaRPr lang="en-US" sz="2400" dirty="0"/>
+          </a:p>
+          <a:p>
+            <a:r>
+              <a:rPr lang="en-US" sz="2400" dirty="0"/>
+              <a:t>The following factors were not found significant from statistical test: </a:t>
+            </a:r>
+          </a:p>
+          <a:p>
+            <a:pPr lvl="1"/>
+            <a:r>
+              <a:rPr lang="en-US" sz="2000" dirty="0" err="1"/>
+              <a:t>CouponUsed</a:t>
+            </a:r>
+            <a:endParaRPr lang="en-US" sz="2000" dirty="0"/>
+          </a:p>
+          <a:p>
+            <a:pPr lvl="1"/>
+            <a:r>
+              <a:rPr lang="en-US" sz="2000" dirty="0" err="1"/>
+              <a:t>HoursSpendOnApp</a:t>
+            </a:r>
+            <a:r>
+              <a:rPr lang="en-US" sz="2000" dirty="0"/>
+              <a:t> </a:t>
+            </a:r>
+          </a:p>
+          <a:p>
+            <a:endParaRPr lang="en-US" sz="2400" dirty="0"/>
+          </a:p>
+          <a:p>
+            <a:pPr lvl="1"/>
+            <a:endParaRPr lang="en-US" sz="2000" dirty="0"/>
+          </a:p>
+          <a:p>
+            <a:pPr marL="0" indent="0">
               <a:buNone/>
             </a:pPr>
-            <a:endParaRPr lang="en-US" b="1" dirty="0"/>
-          </a:p>
-          <a:p>
-            <a:pPr lvl="1"/>
-            <a:r>
-              <a:rPr lang="en-US" dirty="0"/>
-              <a:t>ML model can predict whether a customer will churn based on the given set of features</a:t>
-            </a:r>
-          </a:p>
-          <a:p>
-            <a:pPr lvl="2"/>
-            <a:r>
-              <a:rPr lang="en-US" dirty="0"/>
-              <a:t>Use the prediction from ML model to determine who to engage for customer retention and preventing churn </a:t>
-            </a:r>
-          </a:p>
-          <a:p>
-            <a:pPr lvl="2"/>
-            <a:r>
-              <a:rPr lang="en-US" dirty="0"/>
-              <a:t>If ML model predicts “churn” for a customer based on given features, engage with the customer</a:t>
-            </a:r>
-          </a:p>
-          <a:p>
-            <a:pPr lvl="2"/>
-            <a:r>
-              <a:rPr lang="en-US" dirty="0"/>
-              <a:t>A tool can be built which feeds features (customer attributes) to the ML model, and output the prediction to end users (churn or no churn)</a:t>
-            </a:r>
-          </a:p>
-          <a:p>
-            <a:pPr lvl="2"/>
-            <a:endParaRPr lang="en-US" dirty="0"/>
-          </a:p>
-          <a:p>
-            <a:pPr lvl="1"/>
-            <a:r>
-              <a:rPr lang="en-US" dirty="0"/>
-              <a:t>Since our ML modeling is based on decision tree, it has explainable rules to explain the decision-making process to determine churn/no-churn.  </a:t>
-            </a:r>
-          </a:p>
-          <a:p>
-            <a:pPr lvl="1"/>
-            <a:r>
-              <a:rPr lang="en-US" dirty="0"/>
-              <a:t>We tried several decision trees with various depths to experiment the trade off between accuracy and simplicity </a:t>
-            </a:r>
-          </a:p>
-          <a:p>
-            <a:pPr lvl="2"/>
-            <a:r>
-              <a:rPr lang="en-US" dirty="0"/>
-              <a:t>Increasing depth of the decision tree increases accuracy, however the tree becomes more complex (and hence rules become complex and number of rules increases) </a:t>
-            </a:r>
-          </a:p>
-          <a:p>
-            <a:pPr lvl="2"/>
-            <a:endParaRPr lang="en-US" dirty="0"/>
-          </a:p>
-          <a:p>
-            <a:pPr lvl="1"/>
-            <a:r>
-              <a:rPr lang="en-US" dirty="0"/>
-              <a:t>If our focus is no getting the most accurate prediction for churn vs. no-churn, then we will use the decision tree with depth = 15. However the rules are complex (many rules and long rules). </a:t>
-            </a:r>
-          </a:p>
-          <a:p>
-            <a:pPr lvl="1"/>
-            <a:r>
-              <a:rPr lang="en-US" dirty="0"/>
-              <a:t>However, if we want to focus on simpler rules, then we use the decision tree with smaller depth (e.g., 3, 5). </a:t>
-            </a:r>
+            <a:endParaRPr lang="en-US" sz="2400" dirty="0"/>
           </a:p>
         </p:txBody>
       </p:sp>
     </p:spTree>
     <p:extLst>
       <p:ext uri="{BB962C8B-B14F-4D97-AF65-F5344CB8AC3E}">
-        <p14:creationId xmlns:p14="http://schemas.microsoft.com/office/powerpoint/2010/main" val="4289337583"/>
+        <p14:creationId xmlns:p14="http://schemas.microsoft.com/office/powerpoint/2010/main" val="3805497066"/>
       </p:ext>
     </p:extLst>
   </p:cSld>
@@ -9722,10 +9100,10 @@
       </p:pic>
       <p:pic>
         <p:nvPicPr>
-          <p:cNvPr id="9222" name="Picture 6">
-            <a:extLst>
-              <a:ext uri="{FF2B5EF4-FFF2-40B4-BE49-F238E27FC236}">
-                <a16:creationId xmlns:a16="http://schemas.microsoft.com/office/drawing/2014/main" id="{70EBF6E5-4999-E565-3D54-39662F28AB85}"/>
+          <p:cNvPr id="9224" name="Picture 8">
+            <a:extLst>
+              <a:ext uri="{FF2B5EF4-FFF2-40B4-BE49-F238E27FC236}">
+                <a16:creationId xmlns:a16="http://schemas.microsoft.com/office/drawing/2014/main" id="{B209BDD0-1F02-9753-D20A-AD0CB8ED922F}"/>
               </a:ext>
             </a:extLst>
           </p:cNvPr>
@@ -9736,53 +9114,6 @@
         </p:nvPicPr>
         <p:blipFill>
           <a:blip r:embed="rId4">
-            <a:extLst>
-              <a:ext uri="{28A0092B-C50C-407E-A947-70E740481C1C}">
-                <a14:useLocalDpi xmlns:a14="http://schemas.microsoft.com/office/drawing/2010/main" val="0"/>
-              </a:ext>
-            </a:extLst>
-          </a:blip>
-          <a:srcRect/>
-          <a:stretch>
-            <a:fillRect/>
-          </a:stretch>
-        </p:blipFill>
-        <p:spPr bwMode="auto">
-          <a:xfrm>
-            <a:off x="6374528" y="1095121"/>
-            <a:ext cx="2748307" cy="2094863"/>
-          </a:xfrm>
-          <a:prstGeom prst="rect">
-            <a:avLst/>
-          </a:prstGeom>
-          <a:noFill/>
-          <a:extLst>
-            <a:ext uri="{909E8E84-426E-40DD-AFC4-6F175D3DCCD1}">
-              <a14:hiddenFill xmlns:a14="http://schemas.microsoft.com/office/drawing/2010/main">
-                <a:solidFill>
-                  <a:srgbClr val="FFFFFF"/>
-                </a:solidFill>
-              </a14:hiddenFill>
-            </a:ext>
-          </a:extLst>
-        </p:spPr>
-      </p:pic>
-      <p:pic>
-        <p:nvPicPr>
-          <p:cNvPr id="9224" name="Picture 8">
-            <a:extLst>
-              <a:ext uri="{FF2B5EF4-FFF2-40B4-BE49-F238E27FC236}">
-                <a16:creationId xmlns:a16="http://schemas.microsoft.com/office/drawing/2014/main" id="{B209BDD0-1F02-9753-D20A-AD0CB8ED922F}"/>
-              </a:ext>
-            </a:extLst>
-          </p:cNvPr>
-          <p:cNvPicPr>
-            <a:picLocks noChangeAspect="1" noChangeArrowheads="1"/>
-          </p:cNvPicPr>
-          <p:nvPr/>
-        </p:nvPicPr>
-        <p:blipFill>
-          <a:blip r:embed="rId5">
             <a:extLst>
               <a:ext uri="{28A0092B-C50C-407E-A947-70E740481C1C}">
                 <a14:useLocalDpi xmlns:a14="http://schemas.microsoft.com/office/drawing/2010/main" val="0"/>
@@ -9829,7 +9160,7 @@
           <p:nvPr/>
         </p:nvPicPr>
         <p:blipFill>
-          <a:blip r:embed="rId6">
+          <a:blip r:embed="rId5">
             <a:extLst>
               <a:ext uri="{28A0092B-C50C-407E-A947-70E740481C1C}">
                 <a14:useLocalDpi xmlns:a14="http://schemas.microsoft.com/office/drawing/2010/main" val="0"/>
@@ -9876,7 +9207,7 @@
           <p:nvPr/>
         </p:nvPicPr>
         <p:blipFill>
-          <a:blip r:embed="rId7">
+          <a:blip r:embed="rId6">
             <a:extLst>
               <a:ext uri="{28A0092B-C50C-407E-A947-70E740481C1C}">
                 <a14:useLocalDpi xmlns:a14="http://schemas.microsoft.com/office/drawing/2010/main" val="0"/>
@@ -9923,7 +9254,7 @@
           <p:nvPr/>
         </p:nvPicPr>
         <p:blipFill>
-          <a:blip r:embed="rId8">
+          <a:blip r:embed="rId7">
             <a:extLst>
               <a:ext uri="{28A0092B-C50C-407E-A947-70E740481C1C}">
                 <a14:useLocalDpi xmlns:a14="http://schemas.microsoft.com/office/drawing/2010/main" val="0"/>
@@ -9970,7 +9301,7 @@
           <p:nvPr/>
         </p:nvPicPr>
         <p:blipFill>
-          <a:blip r:embed="rId9">
+          <a:blip r:embed="rId8">
             <a:extLst>
               <a:ext uri="{28A0092B-C50C-407E-A947-70E740481C1C}">
                 <a14:useLocalDpi xmlns:a14="http://schemas.microsoft.com/office/drawing/2010/main" val="0"/>
@@ -9986,6 +9317,53 @@
           <a:xfrm>
             <a:off x="9420775" y="4043208"/>
             <a:ext cx="2690651" cy="2094864"/>
+          </a:xfrm>
+          <a:prstGeom prst="rect">
+            <a:avLst/>
+          </a:prstGeom>
+          <a:noFill/>
+          <a:extLst>
+            <a:ext uri="{909E8E84-426E-40DD-AFC4-6F175D3DCCD1}">
+              <a14:hiddenFill xmlns:a14="http://schemas.microsoft.com/office/drawing/2010/main">
+                <a:solidFill>
+                  <a:srgbClr val="FFFFFF"/>
+                </a:solidFill>
+              </a14:hiddenFill>
+            </a:ext>
+          </a:extLst>
+        </p:spPr>
+      </p:pic>
+      <p:pic>
+        <p:nvPicPr>
+          <p:cNvPr id="5" name="Picture 6">
+            <a:extLst>
+              <a:ext uri="{FF2B5EF4-FFF2-40B4-BE49-F238E27FC236}">
+                <a16:creationId xmlns:a16="http://schemas.microsoft.com/office/drawing/2014/main" id="{E959C6F3-C014-3653-7E42-A33D0B1641D6}"/>
+              </a:ext>
+            </a:extLst>
+          </p:cNvPr>
+          <p:cNvPicPr>
+            <a:picLocks noChangeAspect="1" noChangeArrowheads="1"/>
+          </p:cNvPicPr>
+          <p:nvPr/>
+        </p:nvPicPr>
+        <p:blipFill>
+          <a:blip r:embed="rId9">
+            <a:extLst>
+              <a:ext uri="{28A0092B-C50C-407E-A947-70E740481C1C}">
+                <a14:useLocalDpi xmlns:a14="http://schemas.microsoft.com/office/drawing/2010/main" val="0"/>
+              </a:ext>
+            </a:extLst>
+          </a:blip>
+          <a:srcRect/>
+          <a:stretch>
+            <a:fillRect/>
+          </a:stretch>
+        </p:blipFill>
+        <p:spPr bwMode="auto">
+          <a:xfrm>
+            <a:off x="6482254" y="1165137"/>
+            <a:ext cx="2690649" cy="2050914"/>
           </a:xfrm>
           <a:prstGeom prst="rect">
             <a:avLst/>
@@ -10050,7 +9428,7 @@
         </p:nvSpPr>
         <p:spPr>
           <a:xfrm>
-            <a:off x="838200" y="102367"/>
+            <a:off x="858365" y="0"/>
             <a:ext cx="10515600" cy="1325563"/>
           </a:xfrm>
         </p:spPr>
@@ -10060,7 +9438,7 @@
           <a:p>
             <a:r>
               <a:rPr lang="en-US" dirty="0"/>
-              <a:t>Actionable Insights and Recommendations </a:t>
+              <a:t>Developing ML Model to Predict Churn </a:t>
             </a:r>
           </a:p>
         </p:txBody>
@@ -10083,49 +9461,51 @@
         </p:nvSpPr>
         <p:spPr>
           <a:xfrm>
-            <a:off x="838200" y="1510315"/>
-            <a:ext cx="10515600" cy="4351338"/>
+            <a:off x="858365" y="1031408"/>
+            <a:ext cx="11431958" cy="5939664"/>
           </a:xfrm>
         </p:spPr>
         <p:txBody>
           <a:bodyPr>
-            <a:normAutofit lnSpcReduction="10000"/>
+            <a:normAutofit fontScale="40000" lnSpcReduction="20000"/>
           </a:bodyPr>
           <a:lstStyle/>
           <a:p>
             <a:r>
-              <a:rPr lang="en-US" sz="2400" b="1" dirty="0">
-                <a:latin typeface="Calibri" panose="020F0502020204030204" pitchFamily="34" charset="0"/>
-                <a:cs typeface="Calibri" panose="020F0502020204030204" pitchFamily="34" charset="0"/>
-              </a:rPr>
-              <a:t>Example Decision Rules to predict churn from our simplest model: </a:t>
-            </a:r>
-            <a:r>
-              <a:rPr lang="en-US" sz="2400" dirty="0">
-                <a:effectLst/>
-                <a:latin typeface="Calibri" panose="020F0502020204030204" pitchFamily="34" charset="0"/>
-                <a:ea typeface="Times New Roman" panose="02020603050405020304" pitchFamily="18" charset="0"/>
-                <a:cs typeface="Calibri" panose="020F0502020204030204" pitchFamily="34" charset="0"/>
-              </a:rPr>
-              <a:t> </a:t>
-            </a:r>
-            <a:endParaRPr lang="en-US" sz="2400" dirty="0">
-              <a:effectLst/>
-              <a:latin typeface="Calibri" panose="020F0502020204030204" pitchFamily="34" charset="0"/>
-              <a:ea typeface="Calibri" panose="020F0502020204030204" pitchFamily="34" charset="0"/>
-              <a:cs typeface="Calibri" panose="020F0502020204030204" pitchFamily="34" charset="0"/>
-            </a:endParaRPr>
-          </a:p>
-          <a:p>
-            <a:pPr marL="742950" marR="0" lvl="1" indent="-285750">
+              <a:rPr lang="en-US" sz="4000" dirty="0"/>
+              <a:t>Use Significant test to select features to predict Churn </a:t>
+            </a:r>
+          </a:p>
+          <a:p>
+            <a:pPr lvl="1"/>
+            <a:r>
+              <a:rPr lang="en-US" sz="4000" dirty="0"/>
+              <a:t>16 such features </a:t>
+            </a:r>
+          </a:p>
+          <a:p>
+            <a:r>
+              <a:rPr lang="en-US" sz="4000" dirty="0"/>
+              <a:t> Handle Missing Values </a:t>
+            </a:r>
+          </a:p>
+          <a:p>
+            <a:pPr lvl="1"/>
+            <a:r>
+              <a:rPr lang="en-US" sz="4000" dirty="0"/>
+              <a:t>Replace missing values with mean for the following features</a:t>
+            </a:r>
+          </a:p>
+          <a:p>
+            <a:pPr marL="1143000" marR="0" lvl="2" indent="-228600">
               <a:spcBef>
                 <a:spcPts val="0"/>
               </a:spcBef>
               <a:spcAft>
                 <a:spcPts val="0"/>
               </a:spcAft>
-              <a:buFont typeface="Courier New" panose="02070309020205020404" pitchFamily="49" charset="0"/>
-              <a:buChar char="o"/>
+              <a:buFont typeface="Wingdings" pitchFamily="2" charset="2"/>
+              <a:buChar char=""/>
               <a:tabLst>
                 <a:tab pos="581660" algn="l"/>
                 <a:tab pos="1163320" algn="l"/>
@@ -10146,31 +9526,29 @@
               </a:tabLst>
             </a:pPr>
             <a:r>
-              <a:rPr lang="en-US" sz="2000" dirty="0">
-                <a:effectLst/>
-                <a:latin typeface="Calibri" panose="020F0502020204030204" pitchFamily="34" charset="0"/>
+              <a:rPr lang="en-US" sz="4000" dirty="0">
+                <a:effectLst/>
                 <a:ea typeface="Times New Roman" panose="02020603050405020304" pitchFamily="18" charset="0"/>
-                <a:cs typeface="Calibri" panose="020F0502020204030204" pitchFamily="34" charset="0"/>
-              </a:rPr>
-              <a:t>If Tenure &lt;= 1 month and Complain = 1 </a:t>
-            </a:r>
-            <a:endParaRPr lang="en-US" sz="2000" dirty="0">
+                <a:cs typeface="Times New Roman" panose="02020603050405020304" pitchFamily="18" charset="0"/>
+              </a:rPr>
+              <a:t>Tenure 264 (4.7%)</a:t>
+            </a:r>
+            <a:endParaRPr lang="en-US" sz="4000" dirty="0">
               <a:effectLst/>
-              <a:latin typeface="Calibri" panose="020F0502020204030204" pitchFamily="34" charset="0"/>
               <a:ea typeface="Calibri" panose="020F0502020204030204" pitchFamily="34" charset="0"/>
-              <a:cs typeface="Calibri" panose="020F0502020204030204" pitchFamily="34" charset="0"/>
+              <a:cs typeface="Times New Roman" panose="02020603050405020304" pitchFamily="18" charset="0"/>
             </a:endParaRPr>
           </a:p>
           <a:p>
-            <a:pPr marL="742950" marR="0" lvl="1" indent="-285750">
+            <a:pPr marL="1143000" marR="0" lvl="2" indent="-228600">
               <a:spcBef>
                 <a:spcPts val="0"/>
               </a:spcBef>
               <a:spcAft>
                 <a:spcPts val="0"/>
               </a:spcAft>
-              <a:buFont typeface="Courier New" panose="02070309020205020404" pitchFamily="49" charset="0"/>
-              <a:buChar char="o"/>
+              <a:buFont typeface="Wingdings" pitchFamily="2" charset="2"/>
+              <a:buChar char=""/>
               <a:tabLst>
                 <a:tab pos="581660" algn="l"/>
                 <a:tab pos="1163320" algn="l"/>
@@ -10191,49 +9569,37 @@
               </a:tabLst>
             </a:pPr>
             <a:r>
-              <a:rPr lang="en-US" sz="2000" dirty="0">
-                <a:effectLst/>
-                <a:latin typeface="Calibri" panose="020F0502020204030204" pitchFamily="34" charset="0"/>
+              <a:rPr lang="en-US" sz="4000" dirty="0" err="1">
+                <a:effectLst/>
                 <a:ea typeface="Times New Roman" panose="02020603050405020304" pitchFamily="18" charset="0"/>
-                <a:cs typeface="Calibri" panose="020F0502020204030204" pitchFamily="34" charset="0"/>
-              </a:rPr>
-              <a:t>If Tenure &lt;= 1 month and Complain = 0 and </a:t>
-            </a:r>
-            <a:r>
-              <a:rPr lang="en-US" sz="2000" dirty="0" err="1">
-                <a:effectLst/>
-                <a:latin typeface="Calibri" panose="020F0502020204030204" pitchFamily="34" charset="0"/>
+                <a:cs typeface="Times New Roman" panose="02020603050405020304" pitchFamily="18" charset="0"/>
+              </a:rPr>
+              <a:t>WarehouseToHome</a:t>
+            </a:r>
+            <a:r>
+              <a:rPr lang="en-US" sz="4000" dirty="0">
+                <a:effectLst/>
                 <a:ea typeface="Times New Roman" panose="02020603050405020304" pitchFamily="18" charset="0"/>
-                <a:cs typeface="Calibri" panose="020F0502020204030204" pitchFamily="34" charset="0"/>
-              </a:rPr>
-              <a:t>NumberOfAddress</a:t>
-            </a:r>
-            <a:r>
-              <a:rPr lang="en-US" sz="2000" dirty="0">
-                <a:effectLst/>
-                <a:latin typeface="Calibri" panose="020F0502020204030204" pitchFamily="34" charset="0"/>
-                <a:ea typeface="Times New Roman" panose="02020603050405020304" pitchFamily="18" charset="0"/>
-                <a:cs typeface="Calibri" panose="020F0502020204030204" pitchFamily="34" charset="0"/>
-              </a:rPr>
-              <a:t> &gt; 4 </a:t>
-            </a:r>
-            <a:endParaRPr lang="en-US" sz="2000" dirty="0">
+                <a:cs typeface="Times New Roman" panose="02020603050405020304" pitchFamily="18" charset="0"/>
+              </a:rPr>
+              <a:t> 251 (4.5%) </a:t>
+            </a:r>
+            <a:endParaRPr lang="en-US" sz="4000" dirty="0">
               <a:effectLst/>
-              <a:latin typeface="Calibri" panose="020F0502020204030204" pitchFamily="34" charset="0"/>
               <a:ea typeface="Calibri" panose="020F0502020204030204" pitchFamily="34" charset="0"/>
-              <a:cs typeface="Calibri" panose="020F0502020204030204" pitchFamily="34" charset="0"/>
+              <a:cs typeface="Times New Roman" panose="02020603050405020304" pitchFamily="18" charset="0"/>
             </a:endParaRPr>
           </a:p>
           <a:p>
-            <a:pPr marL="742950" marR="0" lvl="1" indent="-285750">
+            <a:pPr marL="1143000" marR="0" lvl="2" indent="-228600">
               <a:spcBef>
                 <a:spcPts val="0"/>
               </a:spcBef>
               <a:spcAft>
                 <a:spcPts val="0"/>
               </a:spcAft>
-              <a:buFont typeface="Courier New" panose="02070309020205020404" pitchFamily="49" charset="0"/>
-              <a:buChar char="o"/>
+              <a:buFont typeface="Wingdings" pitchFamily="2" charset="2"/>
+              <a:buChar char=""/>
               <a:tabLst>
                 <a:tab pos="581660" algn="l"/>
                 <a:tab pos="1163320" algn="l"/>
@@ -10254,43 +9620,37 @@
               </a:tabLst>
             </a:pPr>
             <a:r>
-              <a:rPr lang="en-US" sz="2000" dirty="0">
-                <a:effectLst/>
-                <a:latin typeface="Calibri" panose="020F0502020204030204" pitchFamily="34" charset="0"/>
+              <a:rPr lang="en-US" sz="4000" dirty="0" err="1">
+                <a:effectLst/>
                 <a:ea typeface="Times New Roman" panose="02020603050405020304" pitchFamily="18" charset="0"/>
-                <a:cs typeface="Calibri" panose="020F0502020204030204" pitchFamily="34" charset="0"/>
-              </a:rPr>
-              <a:t>If Tenure &gt; 1 month and </a:t>
-            </a:r>
-            <a:r>
-              <a:rPr lang="en-US" sz="2000" dirty="0" err="1">
-                <a:effectLst/>
-                <a:latin typeface="Calibri" panose="020F0502020204030204" pitchFamily="34" charset="0"/>
+                <a:cs typeface="Times New Roman" panose="02020603050405020304" pitchFamily="18" charset="0"/>
+              </a:rPr>
+              <a:t>OrderAmountHikeFromlastYear</a:t>
+            </a:r>
+            <a:r>
+              <a:rPr lang="en-US" sz="4000" dirty="0">
+                <a:effectLst/>
                 <a:ea typeface="Times New Roman" panose="02020603050405020304" pitchFamily="18" charset="0"/>
-                <a:cs typeface="Calibri" panose="020F0502020204030204" pitchFamily="34" charset="0"/>
-              </a:rPr>
-              <a:t>CashbackAmount</a:t>
-            </a:r>
-            <a:r>
-              <a:rPr lang="en-US" sz="2000" dirty="0">
-                <a:effectLst/>
-                <a:latin typeface="Calibri" panose="020F0502020204030204" pitchFamily="34" charset="0"/>
-                <a:ea typeface="Times New Roman" panose="02020603050405020304" pitchFamily="18" charset="0"/>
-                <a:cs typeface="Calibri" panose="020F0502020204030204" pitchFamily="34" charset="0"/>
-              </a:rPr>
-              <a:t> &lt;= 124.38 and Complain = 1 </a:t>
-            </a:r>
-          </a:p>
-          <a:p>
-            <a:pPr marL="742950" marR="0" lvl="1" indent="-285750">
+                <a:cs typeface="Times New Roman" panose="02020603050405020304" pitchFamily="18" charset="0"/>
+              </a:rPr>
+              <a:t> 265 (4.7%)</a:t>
+            </a:r>
+            <a:endParaRPr lang="en-US" sz="4000" dirty="0">
+              <a:effectLst/>
+              <a:ea typeface="Calibri" panose="020F0502020204030204" pitchFamily="34" charset="0"/>
+              <a:cs typeface="Times New Roman" panose="02020603050405020304" pitchFamily="18" charset="0"/>
+            </a:endParaRPr>
+          </a:p>
+          <a:p>
+            <a:pPr marL="1143000" marR="0" lvl="2" indent="-228600">
               <a:spcBef>
                 <a:spcPts val="0"/>
               </a:spcBef>
               <a:spcAft>
                 <a:spcPts val="0"/>
               </a:spcAft>
-              <a:buFont typeface="Courier New" panose="02070309020205020404" pitchFamily="49" charset="0"/>
-              <a:buChar char="o"/>
+              <a:buFont typeface="Wingdings" pitchFamily="2" charset="2"/>
+              <a:buChar char=""/>
               <a:tabLst>
                 <a:tab pos="581660" algn="l"/>
                 <a:tab pos="1163320" algn="l"/>
@@ -10310,14 +9670,452 @@
                 <a:tab pos="9306560" algn="l"/>
               </a:tabLst>
             </a:pPr>
-            <a:endParaRPr lang="en-US" sz="2000" dirty="0">
-              <a:latin typeface="Calibri" panose="020F0502020204030204" pitchFamily="34" charset="0"/>
+            <a:r>
+              <a:rPr lang="en-US" sz="4000" dirty="0" err="1">
+                <a:effectLst/>
+                <a:ea typeface="Times New Roman" panose="02020603050405020304" pitchFamily="18" charset="0"/>
+                <a:cs typeface="Times New Roman" panose="02020603050405020304" pitchFamily="18" charset="0"/>
+              </a:rPr>
+              <a:t>OrderCount</a:t>
+            </a:r>
+            <a:r>
+              <a:rPr lang="en-US" sz="4000" dirty="0">
+                <a:effectLst/>
+                <a:ea typeface="Times New Roman" panose="02020603050405020304" pitchFamily="18" charset="0"/>
+                <a:cs typeface="Times New Roman" panose="02020603050405020304" pitchFamily="18" charset="0"/>
+              </a:rPr>
+              <a:t> 258 (4.5%)</a:t>
+            </a:r>
+            <a:endParaRPr lang="en-US" sz="4000" dirty="0">
+              <a:effectLst/>
               <a:ea typeface="Calibri" panose="020F0502020204030204" pitchFamily="34" charset="0"/>
-              <a:cs typeface="Calibri" panose="020F0502020204030204" pitchFamily="34" charset="0"/>
+              <a:cs typeface="Times New Roman" panose="02020603050405020304" pitchFamily="18" charset="0"/>
             </a:endParaRPr>
           </a:p>
           <a:p>
-            <a:pPr marL="285750" indent="-285750">
+            <a:pPr marL="1143000" marR="0" lvl="2" indent="-228600">
+              <a:spcBef>
+                <a:spcPts val="0"/>
+              </a:spcBef>
+              <a:spcAft>
+                <a:spcPts val="0"/>
+              </a:spcAft>
+              <a:buFont typeface="Wingdings" pitchFamily="2" charset="2"/>
+              <a:buChar char=""/>
+              <a:tabLst>
+                <a:tab pos="581660" algn="l"/>
+                <a:tab pos="1163320" algn="l"/>
+                <a:tab pos="1744980" algn="l"/>
+                <a:tab pos="2326640" algn="l"/>
+                <a:tab pos="2908300" algn="l"/>
+                <a:tab pos="3489960" algn="l"/>
+                <a:tab pos="4071620" algn="l"/>
+                <a:tab pos="4653280" algn="l"/>
+                <a:tab pos="5234940" algn="l"/>
+                <a:tab pos="5816600" algn="l"/>
+                <a:tab pos="6398260" algn="l"/>
+                <a:tab pos="6979920" algn="l"/>
+                <a:tab pos="7561580" algn="l"/>
+                <a:tab pos="8143240" algn="l"/>
+                <a:tab pos="8724900" algn="l"/>
+                <a:tab pos="9306560" algn="l"/>
+              </a:tabLst>
+            </a:pPr>
+            <a:r>
+              <a:rPr lang="en-US" sz="4000" dirty="0" err="1">
+                <a:effectLst/>
+                <a:ea typeface="Times New Roman" panose="02020603050405020304" pitchFamily="18" charset="0"/>
+                <a:cs typeface="Times New Roman" panose="02020603050405020304" pitchFamily="18" charset="0"/>
+              </a:rPr>
+              <a:t>DaySinceLastOrder</a:t>
+            </a:r>
+            <a:r>
+              <a:rPr lang="en-US" sz="4000" dirty="0">
+                <a:effectLst/>
+                <a:ea typeface="Times New Roman" panose="02020603050405020304" pitchFamily="18" charset="0"/>
+                <a:cs typeface="Times New Roman" panose="02020603050405020304" pitchFamily="18" charset="0"/>
+              </a:rPr>
+              <a:t> 307 (5.5%)</a:t>
+            </a:r>
+            <a:endParaRPr lang="en-US" sz="4000" dirty="0">
+              <a:effectLst/>
+              <a:ea typeface="Calibri" panose="020F0502020204030204" pitchFamily="34" charset="0"/>
+              <a:cs typeface="Times New Roman" panose="02020603050405020304" pitchFamily="18" charset="0"/>
+            </a:endParaRPr>
+          </a:p>
+          <a:p>
+            <a:pPr lvl="2"/>
+            <a:endParaRPr lang="en-US" sz="4000" dirty="0"/>
+          </a:p>
+          <a:p>
+            <a:r>
+              <a:rPr lang="en-US" sz="4000" dirty="0"/>
+              <a:t>Encode Categorical Features to Numerical </a:t>
+            </a:r>
+          </a:p>
+          <a:p>
+            <a:pPr lvl="1"/>
+            <a:r>
+              <a:rPr lang="en-US" sz="4000" b="0" dirty="0">
+                <a:solidFill>
+                  <a:srgbClr val="000000"/>
+                </a:solidFill>
+                <a:effectLst/>
+              </a:rPr>
+              <a:t>[</a:t>
+            </a:r>
+            <a:r>
+              <a:rPr lang="en-US" sz="4000" dirty="0">
+                <a:solidFill>
+                  <a:srgbClr val="C00000"/>
+                </a:solidFill>
+                <a:effectLst/>
+                <a:ea typeface="Times New Roman" panose="02020603050405020304" pitchFamily="18" charset="0"/>
+              </a:rPr>
+              <a:t>'Gender', '</a:t>
+            </a:r>
+            <a:r>
+              <a:rPr lang="en-US" sz="4000" dirty="0" err="1">
+                <a:solidFill>
+                  <a:srgbClr val="C00000"/>
+                </a:solidFill>
+                <a:effectLst/>
+                <a:ea typeface="Times New Roman" panose="02020603050405020304" pitchFamily="18" charset="0"/>
+              </a:rPr>
+              <a:t>PreferredLoginDevice</a:t>
+            </a:r>
+            <a:r>
+              <a:rPr lang="en-US" sz="4000" dirty="0">
+                <a:solidFill>
+                  <a:srgbClr val="C00000"/>
+                </a:solidFill>
+                <a:effectLst/>
+                <a:ea typeface="Times New Roman" panose="02020603050405020304" pitchFamily="18" charset="0"/>
+              </a:rPr>
+              <a:t>', '</a:t>
+            </a:r>
+            <a:r>
+              <a:rPr lang="en-US" sz="4000" dirty="0" err="1">
+                <a:solidFill>
+                  <a:srgbClr val="C00000"/>
+                </a:solidFill>
+                <a:effectLst/>
+                <a:ea typeface="Times New Roman" panose="02020603050405020304" pitchFamily="18" charset="0"/>
+              </a:rPr>
+              <a:t>PreferredPaymentMode</a:t>
+            </a:r>
+            <a:r>
+              <a:rPr lang="en-US" sz="4000" dirty="0">
+                <a:solidFill>
+                  <a:srgbClr val="C00000"/>
+                </a:solidFill>
+                <a:effectLst/>
+                <a:ea typeface="Times New Roman" panose="02020603050405020304" pitchFamily="18" charset="0"/>
+              </a:rPr>
+              <a:t>'</a:t>
+            </a:r>
+            <a:r>
+              <a:rPr lang="en-US" sz="4000" dirty="0">
+                <a:solidFill>
+                  <a:srgbClr val="C00000"/>
+                </a:solidFill>
+                <a:effectLst/>
+              </a:rPr>
+              <a:t> </a:t>
+            </a:r>
+            <a:r>
+              <a:rPr lang="en-US" sz="4000" b="0" dirty="0">
+                <a:solidFill>
+                  <a:srgbClr val="C00000"/>
+                </a:solidFill>
+                <a:effectLst/>
+              </a:rPr>
+              <a:t>'</a:t>
+            </a:r>
+            <a:r>
+              <a:rPr lang="en-US" sz="4000" b="0" dirty="0" err="1">
+                <a:solidFill>
+                  <a:srgbClr val="C00000"/>
+                </a:solidFill>
+                <a:effectLst/>
+              </a:rPr>
+              <a:t>PreferedOrderCat</a:t>
+            </a:r>
+            <a:r>
+              <a:rPr lang="en-US" sz="4000" b="0" dirty="0">
+                <a:solidFill>
+                  <a:srgbClr val="C00000"/>
+                </a:solidFill>
+                <a:effectLst/>
+              </a:rPr>
+              <a:t>', '</a:t>
+            </a:r>
+            <a:r>
+              <a:rPr lang="en-US" sz="4000" b="0" dirty="0" err="1">
+                <a:solidFill>
+                  <a:srgbClr val="C00000"/>
+                </a:solidFill>
+                <a:effectLst/>
+              </a:rPr>
+              <a:t>MaritalStatus</a:t>
+            </a:r>
+            <a:r>
+              <a:rPr lang="en-US" sz="4000" b="0" dirty="0">
+                <a:solidFill>
+                  <a:srgbClr val="C00000"/>
+                </a:solidFill>
+                <a:effectLst/>
+              </a:rPr>
+              <a:t>’</a:t>
+            </a:r>
+            <a:r>
+              <a:rPr lang="en-US" sz="4000" b="0" dirty="0">
+                <a:solidFill>
+                  <a:srgbClr val="000000"/>
+                </a:solidFill>
+                <a:effectLst/>
+              </a:rPr>
+              <a:t>]</a:t>
+            </a:r>
+          </a:p>
+          <a:p>
+            <a:pPr lvl="1"/>
+            <a:endParaRPr lang="en-US" sz="4000" dirty="0">
+              <a:solidFill>
+                <a:srgbClr val="000000"/>
+              </a:solidFill>
+            </a:endParaRPr>
+          </a:p>
+          <a:p>
+            <a:r>
+              <a:rPr lang="en-US" sz="4000" dirty="0"/>
+              <a:t>Train/Test Split – 80% for training, 20% for testing </a:t>
+            </a:r>
+          </a:p>
+          <a:p>
+            <a:pPr lvl="2"/>
+            <a:r>
+              <a:rPr lang="en-US" sz="4000" dirty="0"/>
+              <a:t>1126 test samples, 941 no-churn and 185 churn </a:t>
+            </a:r>
+          </a:p>
+          <a:p>
+            <a:r>
+              <a:rPr lang="en-US" sz="4000" dirty="0"/>
+              <a:t>ML Algorithm</a:t>
+            </a:r>
+          </a:p>
+          <a:p>
+            <a:pPr lvl="2"/>
+            <a:r>
+              <a:rPr lang="en-US" sz="4000" dirty="0"/>
+              <a:t>Decision Tree which gives explainable rules </a:t>
+            </a:r>
+          </a:p>
+          <a:p>
+            <a:pPr lvl="2"/>
+            <a:r>
+              <a:rPr lang="en-US" sz="4000" dirty="0"/>
+              <a:t>Max Depth of the Tree controls trade off between accuracy and simpler tree  </a:t>
+            </a:r>
+          </a:p>
+          <a:p>
+            <a:r>
+              <a:rPr lang="en-US" sz="4000" dirty="0"/>
+              <a:t>Overall Accuracy </a:t>
+            </a:r>
+          </a:p>
+          <a:p>
+            <a:pPr lvl="1"/>
+            <a:r>
+              <a:rPr lang="en-US" sz="4000" dirty="0"/>
+              <a:t>Macro F1 – 76%  - when max depth is set to 3 </a:t>
+            </a:r>
+          </a:p>
+          <a:p>
+            <a:pPr lvl="1"/>
+            <a:r>
+              <a:rPr lang="en-US" sz="4000" dirty="0"/>
+              <a:t>Macro F1 – 78%  - when max depth is set to 5 </a:t>
+            </a:r>
+          </a:p>
+          <a:p>
+            <a:pPr lvl="1"/>
+            <a:r>
+              <a:rPr lang="en-US" sz="4000" dirty="0"/>
+              <a:t>Macro F1 – 83%  </a:t>
+            </a:r>
+            <a:r>
+              <a:rPr lang="en-US" sz="4000" dirty="0">
+                <a:effectLst/>
+                <a:ea typeface="Calibri" panose="020F0502020204030204" pitchFamily="34" charset="0"/>
+                <a:cs typeface="Times New Roman" panose="02020603050405020304" pitchFamily="18" charset="0"/>
+              </a:rPr>
+              <a:t>- when max depth is set to 7 </a:t>
+            </a:r>
+          </a:p>
+          <a:p>
+            <a:pPr lvl="1"/>
+            <a:r>
+              <a:rPr lang="en-US" sz="4000" dirty="0">
+                <a:cs typeface="Times New Roman" panose="02020603050405020304" pitchFamily="18" charset="0"/>
+              </a:rPr>
+              <a:t>Macro F1 – 88% - when max depth is set to 9 </a:t>
+            </a:r>
+          </a:p>
+          <a:p>
+            <a:pPr lvl="1"/>
+            <a:r>
+              <a:rPr lang="en-US" sz="4000" dirty="0"/>
+              <a:t>Macro F1 – 94% - when max depth is set to 15</a:t>
+            </a:r>
+          </a:p>
+          <a:p>
+            <a:pPr lvl="1"/>
+            <a:endParaRPr lang="en-US" sz="2800" dirty="0"/>
+          </a:p>
+          <a:p>
+            <a:endParaRPr lang="en-US" sz="2400" dirty="0"/>
+          </a:p>
+          <a:p>
+            <a:pPr lvl="1"/>
+            <a:endParaRPr lang="en-US" sz="2000" b="0" dirty="0">
+              <a:solidFill>
+                <a:srgbClr val="000000"/>
+              </a:solidFill>
+              <a:effectLst/>
+              <a:latin typeface="Courier New" panose="02070309020205020404" pitchFamily="49" charset="0"/>
+            </a:endParaRPr>
+          </a:p>
+          <a:p>
+            <a:pPr lvl="1"/>
+            <a:endParaRPr lang="en-US" sz="2000" dirty="0"/>
+          </a:p>
+          <a:p>
+            <a:pPr marL="457200" lvl="1" indent="0">
+              <a:buNone/>
+            </a:pPr>
+            <a:endParaRPr lang="en-US" sz="2000" dirty="0"/>
+          </a:p>
+        </p:txBody>
+      </p:sp>
+    </p:spTree>
+    <p:extLst>
+      <p:ext uri="{BB962C8B-B14F-4D97-AF65-F5344CB8AC3E}">
+        <p14:creationId xmlns:p14="http://schemas.microsoft.com/office/powerpoint/2010/main" val="554836863"/>
+      </p:ext>
+    </p:extLst>
+  </p:cSld>
+  <p:clrMapOvr>
+    <a:masterClrMapping/>
+  </p:clrMapOvr>
+</p:sld>
+</file>
+
+<file path=ppt/slides/slide31.xml><?xml version="1.0" encoding="utf-8"?>
+<p:sld xmlns:a="http://schemas.openxmlformats.org/drawingml/2006/main" xmlns:r="http://schemas.openxmlformats.org/officeDocument/2006/relationships" xmlns:p="http://schemas.openxmlformats.org/presentationml/2006/main">
+  <p:cSld>
+    <p:spTree>
+      <p:nvGrpSpPr>
+        <p:cNvPr id="1" name=""/>
+        <p:cNvGrpSpPr/>
+        <p:nvPr/>
+      </p:nvGrpSpPr>
+      <p:grpSpPr>
+        <a:xfrm>
+          <a:off x="0" y="0"/>
+          <a:ext cx="0" cy="0"/>
+          <a:chOff x="0" y="0"/>
+          <a:chExt cx="0" cy="0"/>
+        </a:xfrm>
+      </p:grpSpPr>
+      <p:sp>
+        <p:nvSpPr>
+          <p:cNvPr id="2" name="Title 1">
+            <a:extLst>
+              <a:ext uri="{FF2B5EF4-FFF2-40B4-BE49-F238E27FC236}">
+                <a16:creationId xmlns:a16="http://schemas.microsoft.com/office/drawing/2014/main" id="{8AE849E7-0767-87D2-BE92-243CE53BA9CD}"/>
+              </a:ext>
+            </a:extLst>
+          </p:cNvPr>
+          <p:cNvSpPr>
+            <a:spLocks noGrp="1"/>
+          </p:cNvSpPr>
+          <p:nvPr>
+            <p:ph type="title"/>
+          </p:nvPr>
+        </p:nvSpPr>
+        <p:spPr>
+          <a:xfrm>
+            <a:off x="838200" y="102367"/>
+            <a:ext cx="10515600" cy="1325563"/>
+          </a:xfrm>
+        </p:spPr>
+        <p:txBody>
+          <a:bodyPr/>
+          <a:lstStyle/>
+          <a:p>
+            <a:r>
+              <a:rPr lang="en-US" dirty="0"/>
+              <a:t>Actionable Insights and Recommendations </a:t>
+            </a:r>
+          </a:p>
+        </p:txBody>
+      </p:sp>
+      <p:sp>
+        <p:nvSpPr>
+          <p:cNvPr id="3" name="Content Placeholder 2">
+            <a:extLst>
+              <a:ext uri="{FF2B5EF4-FFF2-40B4-BE49-F238E27FC236}">
+                <a16:creationId xmlns:a16="http://schemas.microsoft.com/office/drawing/2014/main" id="{4D6A2DCC-D795-0469-E8FC-CF9FCABA33A6}"/>
+              </a:ext>
+            </a:extLst>
+          </p:cNvPr>
+          <p:cNvSpPr>
+            <a:spLocks noGrp="1"/>
+          </p:cNvSpPr>
+          <p:nvPr>
+            <p:ph idx="1"/>
+          </p:nvPr>
+        </p:nvSpPr>
+        <p:spPr>
+          <a:xfrm>
+            <a:off x="838200" y="1156354"/>
+            <a:ext cx="10932042" cy="5028708"/>
+          </a:xfrm>
+        </p:spPr>
+        <p:txBody>
+          <a:bodyPr>
+            <a:normAutofit/>
+          </a:bodyPr>
+          <a:lstStyle/>
+          <a:p>
+            <a:r>
+              <a:rPr lang="en-US" sz="2600" b="1" dirty="0">
+                <a:latin typeface="Calibri" panose="020F0502020204030204" pitchFamily="34" charset="0"/>
+                <a:cs typeface="Calibri" panose="020F0502020204030204" pitchFamily="34" charset="0"/>
+              </a:rPr>
+              <a:t>Example Decision Rules to predict churn: </a:t>
+            </a:r>
+            <a:r>
+              <a:rPr lang="en-US" sz="2600" dirty="0">
+                <a:effectLst/>
+                <a:latin typeface="Calibri" panose="020F0502020204030204" pitchFamily="34" charset="0"/>
+                <a:ea typeface="Times New Roman" panose="02020603050405020304" pitchFamily="18" charset="0"/>
+                <a:cs typeface="Calibri" panose="020F0502020204030204" pitchFamily="34" charset="0"/>
+              </a:rPr>
+              <a:t> </a:t>
+            </a:r>
+          </a:p>
+          <a:p>
+            <a:pPr lvl="1"/>
+            <a:r>
+              <a:rPr lang="en-US" altLang="en-US" sz="1800" dirty="0"/>
+              <a:t>From a decision tree built with 16 significant factors, but max depth is kept to 3. So,  the resultant tree is very simple (but not the most accurate, macro average F1 is 0.76).  </a:t>
+            </a:r>
+          </a:p>
+          <a:p>
+            <a:pPr marL="1200150" lvl="2" indent="-285750">
               <a:spcBef>
                 <a:spcPts val="0"/>
               </a:spcBef>
@@ -10343,16 +10141,23 @@
               </a:tabLst>
             </a:pPr>
             <a:r>
-              <a:rPr lang="en-US" sz="2400" dirty="0">
+              <a:rPr lang="en-US" sz="1600" dirty="0">
+                <a:effectLst/>
                 <a:latin typeface="Calibri" panose="020F0502020204030204" pitchFamily="34" charset="0"/>
-                <a:ea typeface="Calibri" panose="020F0502020204030204" pitchFamily="34" charset="0"/>
+                <a:ea typeface="Times New Roman" panose="02020603050405020304" pitchFamily="18" charset="0"/>
                 <a:cs typeface="Calibri" panose="020F0502020204030204" pitchFamily="34" charset="0"/>
               </a:rPr>
-              <a:t>From CX standpoint, recommendation is to proactively engage with the customer to prevent churn if any of the above rules are true </a:t>
-            </a:r>
-          </a:p>
-          <a:p>
-            <a:pPr marL="285750" indent="-285750">
+              <a:t>If Tenure &lt;= 1  and Complain = 1 </a:t>
+            </a:r>
+            <a:endParaRPr lang="en-US" sz="1600" dirty="0">
+              <a:effectLst/>
+              <a:latin typeface="Calibri" panose="020F0502020204030204" pitchFamily="34" charset="0"/>
+              <a:ea typeface="Calibri" panose="020F0502020204030204" pitchFamily="34" charset="0"/>
+              <a:cs typeface="Calibri" panose="020F0502020204030204" pitchFamily="34" charset="0"/>
+            </a:endParaRPr>
+          </a:p>
+          <a:p>
+            <a:pPr marL="1200150" lvl="2" indent="-285750">
               <a:spcBef>
                 <a:spcPts val="0"/>
               </a:spcBef>
@@ -10377,14 +10182,42 @@
                 <a:tab pos="9306560" algn="l"/>
               </a:tabLst>
             </a:pPr>
-            <a:endParaRPr lang="en-US" sz="2400" dirty="0">
+            <a:r>
+              <a:rPr lang="en-US" sz="1600" dirty="0">
+                <a:effectLst/>
+                <a:latin typeface="Calibri" panose="020F0502020204030204" pitchFamily="34" charset="0"/>
+                <a:ea typeface="Times New Roman" panose="02020603050405020304" pitchFamily="18" charset="0"/>
+                <a:cs typeface="Calibri" panose="020F0502020204030204" pitchFamily="34" charset="0"/>
+              </a:rPr>
+              <a:t>If Tenure &lt;= 1 and Complain = 0 and </a:t>
+            </a:r>
+            <a:r>
+              <a:rPr lang="en-US" sz="1600" dirty="0" err="1">
+                <a:effectLst/>
+                <a:latin typeface="Calibri" panose="020F0502020204030204" pitchFamily="34" charset="0"/>
+                <a:ea typeface="Times New Roman" panose="02020603050405020304" pitchFamily="18" charset="0"/>
+                <a:cs typeface="Calibri" panose="020F0502020204030204" pitchFamily="34" charset="0"/>
+              </a:rPr>
+              <a:t>NumberOfAddress</a:t>
+            </a:r>
+            <a:r>
+              <a:rPr lang="en-US" sz="1600" dirty="0">
+                <a:effectLst/>
+                <a:latin typeface="Calibri" panose="020F0502020204030204" pitchFamily="34" charset="0"/>
+                <a:ea typeface="Times New Roman" panose="02020603050405020304" pitchFamily="18" charset="0"/>
+                <a:cs typeface="Calibri" panose="020F0502020204030204" pitchFamily="34" charset="0"/>
+              </a:rPr>
+              <a:t> &gt; 4 </a:t>
+            </a:r>
+            <a:endParaRPr lang="en-US" sz="1600" dirty="0">
+              <a:effectLst/>
               <a:latin typeface="Calibri" panose="020F0502020204030204" pitchFamily="34" charset="0"/>
               <a:ea typeface="Calibri" panose="020F0502020204030204" pitchFamily="34" charset="0"/>
               <a:cs typeface="Calibri" panose="020F0502020204030204" pitchFamily="34" charset="0"/>
             </a:endParaRPr>
           </a:p>
           <a:p>
-            <a:pPr marL="285750" indent="-285750">
+            <a:pPr marL="1200150" lvl="2" indent="-285750">
               <a:spcBef>
                 <a:spcPts val="0"/>
               </a:spcBef>
@@ -10410,16 +10243,35 @@
               </a:tabLst>
             </a:pPr>
             <a:r>
-              <a:rPr lang="en-US" sz="2400" dirty="0">
+              <a:rPr lang="en-US" sz="1600" dirty="0">
+                <a:effectLst/>
                 <a:latin typeface="Calibri" panose="020F0502020204030204" pitchFamily="34" charset="0"/>
-                <a:ea typeface="Calibri" panose="020F0502020204030204" pitchFamily="34" charset="0"/>
+                <a:ea typeface="Times New Roman" panose="02020603050405020304" pitchFamily="18" charset="0"/>
                 <a:cs typeface="Calibri" panose="020F0502020204030204" pitchFamily="34" charset="0"/>
               </a:rPr>
-              <a:t>We can generate more rules to predict churn from few other models we have developed. Some examples: </a:t>
-            </a:r>
-          </a:p>
-          <a:p>
-            <a:pPr marL="285750" indent="-285750">
+              <a:t>If Tenure &gt; 1 and </a:t>
+            </a:r>
+            <a:r>
+              <a:rPr lang="en-US" sz="1600" dirty="0" err="1">
+                <a:effectLst/>
+                <a:latin typeface="Calibri" panose="020F0502020204030204" pitchFamily="34" charset="0"/>
+                <a:ea typeface="Times New Roman" panose="02020603050405020304" pitchFamily="18" charset="0"/>
+                <a:cs typeface="Calibri" panose="020F0502020204030204" pitchFamily="34" charset="0"/>
+              </a:rPr>
+              <a:t>CashbackAmount</a:t>
+            </a:r>
+            <a:r>
+              <a:rPr lang="en-US" sz="1600" dirty="0">
+                <a:effectLst/>
+                <a:latin typeface="Calibri" panose="020F0502020204030204" pitchFamily="34" charset="0"/>
+                <a:ea typeface="Times New Roman" panose="02020603050405020304" pitchFamily="18" charset="0"/>
+                <a:cs typeface="Calibri" panose="020F0502020204030204" pitchFamily="34" charset="0"/>
+              </a:rPr>
+              <a:t> &lt;= 124.38 and Complain = 1 </a:t>
+            </a:r>
+          </a:p>
+          <a:p>
+            <a:pPr marL="1200150" lvl="2" indent="-285750">
               <a:spcBef>
                 <a:spcPts val="0"/>
               </a:spcBef>
@@ -10444,9 +10296,9 @@
                 <a:tab pos="9306560" algn="l"/>
               </a:tabLst>
             </a:pPr>
-            <a:endParaRPr lang="en-US" sz="2400" dirty="0">
+            <a:endParaRPr lang="en-US" sz="1600" dirty="0">
               <a:latin typeface="Calibri" panose="020F0502020204030204" pitchFamily="34" charset="0"/>
-              <a:ea typeface="Calibri" panose="020F0502020204030204" pitchFamily="34" charset="0"/>
+              <a:ea typeface="Times New Roman" panose="02020603050405020304" pitchFamily="18" charset="0"/>
               <a:cs typeface="Calibri" panose="020F0502020204030204" pitchFamily="34" charset="0"/>
             </a:endParaRPr>
           </a:p>
@@ -10477,64 +10329,134 @@
               </a:tabLst>
             </a:pPr>
             <a:r>
-              <a:rPr lang="en-US" sz="2000" dirty="0">
-                <a:effectLst/>
+              <a:rPr lang="en-US" sz="1600" dirty="0">
+                <a:effectLst/>
+                <a:latin typeface="Calibri" panose="020F0502020204030204" pitchFamily="34" charset="0"/>
                 <a:ea typeface="Times New Roman" panose="02020603050405020304" pitchFamily="18" charset="0"/>
-                <a:cs typeface="Times New Roman" panose="02020603050405020304" pitchFamily="18" charset="0"/>
-              </a:rPr>
-              <a:t>Tenure &lt;= 1 and Complain = 0 and </a:t>
-            </a:r>
-            <a:r>
-              <a:rPr lang="en-US" sz="2000" dirty="0" err="1">
-                <a:effectLst/>
-                <a:ea typeface="Times New Roman" panose="02020603050405020304" pitchFamily="18" charset="0"/>
-                <a:cs typeface="Times New Roman" panose="02020603050405020304" pitchFamily="18" charset="0"/>
-              </a:rPr>
-              <a:t>NumberOfAddress</a:t>
-            </a:r>
-            <a:r>
-              <a:rPr lang="en-US" sz="2000" dirty="0">
-                <a:effectLst/>
-                <a:ea typeface="Times New Roman" panose="02020603050405020304" pitchFamily="18" charset="0"/>
-                <a:cs typeface="Times New Roman" panose="02020603050405020304" pitchFamily="18" charset="0"/>
-              </a:rPr>
-              <a:t> &lt;= 4 and </a:t>
-            </a:r>
-            <a:r>
-              <a:rPr lang="en-US" sz="2000" dirty="0" err="1">
-                <a:effectLst/>
-                <a:ea typeface="Times New Roman" panose="02020603050405020304" pitchFamily="18" charset="0"/>
-                <a:cs typeface="Times New Roman" panose="02020603050405020304" pitchFamily="18" charset="0"/>
-              </a:rPr>
-              <a:t>DaySinceLastOrder</a:t>
-            </a:r>
-            <a:r>
-              <a:rPr lang="en-US" sz="2000" dirty="0">
-                <a:effectLst/>
-                <a:ea typeface="Times New Roman" panose="02020603050405020304" pitchFamily="18" charset="0"/>
-                <a:cs typeface="Times New Roman" panose="02020603050405020304" pitchFamily="18" charset="0"/>
-              </a:rPr>
-              <a:t> &lt;= 1 and </a:t>
-            </a:r>
-            <a:r>
-              <a:rPr lang="en-US" sz="2000" dirty="0" err="1">
-                <a:effectLst/>
-                <a:ea typeface="Times New Roman" panose="02020603050405020304" pitchFamily="18" charset="0"/>
-                <a:cs typeface="Times New Roman" panose="02020603050405020304" pitchFamily="18" charset="0"/>
-              </a:rPr>
-              <a:t>WarehouseToHome</a:t>
-            </a:r>
-            <a:r>
-              <a:rPr lang="en-US" sz="2000" dirty="0">
-                <a:effectLst/>
-                <a:ea typeface="Times New Roman" panose="02020603050405020304" pitchFamily="18" charset="0"/>
-                <a:cs typeface="Times New Roman" panose="02020603050405020304" pitchFamily="18" charset="0"/>
-              </a:rPr>
-              <a:t> &gt; 22.50 </a:t>
-            </a:r>
-          </a:p>
-          <a:p>
-            <a:pPr marL="742950" lvl="1" indent="-285750">
+                <a:cs typeface="Calibri" panose="020F0502020204030204" pitchFamily="34" charset="0"/>
+              </a:rPr>
+              <a:t>This tree has only 3 rules to detect churn </a:t>
+            </a:r>
+          </a:p>
+          <a:p>
+            <a:pPr marL="914400" lvl="2" indent="0">
+              <a:spcBef>
+                <a:spcPts val="0"/>
+              </a:spcBef>
+              <a:buNone/>
+              <a:tabLst>
+                <a:tab pos="581660" algn="l"/>
+                <a:tab pos="1163320" algn="l"/>
+                <a:tab pos="1744980" algn="l"/>
+                <a:tab pos="2326640" algn="l"/>
+                <a:tab pos="2908300" algn="l"/>
+                <a:tab pos="3489960" algn="l"/>
+                <a:tab pos="4071620" algn="l"/>
+                <a:tab pos="4653280" algn="l"/>
+                <a:tab pos="5234940" algn="l"/>
+                <a:tab pos="5816600" algn="l"/>
+                <a:tab pos="6398260" algn="l"/>
+                <a:tab pos="6979920" algn="l"/>
+                <a:tab pos="7561580" algn="l"/>
+                <a:tab pos="8143240" algn="l"/>
+                <a:tab pos="8724900" algn="l"/>
+                <a:tab pos="9306560" algn="l"/>
+              </a:tabLst>
+            </a:pPr>
+            <a:endParaRPr lang="en-US" sz="1600" dirty="0">
+              <a:latin typeface="Calibri" panose="020F0502020204030204" pitchFamily="34" charset="0"/>
+              <a:ea typeface="Times New Roman" panose="02020603050405020304" pitchFamily="18" charset="0"/>
+              <a:cs typeface="Calibri" panose="020F0502020204030204" pitchFamily="34" charset="0"/>
+            </a:endParaRPr>
+          </a:p>
+          <a:p>
+            <a:pPr marL="914400" lvl="2" indent="0">
+              <a:spcBef>
+                <a:spcPts val="0"/>
+              </a:spcBef>
+              <a:buNone/>
+              <a:tabLst>
+                <a:tab pos="581660" algn="l"/>
+                <a:tab pos="1163320" algn="l"/>
+                <a:tab pos="1744980" algn="l"/>
+                <a:tab pos="2326640" algn="l"/>
+                <a:tab pos="2908300" algn="l"/>
+                <a:tab pos="3489960" algn="l"/>
+                <a:tab pos="4071620" algn="l"/>
+                <a:tab pos="4653280" algn="l"/>
+                <a:tab pos="5234940" algn="l"/>
+                <a:tab pos="5816600" algn="l"/>
+                <a:tab pos="6398260" algn="l"/>
+                <a:tab pos="6979920" algn="l"/>
+                <a:tab pos="7561580" algn="l"/>
+                <a:tab pos="8143240" algn="l"/>
+                <a:tab pos="8724900" algn="l"/>
+                <a:tab pos="9306560" algn="l"/>
+              </a:tabLst>
+            </a:pPr>
+            <a:endParaRPr lang="en-US" sz="1600" dirty="0">
+              <a:latin typeface="Calibri" panose="020F0502020204030204" pitchFamily="34" charset="0"/>
+              <a:ea typeface="Times New Roman" panose="02020603050405020304" pitchFamily="18" charset="0"/>
+              <a:cs typeface="Calibri" panose="020F0502020204030204" pitchFamily="34" charset="0"/>
+            </a:endParaRPr>
+          </a:p>
+          <a:p>
+            <a:pPr lvl="1">
+              <a:spcBef>
+                <a:spcPts val="0"/>
+              </a:spcBef>
+              <a:tabLst>
+                <a:tab pos="581660" algn="l"/>
+                <a:tab pos="1163320" algn="l"/>
+                <a:tab pos="1744980" algn="l"/>
+                <a:tab pos="2326640" algn="l"/>
+                <a:tab pos="2908300" algn="l"/>
+                <a:tab pos="3489960" algn="l"/>
+                <a:tab pos="4071620" algn="l"/>
+                <a:tab pos="4653280" algn="l"/>
+                <a:tab pos="5234940" algn="l"/>
+                <a:tab pos="5816600" algn="l"/>
+                <a:tab pos="6398260" algn="l"/>
+                <a:tab pos="6979920" algn="l"/>
+                <a:tab pos="7561580" algn="l"/>
+                <a:tab pos="8143240" algn="l"/>
+                <a:tab pos="8724900" algn="l"/>
+                <a:tab pos="9306560" algn="l"/>
+              </a:tabLst>
+            </a:pPr>
+            <a:r>
+              <a:rPr lang="en-US" altLang="en-US" sz="2000" dirty="0"/>
+              <a:t>From a decision tree built with 16 significant factors, but max depth is kept to 5. So,  the resultant tree is still very simple (but not the most accurate, macro average F1 is 0.78).  </a:t>
+            </a:r>
+          </a:p>
+          <a:p>
+            <a:pPr lvl="2">
+              <a:spcBef>
+                <a:spcPts val="0"/>
+              </a:spcBef>
+              <a:tabLst>
+                <a:tab pos="581660" algn="l"/>
+                <a:tab pos="1163320" algn="l"/>
+                <a:tab pos="1744980" algn="l"/>
+                <a:tab pos="2326640" algn="l"/>
+                <a:tab pos="2908300" algn="l"/>
+                <a:tab pos="3489960" algn="l"/>
+                <a:tab pos="4071620" algn="l"/>
+                <a:tab pos="4653280" algn="l"/>
+                <a:tab pos="5234940" algn="l"/>
+                <a:tab pos="5816600" algn="l"/>
+                <a:tab pos="6398260" algn="l"/>
+                <a:tab pos="6979920" algn="l"/>
+                <a:tab pos="7561580" algn="l"/>
+                <a:tab pos="8143240" algn="l"/>
+                <a:tab pos="8724900" algn="l"/>
+                <a:tab pos="9306560" algn="l"/>
+              </a:tabLst>
+            </a:pPr>
+            <a:endParaRPr lang="en-US" altLang="en-US" sz="1600" dirty="0"/>
+          </a:p>
+          <a:p>
+            <a:pPr marL="1200150" lvl="2" indent="-285750">
               <a:spcBef>
                 <a:spcPts val="0"/>
               </a:spcBef>
@@ -10560,7 +10482,7 @@
               </a:tabLst>
             </a:pPr>
             <a:r>
-              <a:rPr lang="en-US" sz="2000" dirty="0">
+              <a:rPr lang="en-US" sz="1600" dirty="0">
                 <a:effectLst/>
                 <a:ea typeface="Times New Roman" panose="02020603050405020304" pitchFamily="18" charset="0"/>
                 <a:cs typeface="Times New Roman" panose="02020603050405020304" pitchFamily="18" charset="0"/>
@@ -10568,7 +10490,7 @@
               <a:t>Tenure &lt;= 1 and Complain = 0 and </a:t>
             </a:r>
             <a:r>
-              <a:rPr lang="en-US" sz="2000" dirty="0" err="1">
+              <a:rPr lang="en-US" sz="1600" dirty="0" err="1">
                 <a:effectLst/>
                 <a:ea typeface="Times New Roman" panose="02020603050405020304" pitchFamily="18" charset="0"/>
                 <a:cs typeface="Times New Roman" panose="02020603050405020304" pitchFamily="18" charset="0"/>
@@ -10576,7 +10498,7 @@
               <a:t>NumberOfAddress</a:t>
             </a:r>
             <a:r>
-              <a:rPr lang="en-US" sz="2000" dirty="0">
+              <a:rPr lang="en-US" sz="1600" dirty="0">
                 <a:effectLst/>
                 <a:ea typeface="Times New Roman" panose="02020603050405020304" pitchFamily="18" charset="0"/>
                 <a:cs typeface="Times New Roman" panose="02020603050405020304" pitchFamily="18" charset="0"/>
@@ -10584,7 +10506,7 @@
               <a:t> &lt;= 4 and </a:t>
             </a:r>
             <a:r>
-              <a:rPr lang="en-US" sz="2000" dirty="0" err="1">
+              <a:rPr lang="en-US" sz="1600" dirty="0" err="1">
                 <a:effectLst/>
                 <a:ea typeface="Times New Roman" panose="02020603050405020304" pitchFamily="18" charset="0"/>
                 <a:cs typeface="Times New Roman" panose="02020603050405020304" pitchFamily="18" charset="0"/>
@@ -10592,16 +10514,32 @@
               <a:t>DaySinceLastOrder</a:t>
             </a:r>
             <a:r>
-              <a:rPr lang="en-US" sz="2000" dirty="0">
+              <a:rPr lang="en-US" sz="1600" dirty="0">
                 <a:effectLst/>
                 <a:ea typeface="Times New Roman" panose="02020603050405020304" pitchFamily="18" charset="0"/>
                 <a:cs typeface="Times New Roman" panose="02020603050405020304" pitchFamily="18" charset="0"/>
               </a:rPr>
-              <a:t> &gt; 8.50</a:t>
-            </a:r>
-          </a:p>
-          <a:p>
-            <a:pPr marL="742950" lvl="1" indent="-285750">
+              <a:t> &lt;= 1 and </a:t>
+            </a:r>
+            <a:r>
+              <a:rPr lang="en-US" sz="1600" dirty="0" err="1">
+                <a:effectLst/>
+                <a:ea typeface="Times New Roman" panose="02020603050405020304" pitchFamily="18" charset="0"/>
+                <a:cs typeface="Times New Roman" panose="02020603050405020304" pitchFamily="18" charset="0"/>
+              </a:rPr>
+              <a:t>WarehouseToHome</a:t>
+            </a:r>
+            <a:r>
+              <a:rPr lang="en-US" sz="1600" dirty="0">
+                <a:effectLst/>
+                <a:ea typeface="Times New Roman" panose="02020603050405020304" pitchFamily="18" charset="0"/>
+                <a:cs typeface="Times New Roman" panose="02020603050405020304" pitchFamily="18" charset="0"/>
+              </a:rPr>
+              <a:t> &gt; 22.50 </a:t>
+            </a:r>
+          </a:p>
+          <a:p>
+            <a:pPr marL="1200150" lvl="2" indent="-285750">
               <a:spcBef>
                 <a:spcPts val="0"/>
               </a:spcBef>
@@ -10627,7 +10565,7 @@
               </a:tabLst>
             </a:pPr>
             <a:r>
-              <a:rPr lang="en-US" sz="2000" dirty="0">
+              <a:rPr lang="en-US" sz="1600" dirty="0">
                 <a:effectLst/>
                 <a:ea typeface="Times New Roman" panose="02020603050405020304" pitchFamily="18" charset="0"/>
                 <a:cs typeface="Times New Roman" panose="02020603050405020304" pitchFamily="18" charset="0"/>
@@ -10635,7 +10573,7 @@
               <a:t>Tenure &lt;= 1 and Complain = 0 and </a:t>
             </a:r>
             <a:r>
-              <a:rPr lang="en-US" sz="2000" dirty="0" err="1">
+              <a:rPr lang="en-US" sz="1600" dirty="0" err="1">
                 <a:effectLst/>
                 <a:ea typeface="Times New Roman" panose="02020603050405020304" pitchFamily="18" charset="0"/>
                 <a:cs typeface="Times New Roman" panose="02020603050405020304" pitchFamily="18" charset="0"/>
@@ -10643,49 +10581,288 @@
               <a:t>NumberOfAddress</a:t>
             </a:r>
             <a:r>
-              <a:rPr lang="en-US" sz="2000" dirty="0">
+              <a:rPr lang="en-US" sz="1600" dirty="0">
                 <a:effectLst/>
                 <a:ea typeface="Times New Roman" panose="02020603050405020304" pitchFamily="18" charset="0"/>
                 <a:cs typeface="Times New Roman" panose="02020603050405020304" pitchFamily="18" charset="0"/>
               </a:rPr>
-              <a:t> &gt; 4.5 and </a:t>
-            </a:r>
-            <a:r>
-              <a:rPr lang="en-US" sz="2000" dirty="0" err="1">
+              <a:t> &lt;= 4 and </a:t>
+            </a:r>
+            <a:r>
+              <a:rPr lang="en-US" sz="1600" dirty="0" err="1">
                 <a:effectLst/>
                 <a:ea typeface="Times New Roman" panose="02020603050405020304" pitchFamily="18" charset="0"/>
                 <a:cs typeface="Times New Roman" panose="02020603050405020304" pitchFamily="18" charset="0"/>
               </a:rPr>
-              <a:t>OrderAmountHikeFromLastYear</a:t>
-            </a:r>
-            <a:r>
-              <a:rPr lang="en-US" sz="2000" dirty="0">
+              <a:t>DaySinceLastOrder</a:t>
+            </a:r>
+            <a:r>
+              <a:rPr lang="en-US" sz="1600" dirty="0">
                 <a:effectLst/>
                 <a:ea typeface="Times New Roman" panose="02020603050405020304" pitchFamily="18" charset="0"/>
                 <a:cs typeface="Times New Roman" panose="02020603050405020304" pitchFamily="18" charset="0"/>
               </a:rPr>
-              <a:t> &lt;= 18.50 and </a:t>
-            </a:r>
-            <a:r>
-              <a:rPr lang="en-US" sz="2000" dirty="0" err="1">
+              <a:t> &gt; 8.50</a:t>
+            </a:r>
+          </a:p>
+          <a:p>
+            <a:pPr marL="1200150" lvl="2" indent="-285750">
+              <a:spcBef>
+                <a:spcPts val="0"/>
+              </a:spcBef>
+              <a:buFont typeface="Courier New" panose="02070309020205020404" pitchFamily="49" charset="0"/>
+              <a:buChar char="o"/>
+              <a:tabLst>
+                <a:tab pos="581660" algn="l"/>
+                <a:tab pos="1163320" algn="l"/>
+                <a:tab pos="1744980" algn="l"/>
+                <a:tab pos="2326640" algn="l"/>
+                <a:tab pos="2908300" algn="l"/>
+                <a:tab pos="3489960" algn="l"/>
+                <a:tab pos="4071620" algn="l"/>
+                <a:tab pos="4653280" algn="l"/>
+                <a:tab pos="5234940" algn="l"/>
+                <a:tab pos="5816600" algn="l"/>
+                <a:tab pos="6398260" algn="l"/>
+                <a:tab pos="6979920" algn="l"/>
+                <a:tab pos="7561580" algn="l"/>
+                <a:tab pos="8143240" algn="l"/>
+                <a:tab pos="8724900" algn="l"/>
+                <a:tab pos="9306560" algn="l"/>
+              </a:tabLst>
+            </a:pPr>
+            <a:r>
+              <a:rPr lang="en-US" sz="1600" dirty="0">
                 <a:effectLst/>
                 <a:ea typeface="Times New Roman" panose="02020603050405020304" pitchFamily="18" charset="0"/>
                 <a:cs typeface="Times New Roman" panose="02020603050405020304" pitchFamily="18" charset="0"/>
               </a:rPr>
-              <a:t>NumberOfDeviceRegister</a:t>
-            </a:r>
-            <a:r>
-              <a:rPr lang="en-US" sz="2000" dirty="0">
+              <a:t>Tenure &lt;= 1 and Complain = 0 and </a:t>
+            </a:r>
+            <a:r>
+              <a:rPr lang="en-US" sz="1600" dirty="0" err="1">
                 <a:effectLst/>
                 <a:ea typeface="Times New Roman" panose="02020603050405020304" pitchFamily="18" charset="0"/>
                 <a:cs typeface="Times New Roman" panose="02020603050405020304" pitchFamily="18" charset="0"/>
               </a:rPr>
+              <a:t>NumberOfAddress</a:t>
+            </a:r>
+            <a:r>
+              <a:rPr lang="en-US" sz="1600" dirty="0">
+                <a:effectLst/>
+                <a:ea typeface="Times New Roman" panose="02020603050405020304" pitchFamily="18" charset="0"/>
+                <a:cs typeface="Times New Roman" panose="02020603050405020304" pitchFamily="18" charset="0"/>
+              </a:rPr>
+              <a:t> &gt; 4.5 and </a:t>
+            </a:r>
+            <a:r>
+              <a:rPr lang="en-US" sz="1600" dirty="0" err="1">
+                <a:effectLst/>
+                <a:ea typeface="Times New Roman" panose="02020603050405020304" pitchFamily="18" charset="0"/>
+                <a:cs typeface="Times New Roman" panose="02020603050405020304" pitchFamily="18" charset="0"/>
+              </a:rPr>
+              <a:t>OrderAmountHikeFromLastYear</a:t>
+            </a:r>
+            <a:r>
+              <a:rPr lang="en-US" sz="1600" dirty="0">
+                <a:effectLst/>
+                <a:ea typeface="Times New Roman" panose="02020603050405020304" pitchFamily="18" charset="0"/>
+                <a:cs typeface="Times New Roman" panose="02020603050405020304" pitchFamily="18" charset="0"/>
+              </a:rPr>
+              <a:t> &lt;= 18.50 and </a:t>
+            </a:r>
+            <a:r>
+              <a:rPr lang="en-US" sz="1600" dirty="0" err="1">
+                <a:effectLst/>
+                <a:ea typeface="Times New Roman" panose="02020603050405020304" pitchFamily="18" charset="0"/>
+                <a:cs typeface="Times New Roman" panose="02020603050405020304" pitchFamily="18" charset="0"/>
+              </a:rPr>
+              <a:t>NumberOfDeviceRegister</a:t>
+            </a:r>
+            <a:r>
+              <a:rPr lang="en-US" sz="1600" dirty="0">
+                <a:effectLst/>
+                <a:ea typeface="Times New Roman" panose="02020603050405020304" pitchFamily="18" charset="0"/>
+                <a:cs typeface="Times New Roman" panose="02020603050405020304" pitchFamily="18" charset="0"/>
+              </a:rPr>
               <a:t> &gt; 2</a:t>
             </a:r>
+          </a:p>
+          <a:p>
+            <a:pPr marL="1200150" lvl="2" indent="-285750">
+              <a:spcBef>
+                <a:spcPts val="0"/>
+              </a:spcBef>
+              <a:buFont typeface="Courier New" panose="02070309020205020404" pitchFamily="49" charset="0"/>
+              <a:buChar char="o"/>
+              <a:tabLst>
+                <a:tab pos="581660" algn="l"/>
+                <a:tab pos="1163320" algn="l"/>
+                <a:tab pos="1744980" algn="l"/>
+                <a:tab pos="2326640" algn="l"/>
+                <a:tab pos="2908300" algn="l"/>
+                <a:tab pos="3489960" algn="l"/>
+                <a:tab pos="4071620" algn="l"/>
+                <a:tab pos="4653280" algn="l"/>
+                <a:tab pos="5234940" algn="l"/>
+                <a:tab pos="5816600" algn="l"/>
+                <a:tab pos="6398260" algn="l"/>
+                <a:tab pos="6979920" algn="l"/>
+                <a:tab pos="7561580" algn="l"/>
+                <a:tab pos="8143240" algn="l"/>
+                <a:tab pos="8724900" algn="l"/>
+                <a:tab pos="9306560" algn="l"/>
+              </a:tabLst>
+            </a:pPr>
+            <a:endParaRPr lang="en-US" sz="1600" dirty="0">
+              <a:ea typeface="Calibri" panose="020F0502020204030204" pitchFamily="34" charset="0"/>
+              <a:cs typeface="Times New Roman" panose="02020603050405020304" pitchFamily="18" charset="0"/>
+            </a:endParaRPr>
+          </a:p>
+          <a:p>
+            <a:pPr marL="1200150" lvl="2" indent="-285750">
+              <a:spcBef>
+                <a:spcPts val="0"/>
+              </a:spcBef>
+              <a:buFont typeface="Courier New" panose="02070309020205020404" pitchFamily="49" charset="0"/>
+              <a:buChar char="o"/>
+              <a:tabLst>
+                <a:tab pos="581660" algn="l"/>
+                <a:tab pos="1163320" algn="l"/>
+                <a:tab pos="1744980" algn="l"/>
+                <a:tab pos="2326640" algn="l"/>
+                <a:tab pos="2908300" algn="l"/>
+                <a:tab pos="3489960" algn="l"/>
+                <a:tab pos="4071620" algn="l"/>
+                <a:tab pos="4653280" algn="l"/>
+                <a:tab pos="5234940" algn="l"/>
+                <a:tab pos="5816600" algn="l"/>
+                <a:tab pos="6398260" algn="l"/>
+                <a:tab pos="6979920" algn="l"/>
+                <a:tab pos="7561580" algn="l"/>
+                <a:tab pos="8143240" algn="l"/>
+                <a:tab pos="8724900" algn="l"/>
+                <a:tab pos="9306560" algn="l"/>
+              </a:tabLst>
+            </a:pPr>
+            <a:r>
+              <a:rPr lang="en-US" sz="1600" dirty="0">
+                <a:effectLst/>
+                <a:ea typeface="Calibri" panose="020F0502020204030204" pitchFamily="34" charset="0"/>
+                <a:cs typeface="Times New Roman" panose="02020603050405020304" pitchFamily="18" charset="0"/>
+              </a:rPr>
+              <a:t>… and more rules </a:t>
+            </a:r>
+          </a:p>
+          <a:p>
+            <a:pPr lvl="1">
+              <a:spcBef>
+                <a:spcPts val="0"/>
+              </a:spcBef>
+              <a:tabLst>
+                <a:tab pos="581660" algn="l"/>
+                <a:tab pos="1163320" algn="l"/>
+                <a:tab pos="1744980" algn="l"/>
+                <a:tab pos="2326640" algn="l"/>
+                <a:tab pos="2908300" algn="l"/>
+                <a:tab pos="3489960" algn="l"/>
+                <a:tab pos="4071620" algn="l"/>
+                <a:tab pos="4653280" algn="l"/>
+                <a:tab pos="5234940" algn="l"/>
+                <a:tab pos="5816600" algn="l"/>
+                <a:tab pos="6398260" algn="l"/>
+                <a:tab pos="6979920" algn="l"/>
+                <a:tab pos="7561580" algn="l"/>
+                <a:tab pos="8143240" algn="l"/>
+                <a:tab pos="8724900" algn="l"/>
+                <a:tab pos="9306560" algn="l"/>
+              </a:tabLst>
+            </a:pPr>
+            <a:endParaRPr lang="en-US" altLang="en-US" sz="1600" dirty="0"/>
+          </a:p>
+          <a:p>
+            <a:pPr marL="457200" lvl="1" indent="0">
+              <a:spcBef>
+                <a:spcPts val="0"/>
+              </a:spcBef>
+              <a:buNone/>
+              <a:tabLst>
+                <a:tab pos="581660" algn="l"/>
+                <a:tab pos="1163320" algn="l"/>
+                <a:tab pos="1744980" algn="l"/>
+                <a:tab pos="2326640" algn="l"/>
+                <a:tab pos="2908300" algn="l"/>
+                <a:tab pos="3489960" algn="l"/>
+                <a:tab pos="4071620" algn="l"/>
+                <a:tab pos="4653280" algn="l"/>
+                <a:tab pos="5234940" algn="l"/>
+                <a:tab pos="5816600" algn="l"/>
+                <a:tab pos="6398260" algn="l"/>
+                <a:tab pos="6979920" algn="l"/>
+                <a:tab pos="7561580" algn="l"/>
+                <a:tab pos="8143240" algn="l"/>
+                <a:tab pos="8724900" algn="l"/>
+                <a:tab pos="9306560" algn="l"/>
+              </a:tabLst>
+            </a:pPr>
             <a:endParaRPr lang="en-US" sz="2000" dirty="0">
               <a:effectLst/>
+              <a:latin typeface="Calibri" panose="020F0502020204030204" pitchFamily="34" charset="0"/>
+              <a:ea typeface="Times New Roman" panose="02020603050405020304" pitchFamily="18" charset="0"/>
+              <a:cs typeface="Calibri" panose="020F0502020204030204" pitchFamily="34" charset="0"/>
+            </a:endParaRPr>
+          </a:p>
+          <a:p>
+            <a:pPr lvl="2"/>
+            <a:endParaRPr kumimoji="0" lang="en-US" altLang="en-US" sz="1400" b="0" i="0" u="none" strike="noStrike" cap="none" normalizeH="0" baseline="0" dirty="0">
+              <a:ln>
+                <a:noFill/>
+              </a:ln>
+              <a:solidFill>
+                <a:schemeClr val="tx1"/>
+              </a:solidFill>
+              <a:effectLst/>
+            </a:endParaRPr>
+          </a:p>
+          <a:p>
+            <a:pPr marL="0" indent="0">
+              <a:buNone/>
+            </a:pPr>
+            <a:endParaRPr lang="en-US" sz="2200" dirty="0">
+              <a:effectLst/>
+              <a:latin typeface="Calibri" panose="020F0502020204030204" pitchFamily="34" charset="0"/>
+              <a:ea typeface="Times New Roman" panose="02020603050405020304" pitchFamily="18" charset="0"/>
+              <a:cs typeface="Calibri" panose="020F0502020204030204" pitchFamily="34" charset="0"/>
+            </a:endParaRPr>
+          </a:p>
+          <a:p>
+            <a:pPr marL="457200" lvl="1" indent="0">
+              <a:buNone/>
+            </a:pPr>
+            <a:endParaRPr lang="en-US" sz="1800" dirty="0">
+              <a:effectLst/>
+            </a:endParaRPr>
+          </a:p>
+          <a:p>
+            <a:pPr lvl="1"/>
+            <a:endParaRPr lang="en-US" sz="2000" dirty="0">
+              <a:effectLst/>
+            </a:endParaRPr>
+          </a:p>
+          <a:p>
+            <a:pPr lvl="1"/>
+            <a:endParaRPr lang="en-US" sz="2200" dirty="0">
+              <a:latin typeface="Calibri" panose="020F0502020204030204" pitchFamily="34" charset="0"/>
               <a:ea typeface="Calibri" panose="020F0502020204030204" pitchFamily="34" charset="0"/>
-              <a:cs typeface="Times New Roman" panose="02020603050405020304" pitchFamily="18" charset="0"/>
+              <a:cs typeface="Calibri" panose="020F0502020204030204" pitchFamily="34" charset="0"/>
+            </a:endParaRPr>
+          </a:p>
+          <a:p>
+            <a:endParaRPr lang="en-US" sz="2600" dirty="0">
+              <a:effectLst/>
+              <a:latin typeface="Calibri" panose="020F0502020204030204" pitchFamily="34" charset="0"/>
+              <a:ea typeface="Calibri" panose="020F0502020204030204" pitchFamily="34" charset="0"/>
+              <a:cs typeface="Calibri" panose="020F0502020204030204" pitchFamily="34" charset="0"/>
             </a:endParaRPr>
           </a:p>
           <a:p>
@@ -10910,7 +11087,572 @@
     </p:spTree>
     <p:extLst>
       <p:ext uri="{BB962C8B-B14F-4D97-AF65-F5344CB8AC3E}">
-        <p14:creationId xmlns:p14="http://schemas.microsoft.com/office/powerpoint/2010/main" val="2594604307"/>
+        <p14:creationId xmlns:p14="http://schemas.microsoft.com/office/powerpoint/2010/main" val="1694345695"/>
+      </p:ext>
+    </p:extLst>
+  </p:cSld>
+  <p:clrMapOvr>
+    <a:masterClrMapping/>
+  </p:clrMapOvr>
+</p:sld>
+</file>
+
+<file path=ppt/slides/slide32.xml><?xml version="1.0" encoding="utf-8"?>
+<p:sld xmlns:a="http://schemas.openxmlformats.org/drawingml/2006/main" xmlns:r="http://schemas.openxmlformats.org/officeDocument/2006/relationships" xmlns:p="http://schemas.openxmlformats.org/presentationml/2006/main">
+  <p:cSld>
+    <p:spTree>
+      <p:nvGrpSpPr>
+        <p:cNvPr id="1" name=""/>
+        <p:cNvGrpSpPr/>
+        <p:nvPr/>
+      </p:nvGrpSpPr>
+      <p:grpSpPr>
+        <a:xfrm>
+          <a:off x="0" y="0"/>
+          <a:ext cx="0" cy="0"/>
+          <a:chOff x="0" y="0"/>
+          <a:chExt cx="0" cy="0"/>
+        </a:xfrm>
+      </p:grpSpPr>
+      <p:sp>
+        <p:nvSpPr>
+          <p:cNvPr id="2" name="Title 1">
+            <a:extLst>
+              <a:ext uri="{FF2B5EF4-FFF2-40B4-BE49-F238E27FC236}">
+                <a16:creationId xmlns:a16="http://schemas.microsoft.com/office/drawing/2014/main" id="{8AE849E7-0767-87D2-BE92-243CE53BA9CD}"/>
+              </a:ext>
+            </a:extLst>
+          </p:cNvPr>
+          <p:cNvSpPr>
+            <a:spLocks noGrp="1"/>
+          </p:cNvSpPr>
+          <p:nvPr>
+            <p:ph type="title"/>
+          </p:nvPr>
+        </p:nvSpPr>
+        <p:spPr>
+          <a:xfrm>
+            <a:off x="838200" y="102367"/>
+            <a:ext cx="10515600" cy="1325563"/>
+          </a:xfrm>
+        </p:spPr>
+        <p:txBody>
+          <a:bodyPr/>
+          <a:lstStyle/>
+          <a:p>
+            <a:r>
+              <a:rPr lang="en-US" dirty="0"/>
+              <a:t>Summary</a:t>
+            </a:r>
+          </a:p>
+        </p:txBody>
+      </p:sp>
+      <p:sp>
+        <p:nvSpPr>
+          <p:cNvPr id="3" name="Content Placeholder 2">
+            <a:extLst>
+              <a:ext uri="{FF2B5EF4-FFF2-40B4-BE49-F238E27FC236}">
+                <a16:creationId xmlns:a16="http://schemas.microsoft.com/office/drawing/2014/main" id="{4D6A2DCC-D795-0469-E8FC-CF9FCABA33A6}"/>
+              </a:ext>
+            </a:extLst>
+          </p:cNvPr>
+          <p:cNvSpPr>
+            <a:spLocks noGrp="1"/>
+          </p:cNvSpPr>
+          <p:nvPr>
+            <p:ph idx="1"/>
+          </p:nvPr>
+        </p:nvSpPr>
+        <p:spPr>
+          <a:xfrm>
+            <a:off x="838200" y="1510315"/>
+            <a:ext cx="10932042" cy="5028708"/>
+          </a:xfrm>
+        </p:spPr>
+        <p:txBody>
+          <a:bodyPr>
+            <a:normAutofit/>
+          </a:bodyPr>
+          <a:lstStyle/>
+          <a:p>
+            <a:pPr lvl="1">
+              <a:spcBef>
+                <a:spcPts val="0"/>
+              </a:spcBef>
+              <a:tabLst>
+                <a:tab pos="581660" algn="l"/>
+                <a:tab pos="1163320" algn="l"/>
+                <a:tab pos="1744980" algn="l"/>
+                <a:tab pos="2326640" algn="l"/>
+                <a:tab pos="2908300" algn="l"/>
+                <a:tab pos="3489960" algn="l"/>
+                <a:tab pos="4071620" algn="l"/>
+                <a:tab pos="4653280" algn="l"/>
+                <a:tab pos="5234940" algn="l"/>
+                <a:tab pos="5816600" algn="l"/>
+                <a:tab pos="6398260" algn="l"/>
+                <a:tab pos="6979920" algn="l"/>
+                <a:tab pos="7561580" algn="l"/>
+                <a:tab pos="8143240" algn="l"/>
+                <a:tab pos="8724900" algn="l"/>
+                <a:tab pos="9306560" algn="l"/>
+              </a:tabLst>
+            </a:pPr>
+            <a:r>
+              <a:rPr lang="en-US" altLang="en-US" dirty="0"/>
+              <a:t>Data analysis demonstrates how each of the factors are related to customer churn </a:t>
+            </a:r>
+          </a:p>
+          <a:p>
+            <a:pPr lvl="1">
+              <a:spcBef>
+                <a:spcPts val="0"/>
+              </a:spcBef>
+              <a:tabLst>
+                <a:tab pos="581660" algn="l"/>
+                <a:tab pos="1163320" algn="l"/>
+                <a:tab pos="1744980" algn="l"/>
+                <a:tab pos="2326640" algn="l"/>
+                <a:tab pos="2908300" algn="l"/>
+                <a:tab pos="3489960" algn="l"/>
+                <a:tab pos="4071620" algn="l"/>
+                <a:tab pos="4653280" algn="l"/>
+                <a:tab pos="5234940" algn="l"/>
+                <a:tab pos="5816600" algn="l"/>
+                <a:tab pos="6398260" algn="l"/>
+                <a:tab pos="6979920" algn="l"/>
+                <a:tab pos="7561580" algn="l"/>
+                <a:tab pos="8143240" algn="l"/>
+                <a:tab pos="8724900" algn="l"/>
+                <a:tab pos="9306560" algn="l"/>
+              </a:tabLst>
+            </a:pPr>
+            <a:r>
+              <a:rPr lang="en-US" altLang="en-US" dirty="0"/>
+              <a:t>We can compute significant factors through statistical analysis </a:t>
+            </a:r>
+          </a:p>
+          <a:p>
+            <a:pPr lvl="1">
+              <a:spcBef>
+                <a:spcPts val="0"/>
+              </a:spcBef>
+              <a:tabLst>
+                <a:tab pos="581660" algn="l"/>
+                <a:tab pos="1163320" algn="l"/>
+                <a:tab pos="1744980" algn="l"/>
+                <a:tab pos="2326640" algn="l"/>
+                <a:tab pos="2908300" algn="l"/>
+                <a:tab pos="3489960" algn="l"/>
+                <a:tab pos="4071620" algn="l"/>
+                <a:tab pos="4653280" algn="l"/>
+                <a:tab pos="5234940" algn="l"/>
+                <a:tab pos="5816600" algn="l"/>
+                <a:tab pos="6398260" algn="l"/>
+                <a:tab pos="6979920" algn="l"/>
+                <a:tab pos="7561580" algn="l"/>
+                <a:tab pos="8143240" algn="l"/>
+                <a:tab pos="8724900" algn="l"/>
+                <a:tab pos="9306560" algn="l"/>
+              </a:tabLst>
+            </a:pPr>
+            <a:r>
+              <a:rPr lang="en-US" altLang="en-US" dirty="0"/>
+              <a:t>Decision tree modeling is a useful tool to predict customer churn </a:t>
+            </a:r>
+          </a:p>
+          <a:p>
+            <a:pPr lvl="2">
+              <a:spcBef>
+                <a:spcPts val="0"/>
+              </a:spcBef>
+              <a:tabLst>
+                <a:tab pos="581660" algn="l"/>
+                <a:tab pos="1163320" algn="l"/>
+                <a:tab pos="1744980" algn="l"/>
+                <a:tab pos="2326640" algn="l"/>
+                <a:tab pos="2908300" algn="l"/>
+                <a:tab pos="3489960" algn="l"/>
+                <a:tab pos="4071620" algn="l"/>
+                <a:tab pos="4653280" algn="l"/>
+                <a:tab pos="5234940" algn="l"/>
+                <a:tab pos="5816600" algn="l"/>
+                <a:tab pos="6398260" algn="l"/>
+                <a:tab pos="6979920" algn="l"/>
+                <a:tab pos="7561580" algn="l"/>
+                <a:tab pos="8143240" algn="l"/>
+                <a:tab pos="8724900" algn="l"/>
+                <a:tab pos="9306560" algn="l"/>
+              </a:tabLst>
+            </a:pPr>
+            <a:r>
+              <a:rPr lang="en-US" altLang="en-US" dirty="0"/>
+              <a:t>Rules are explainable </a:t>
+            </a:r>
+          </a:p>
+          <a:p>
+            <a:pPr lvl="2">
+              <a:spcBef>
+                <a:spcPts val="0"/>
+              </a:spcBef>
+              <a:tabLst>
+                <a:tab pos="581660" algn="l"/>
+                <a:tab pos="1163320" algn="l"/>
+                <a:tab pos="1744980" algn="l"/>
+                <a:tab pos="2326640" algn="l"/>
+                <a:tab pos="2908300" algn="l"/>
+                <a:tab pos="3489960" algn="l"/>
+                <a:tab pos="4071620" algn="l"/>
+                <a:tab pos="4653280" algn="l"/>
+                <a:tab pos="5234940" algn="l"/>
+                <a:tab pos="5816600" algn="l"/>
+                <a:tab pos="6398260" algn="l"/>
+                <a:tab pos="6979920" algn="l"/>
+                <a:tab pos="7561580" algn="l"/>
+                <a:tab pos="8143240" algn="l"/>
+                <a:tab pos="8724900" algn="l"/>
+                <a:tab pos="9306560" algn="l"/>
+              </a:tabLst>
+            </a:pPr>
+            <a:r>
+              <a:rPr lang="en-US" altLang="en-US" dirty="0"/>
+              <a:t>We can balance between size of the decision tree and accuracy based on preference </a:t>
+            </a:r>
+          </a:p>
+          <a:p>
+            <a:pPr lvl="1">
+              <a:spcBef>
+                <a:spcPts val="0"/>
+              </a:spcBef>
+              <a:tabLst>
+                <a:tab pos="581660" algn="l"/>
+                <a:tab pos="1163320" algn="l"/>
+                <a:tab pos="1744980" algn="l"/>
+                <a:tab pos="2326640" algn="l"/>
+                <a:tab pos="2908300" algn="l"/>
+                <a:tab pos="3489960" algn="l"/>
+                <a:tab pos="4071620" algn="l"/>
+                <a:tab pos="4653280" algn="l"/>
+                <a:tab pos="5234940" algn="l"/>
+                <a:tab pos="5816600" algn="l"/>
+                <a:tab pos="6398260" algn="l"/>
+                <a:tab pos="6979920" algn="l"/>
+                <a:tab pos="7561580" algn="l"/>
+                <a:tab pos="8143240" algn="l"/>
+                <a:tab pos="8724900" algn="l"/>
+                <a:tab pos="9306560" algn="l"/>
+              </a:tabLst>
+            </a:pPr>
+            <a:endParaRPr lang="en-US" altLang="en-US" sz="2000" dirty="0"/>
+          </a:p>
+          <a:p>
+            <a:pPr marL="457200" lvl="1" indent="0">
+              <a:spcBef>
+                <a:spcPts val="0"/>
+              </a:spcBef>
+              <a:buNone/>
+              <a:tabLst>
+                <a:tab pos="581660" algn="l"/>
+                <a:tab pos="1163320" algn="l"/>
+                <a:tab pos="1744980" algn="l"/>
+                <a:tab pos="2326640" algn="l"/>
+                <a:tab pos="2908300" algn="l"/>
+                <a:tab pos="3489960" algn="l"/>
+                <a:tab pos="4071620" algn="l"/>
+                <a:tab pos="4653280" algn="l"/>
+                <a:tab pos="5234940" algn="l"/>
+                <a:tab pos="5816600" algn="l"/>
+                <a:tab pos="6398260" algn="l"/>
+                <a:tab pos="6979920" algn="l"/>
+                <a:tab pos="7561580" algn="l"/>
+                <a:tab pos="8143240" algn="l"/>
+                <a:tab pos="8724900" algn="l"/>
+                <a:tab pos="9306560" algn="l"/>
+              </a:tabLst>
+            </a:pPr>
+            <a:endParaRPr lang="en-US" sz="2000" dirty="0">
+              <a:effectLst/>
+              <a:latin typeface="Calibri" panose="020F0502020204030204" pitchFamily="34" charset="0"/>
+              <a:ea typeface="Times New Roman" panose="02020603050405020304" pitchFamily="18" charset="0"/>
+              <a:cs typeface="Calibri" panose="020F0502020204030204" pitchFamily="34" charset="0"/>
+            </a:endParaRPr>
+          </a:p>
+          <a:p>
+            <a:pPr lvl="2"/>
+            <a:endParaRPr kumimoji="0" lang="en-US" altLang="en-US" sz="1400" b="0" i="0" u="none" strike="noStrike" cap="none" normalizeH="0" baseline="0" dirty="0">
+              <a:ln>
+                <a:noFill/>
+              </a:ln>
+              <a:solidFill>
+                <a:schemeClr val="tx1"/>
+              </a:solidFill>
+              <a:effectLst/>
+            </a:endParaRPr>
+          </a:p>
+          <a:p>
+            <a:pPr marL="0" indent="0">
+              <a:buNone/>
+            </a:pPr>
+            <a:endParaRPr lang="en-US" sz="2200" dirty="0">
+              <a:effectLst/>
+              <a:latin typeface="Calibri" panose="020F0502020204030204" pitchFamily="34" charset="0"/>
+              <a:ea typeface="Times New Roman" panose="02020603050405020304" pitchFamily="18" charset="0"/>
+              <a:cs typeface="Calibri" panose="020F0502020204030204" pitchFamily="34" charset="0"/>
+            </a:endParaRPr>
+          </a:p>
+          <a:p>
+            <a:pPr marL="457200" lvl="1" indent="0">
+              <a:buNone/>
+            </a:pPr>
+            <a:endParaRPr lang="en-US" sz="1800" dirty="0">
+              <a:effectLst/>
+            </a:endParaRPr>
+          </a:p>
+          <a:p>
+            <a:pPr lvl="1"/>
+            <a:endParaRPr lang="en-US" sz="2000" dirty="0">
+              <a:effectLst/>
+            </a:endParaRPr>
+          </a:p>
+          <a:p>
+            <a:pPr lvl="1"/>
+            <a:endParaRPr lang="en-US" sz="2200" dirty="0">
+              <a:latin typeface="Calibri" panose="020F0502020204030204" pitchFamily="34" charset="0"/>
+              <a:ea typeface="Calibri" panose="020F0502020204030204" pitchFamily="34" charset="0"/>
+              <a:cs typeface="Calibri" panose="020F0502020204030204" pitchFamily="34" charset="0"/>
+            </a:endParaRPr>
+          </a:p>
+          <a:p>
+            <a:endParaRPr lang="en-US" sz="2600" dirty="0">
+              <a:effectLst/>
+              <a:latin typeface="Calibri" panose="020F0502020204030204" pitchFamily="34" charset="0"/>
+              <a:ea typeface="Calibri" panose="020F0502020204030204" pitchFamily="34" charset="0"/>
+              <a:cs typeface="Calibri" panose="020F0502020204030204" pitchFamily="34" charset="0"/>
+            </a:endParaRPr>
+          </a:p>
+          <a:p>
+            <a:pPr marL="742950" lvl="1" indent="-285750">
+              <a:spcBef>
+                <a:spcPts val="0"/>
+              </a:spcBef>
+              <a:buFont typeface="Courier New" panose="02070309020205020404" pitchFamily="49" charset="0"/>
+              <a:buChar char="o"/>
+              <a:tabLst>
+                <a:tab pos="581660" algn="l"/>
+                <a:tab pos="1163320" algn="l"/>
+                <a:tab pos="1744980" algn="l"/>
+                <a:tab pos="2326640" algn="l"/>
+                <a:tab pos="2908300" algn="l"/>
+                <a:tab pos="3489960" algn="l"/>
+                <a:tab pos="4071620" algn="l"/>
+                <a:tab pos="4653280" algn="l"/>
+                <a:tab pos="5234940" algn="l"/>
+                <a:tab pos="5816600" algn="l"/>
+                <a:tab pos="6398260" algn="l"/>
+                <a:tab pos="6979920" algn="l"/>
+                <a:tab pos="7561580" algn="l"/>
+                <a:tab pos="8143240" algn="l"/>
+                <a:tab pos="8724900" algn="l"/>
+                <a:tab pos="9306560" algn="l"/>
+              </a:tabLst>
+            </a:pPr>
+            <a:endParaRPr lang="en-US" sz="2000" dirty="0">
+              <a:effectLst/>
+              <a:ea typeface="Calibri" panose="020F0502020204030204" pitchFamily="34" charset="0"/>
+              <a:cs typeface="Times New Roman" panose="02020603050405020304" pitchFamily="18" charset="0"/>
+            </a:endParaRPr>
+          </a:p>
+          <a:p>
+            <a:pPr marL="742950" lvl="1" indent="-285750">
+              <a:spcBef>
+                <a:spcPts val="0"/>
+              </a:spcBef>
+              <a:buFont typeface="Courier New" panose="02070309020205020404" pitchFamily="49" charset="0"/>
+              <a:buChar char="o"/>
+              <a:tabLst>
+                <a:tab pos="581660" algn="l"/>
+                <a:tab pos="1163320" algn="l"/>
+                <a:tab pos="1744980" algn="l"/>
+                <a:tab pos="2326640" algn="l"/>
+                <a:tab pos="2908300" algn="l"/>
+                <a:tab pos="3489960" algn="l"/>
+                <a:tab pos="4071620" algn="l"/>
+                <a:tab pos="4653280" algn="l"/>
+                <a:tab pos="5234940" algn="l"/>
+                <a:tab pos="5816600" algn="l"/>
+                <a:tab pos="6398260" algn="l"/>
+                <a:tab pos="6979920" algn="l"/>
+                <a:tab pos="7561580" algn="l"/>
+                <a:tab pos="8143240" algn="l"/>
+                <a:tab pos="8724900" algn="l"/>
+                <a:tab pos="9306560" algn="l"/>
+              </a:tabLst>
+            </a:pPr>
+            <a:endParaRPr lang="en-US" sz="2000" dirty="0">
+              <a:effectLst/>
+              <a:ea typeface="Calibri" panose="020F0502020204030204" pitchFamily="34" charset="0"/>
+              <a:cs typeface="Times New Roman" panose="02020603050405020304" pitchFamily="18" charset="0"/>
+            </a:endParaRPr>
+          </a:p>
+          <a:p>
+            <a:pPr marL="285750" indent="-285750">
+              <a:spcBef>
+                <a:spcPts val="0"/>
+              </a:spcBef>
+              <a:buFont typeface="Courier New" panose="02070309020205020404" pitchFamily="49" charset="0"/>
+              <a:buChar char="o"/>
+              <a:tabLst>
+                <a:tab pos="581660" algn="l"/>
+                <a:tab pos="1163320" algn="l"/>
+                <a:tab pos="1744980" algn="l"/>
+                <a:tab pos="2326640" algn="l"/>
+                <a:tab pos="2908300" algn="l"/>
+                <a:tab pos="3489960" algn="l"/>
+                <a:tab pos="4071620" algn="l"/>
+                <a:tab pos="4653280" algn="l"/>
+                <a:tab pos="5234940" algn="l"/>
+                <a:tab pos="5816600" algn="l"/>
+                <a:tab pos="6398260" algn="l"/>
+                <a:tab pos="6979920" algn="l"/>
+                <a:tab pos="7561580" algn="l"/>
+                <a:tab pos="8143240" algn="l"/>
+                <a:tab pos="8724900" algn="l"/>
+                <a:tab pos="9306560" algn="l"/>
+              </a:tabLst>
+            </a:pPr>
+            <a:endParaRPr lang="en-US" sz="2400" dirty="0">
+              <a:latin typeface="Calibri" panose="020F0502020204030204" pitchFamily="34" charset="0"/>
+              <a:ea typeface="Calibri" panose="020F0502020204030204" pitchFamily="34" charset="0"/>
+              <a:cs typeface="Calibri" panose="020F0502020204030204" pitchFamily="34" charset="0"/>
+            </a:endParaRPr>
+          </a:p>
+          <a:p>
+            <a:pPr marL="285750" indent="-285750">
+              <a:spcBef>
+                <a:spcPts val="0"/>
+              </a:spcBef>
+              <a:buFont typeface="Courier New" panose="02070309020205020404" pitchFamily="49" charset="0"/>
+              <a:buChar char="o"/>
+              <a:tabLst>
+                <a:tab pos="581660" algn="l"/>
+                <a:tab pos="1163320" algn="l"/>
+                <a:tab pos="1744980" algn="l"/>
+                <a:tab pos="2326640" algn="l"/>
+                <a:tab pos="2908300" algn="l"/>
+                <a:tab pos="3489960" algn="l"/>
+                <a:tab pos="4071620" algn="l"/>
+                <a:tab pos="4653280" algn="l"/>
+                <a:tab pos="5234940" algn="l"/>
+                <a:tab pos="5816600" algn="l"/>
+                <a:tab pos="6398260" algn="l"/>
+                <a:tab pos="6979920" algn="l"/>
+                <a:tab pos="7561580" algn="l"/>
+                <a:tab pos="8143240" algn="l"/>
+                <a:tab pos="8724900" algn="l"/>
+                <a:tab pos="9306560" algn="l"/>
+              </a:tabLst>
+            </a:pPr>
+            <a:endParaRPr lang="en-US" sz="2400" dirty="0">
+              <a:latin typeface="Calibri" panose="020F0502020204030204" pitchFamily="34" charset="0"/>
+              <a:ea typeface="Calibri" panose="020F0502020204030204" pitchFamily="34" charset="0"/>
+              <a:cs typeface="Calibri" panose="020F0502020204030204" pitchFamily="34" charset="0"/>
+            </a:endParaRPr>
+          </a:p>
+          <a:p>
+            <a:pPr marL="285750" indent="-285750">
+              <a:spcBef>
+                <a:spcPts val="0"/>
+              </a:spcBef>
+              <a:buFont typeface="Courier New" panose="02070309020205020404" pitchFamily="49" charset="0"/>
+              <a:buChar char="o"/>
+              <a:tabLst>
+                <a:tab pos="581660" algn="l"/>
+                <a:tab pos="1163320" algn="l"/>
+                <a:tab pos="1744980" algn="l"/>
+                <a:tab pos="2326640" algn="l"/>
+                <a:tab pos="2908300" algn="l"/>
+                <a:tab pos="3489960" algn="l"/>
+                <a:tab pos="4071620" algn="l"/>
+                <a:tab pos="4653280" algn="l"/>
+                <a:tab pos="5234940" algn="l"/>
+                <a:tab pos="5816600" algn="l"/>
+                <a:tab pos="6398260" algn="l"/>
+                <a:tab pos="6979920" algn="l"/>
+                <a:tab pos="7561580" algn="l"/>
+                <a:tab pos="8143240" algn="l"/>
+                <a:tab pos="8724900" algn="l"/>
+                <a:tab pos="9306560" algn="l"/>
+              </a:tabLst>
+            </a:pPr>
+            <a:endParaRPr lang="en-US" sz="2400" dirty="0">
+              <a:latin typeface="Calibri" panose="020F0502020204030204" pitchFamily="34" charset="0"/>
+              <a:ea typeface="Calibri" panose="020F0502020204030204" pitchFamily="34" charset="0"/>
+              <a:cs typeface="Calibri" panose="020F0502020204030204" pitchFamily="34" charset="0"/>
+            </a:endParaRPr>
+          </a:p>
+          <a:p>
+            <a:pPr marL="285750" indent="-285750">
+              <a:spcBef>
+                <a:spcPts val="0"/>
+              </a:spcBef>
+              <a:buFont typeface="Courier New" panose="02070309020205020404" pitchFamily="49" charset="0"/>
+              <a:buChar char="o"/>
+              <a:tabLst>
+                <a:tab pos="581660" algn="l"/>
+                <a:tab pos="1163320" algn="l"/>
+                <a:tab pos="1744980" algn="l"/>
+                <a:tab pos="2326640" algn="l"/>
+                <a:tab pos="2908300" algn="l"/>
+                <a:tab pos="3489960" algn="l"/>
+                <a:tab pos="4071620" algn="l"/>
+                <a:tab pos="4653280" algn="l"/>
+                <a:tab pos="5234940" algn="l"/>
+                <a:tab pos="5816600" algn="l"/>
+                <a:tab pos="6398260" algn="l"/>
+                <a:tab pos="6979920" algn="l"/>
+                <a:tab pos="7561580" algn="l"/>
+                <a:tab pos="8143240" algn="l"/>
+                <a:tab pos="8724900" algn="l"/>
+                <a:tab pos="9306560" algn="l"/>
+              </a:tabLst>
+            </a:pPr>
+            <a:endParaRPr lang="en-US" sz="2400" dirty="0">
+              <a:effectLst/>
+              <a:latin typeface="Calibri" panose="020F0502020204030204" pitchFamily="34" charset="0"/>
+              <a:ea typeface="Calibri" panose="020F0502020204030204" pitchFamily="34" charset="0"/>
+              <a:cs typeface="Calibri" panose="020F0502020204030204" pitchFamily="34" charset="0"/>
+            </a:endParaRPr>
+          </a:p>
+          <a:p>
+            <a:pPr marL="457200" lvl="1" indent="0">
+              <a:buNone/>
+            </a:pPr>
+            <a:endParaRPr lang="en-US" dirty="0"/>
+          </a:p>
+          <a:p>
+            <a:pPr lvl="1"/>
+            <a:endParaRPr lang="en-US" dirty="0">
+              <a:effectLst/>
+            </a:endParaRPr>
+          </a:p>
+          <a:p>
+            <a:pPr lvl="1"/>
+            <a:endParaRPr lang="en-US" dirty="0"/>
+          </a:p>
+          <a:p>
+            <a:pPr lvl="1"/>
+            <a:endParaRPr lang="en-US" dirty="0"/>
+          </a:p>
+          <a:p>
+            <a:pPr lvl="1"/>
+            <a:endParaRPr lang="en-US" dirty="0"/>
+          </a:p>
+        </p:txBody>
+      </p:sp>
+    </p:spTree>
+    <p:extLst>
+      <p:ext uri="{BB962C8B-B14F-4D97-AF65-F5344CB8AC3E}">
+        <p14:creationId xmlns:p14="http://schemas.microsoft.com/office/powerpoint/2010/main" val="3788924782"/>
       </p:ext>
     </p:extLst>
   </p:cSld>
@@ -11697,6 +12439,618 @@
           <p:cNvPr id="2" name="Title 1">
             <a:extLst>
               <a:ext uri="{FF2B5EF4-FFF2-40B4-BE49-F238E27FC236}">
+                <a16:creationId xmlns:a16="http://schemas.microsoft.com/office/drawing/2014/main" id="{2CD08E7A-653D-628D-984E-C1BB62A78776}"/>
+              </a:ext>
+            </a:extLst>
+          </p:cNvPr>
+          <p:cNvSpPr>
+            <a:spLocks noGrp="1"/>
+          </p:cNvSpPr>
+          <p:nvPr>
+            <p:ph type="title"/>
+          </p:nvPr>
+        </p:nvSpPr>
+        <p:spPr>
+          <a:xfrm>
+            <a:off x="838200" y="-92073"/>
+            <a:ext cx="10515600" cy="1325563"/>
+          </a:xfrm>
+        </p:spPr>
+        <p:txBody>
+          <a:bodyPr/>
+          <a:lstStyle/>
+          <a:p>
+            <a:r>
+              <a:rPr lang="en-US" dirty="0"/>
+              <a:t>Data Preprocessing – Fix Data Entry Noise  </a:t>
+            </a:r>
+          </a:p>
+        </p:txBody>
+      </p:sp>
+      <p:sp>
+        <p:nvSpPr>
+          <p:cNvPr id="3" name="Content Placeholder 2">
+            <a:extLst>
+              <a:ext uri="{FF2B5EF4-FFF2-40B4-BE49-F238E27FC236}">
+                <a16:creationId xmlns:a16="http://schemas.microsoft.com/office/drawing/2014/main" id="{0CA35EFD-2A9E-1484-77AF-648F774A5274}"/>
+              </a:ext>
+            </a:extLst>
+          </p:cNvPr>
+          <p:cNvSpPr>
+            <a:spLocks noGrp="1"/>
+          </p:cNvSpPr>
+          <p:nvPr>
+            <p:ph idx="1"/>
+          </p:nvPr>
+        </p:nvSpPr>
+        <p:spPr>
+          <a:xfrm>
+            <a:off x="838200" y="1044111"/>
+            <a:ext cx="10515600" cy="4351338"/>
+          </a:xfrm>
+        </p:spPr>
+        <p:txBody>
+          <a:bodyPr/>
+          <a:lstStyle/>
+          <a:p>
+            <a:r>
+              <a:rPr lang="en-US" sz="2000" dirty="0"/>
+              <a:t>Fixed Data Entry Noise</a:t>
+            </a:r>
+          </a:p>
+          <a:p>
+            <a:pPr lvl="1"/>
+            <a:r>
+              <a:rPr lang="en-US" sz="1600" dirty="0" err="1"/>
+              <a:t>PreferredLoginDevice</a:t>
+            </a:r>
+            <a:r>
+              <a:rPr lang="en-US" sz="1600" dirty="0"/>
+              <a:t> column had values Phone and Mobile Phone. </a:t>
+            </a:r>
+          </a:p>
+          <a:p>
+            <a:pPr lvl="2"/>
+            <a:r>
+              <a:rPr lang="en-US" sz="1200" dirty="0"/>
+              <a:t>Combined  Phone and Mobile </a:t>
+            </a:r>
+          </a:p>
+          <a:p>
+            <a:pPr lvl="1"/>
+            <a:endParaRPr lang="en-US" dirty="0"/>
+          </a:p>
+          <a:p>
+            <a:pPr lvl="1"/>
+            <a:endParaRPr lang="en-US" dirty="0"/>
+          </a:p>
+          <a:p>
+            <a:pPr lvl="1"/>
+            <a:endParaRPr lang="en-US" dirty="0"/>
+          </a:p>
+          <a:p>
+            <a:pPr lvl="1"/>
+            <a:endParaRPr lang="en-US" dirty="0"/>
+          </a:p>
+          <a:p>
+            <a:pPr lvl="1"/>
+            <a:endParaRPr lang="en-US" sz="1600" dirty="0"/>
+          </a:p>
+          <a:p>
+            <a:pPr lvl="1"/>
+            <a:r>
+              <a:rPr lang="en-US" sz="1600" dirty="0" err="1"/>
+              <a:t>PreferredPaymentMode</a:t>
+            </a:r>
+            <a:r>
+              <a:rPr lang="en-US" sz="1600" dirty="0"/>
+              <a:t> column had values CC and </a:t>
+            </a:r>
+            <a:r>
+              <a:rPr lang="en-US" sz="1600" dirty="0" err="1"/>
+              <a:t>CreditCard</a:t>
+            </a:r>
+            <a:r>
+              <a:rPr lang="en-US" sz="1600" dirty="0"/>
+              <a:t> as well as COD and Cash on Delivery</a:t>
+            </a:r>
+          </a:p>
+          <a:p>
+            <a:pPr lvl="2"/>
+            <a:r>
+              <a:rPr lang="en-US" sz="1200" dirty="0"/>
+              <a:t>Combined  CC and </a:t>
+            </a:r>
+            <a:r>
+              <a:rPr lang="en-US" sz="1200" dirty="0" err="1"/>
+              <a:t>CreditCard</a:t>
+            </a:r>
+            <a:endParaRPr lang="en-US" sz="1200" dirty="0"/>
+          </a:p>
+          <a:p>
+            <a:pPr lvl="2"/>
+            <a:r>
+              <a:rPr lang="en-US" sz="1200" dirty="0"/>
+              <a:t>Combined COD and Cash on Delivery </a:t>
+            </a:r>
+          </a:p>
+          <a:p>
+            <a:pPr lvl="1"/>
+            <a:endParaRPr lang="en-US" dirty="0"/>
+          </a:p>
+          <a:p>
+            <a:pPr lvl="2"/>
+            <a:endParaRPr lang="en-US" sz="1200" dirty="0"/>
+          </a:p>
+          <a:p>
+            <a:pPr lvl="1"/>
+            <a:endParaRPr lang="en-US" dirty="0"/>
+          </a:p>
+        </p:txBody>
+      </p:sp>
+      <p:pic>
+        <p:nvPicPr>
+          <p:cNvPr id="4" name="Picture 6">
+            <a:extLst>
+              <a:ext uri="{FF2B5EF4-FFF2-40B4-BE49-F238E27FC236}">
+                <a16:creationId xmlns:a16="http://schemas.microsoft.com/office/drawing/2014/main" id="{50A7BDD9-E7F2-D3B0-8601-D4F91D4E62D6}"/>
+              </a:ext>
+            </a:extLst>
+          </p:cNvPr>
+          <p:cNvPicPr>
+            <a:picLocks noChangeAspect="1" noChangeArrowheads="1"/>
+          </p:cNvPicPr>
+          <p:nvPr/>
+        </p:nvPicPr>
+        <p:blipFill>
+          <a:blip r:embed="rId2">
+            <a:extLst>
+              <a:ext uri="{28A0092B-C50C-407E-A947-70E740481C1C}">
+                <a14:useLocalDpi xmlns:a14="http://schemas.microsoft.com/office/drawing/2010/main" val="0"/>
+              </a:ext>
+            </a:extLst>
+          </a:blip>
+          <a:srcRect/>
+          <a:stretch>
+            <a:fillRect/>
+          </a:stretch>
+        </p:blipFill>
+        <p:spPr bwMode="auto">
+          <a:xfrm>
+            <a:off x="1533383" y="2106118"/>
+            <a:ext cx="2122497" cy="1617847"/>
+          </a:xfrm>
+          <a:prstGeom prst="rect">
+            <a:avLst/>
+          </a:prstGeom>
+          <a:noFill/>
+          <a:extLst>
+            <a:ext uri="{909E8E84-426E-40DD-AFC4-6F175D3DCCD1}">
+              <a14:hiddenFill xmlns:a14="http://schemas.microsoft.com/office/drawing/2010/main">
+                <a:solidFill>
+                  <a:srgbClr val="FFFFFF"/>
+                </a:solidFill>
+              </a14:hiddenFill>
+            </a:ext>
+          </a:extLst>
+        </p:spPr>
+      </p:pic>
+      <p:pic>
+        <p:nvPicPr>
+          <p:cNvPr id="4098" name="Picture 2">
+            <a:extLst>
+              <a:ext uri="{FF2B5EF4-FFF2-40B4-BE49-F238E27FC236}">
+                <a16:creationId xmlns:a16="http://schemas.microsoft.com/office/drawing/2014/main" id="{D839CE72-C6B2-07B5-345F-99A9F0B3375A}"/>
+              </a:ext>
+            </a:extLst>
+          </p:cNvPr>
+          <p:cNvPicPr>
+            <a:picLocks noChangeAspect="1" noChangeArrowheads="1"/>
+          </p:cNvPicPr>
+          <p:nvPr/>
+        </p:nvPicPr>
+        <p:blipFill>
+          <a:blip r:embed="rId3">
+            <a:extLst>
+              <a:ext uri="{28A0092B-C50C-407E-A947-70E740481C1C}">
+                <a14:useLocalDpi xmlns:a14="http://schemas.microsoft.com/office/drawing/2010/main" val="0"/>
+              </a:ext>
+            </a:extLst>
+          </a:blip>
+          <a:srcRect/>
+          <a:stretch>
+            <a:fillRect/>
+          </a:stretch>
+        </p:blipFill>
+        <p:spPr bwMode="auto">
+          <a:xfrm>
+            <a:off x="5568845" y="2002926"/>
+            <a:ext cx="2218545" cy="1691059"/>
+          </a:xfrm>
+          <a:prstGeom prst="rect">
+            <a:avLst/>
+          </a:prstGeom>
+          <a:noFill/>
+          <a:extLst>
+            <a:ext uri="{909E8E84-426E-40DD-AFC4-6F175D3DCCD1}">
+              <a14:hiddenFill xmlns:a14="http://schemas.microsoft.com/office/drawing/2010/main">
+                <a:solidFill>
+                  <a:srgbClr val="FFFFFF"/>
+                </a:solidFill>
+              </a14:hiddenFill>
+            </a:ext>
+          </a:extLst>
+        </p:spPr>
+      </p:pic>
+      <p:pic>
+        <p:nvPicPr>
+          <p:cNvPr id="6" name="Picture 12">
+            <a:extLst>
+              <a:ext uri="{FF2B5EF4-FFF2-40B4-BE49-F238E27FC236}">
+                <a16:creationId xmlns:a16="http://schemas.microsoft.com/office/drawing/2014/main" id="{E33826B7-9822-41B6-8217-1201022B03E2}"/>
+              </a:ext>
+            </a:extLst>
+          </p:cNvPr>
+          <p:cNvPicPr>
+            <a:picLocks noChangeAspect="1" noChangeArrowheads="1"/>
+          </p:cNvPicPr>
+          <p:nvPr/>
+        </p:nvPicPr>
+        <p:blipFill>
+          <a:blip r:embed="rId4">
+            <a:extLst>
+              <a:ext uri="{28A0092B-C50C-407E-A947-70E740481C1C}">
+                <a14:useLocalDpi xmlns:a14="http://schemas.microsoft.com/office/drawing/2010/main" val="0"/>
+              </a:ext>
+            </a:extLst>
+          </a:blip>
+          <a:srcRect/>
+          <a:stretch>
+            <a:fillRect/>
+          </a:stretch>
+        </p:blipFill>
+        <p:spPr bwMode="auto">
+          <a:xfrm>
+            <a:off x="1533383" y="4641561"/>
+            <a:ext cx="2184178" cy="1650436"/>
+          </a:xfrm>
+          <a:prstGeom prst="rect">
+            <a:avLst/>
+          </a:prstGeom>
+          <a:noFill/>
+          <a:extLst>
+            <a:ext uri="{909E8E84-426E-40DD-AFC4-6F175D3DCCD1}">
+              <a14:hiddenFill xmlns:a14="http://schemas.microsoft.com/office/drawing/2010/main">
+                <a:solidFill>
+                  <a:srgbClr val="FFFFFF"/>
+                </a:solidFill>
+              </a14:hiddenFill>
+            </a:ext>
+          </a:extLst>
+        </p:spPr>
+      </p:pic>
+      <p:pic>
+        <p:nvPicPr>
+          <p:cNvPr id="4100" name="Picture 4">
+            <a:extLst>
+              <a:ext uri="{FF2B5EF4-FFF2-40B4-BE49-F238E27FC236}">
+                <a16:creationId xmlns:a16="http://schemas.microsoft.com/office/drawing/2014/main" id="{8515949E-F2FC-8E4A-E754-3B5BB0E401E1}"/>
+              </a:ext>
+            </a:extLst>
+          </p:cNvPr>
+          <p:cNvPicPr>
+            <a:picLocks noChangeAspect="1" noChangeArrowheads="1"/>
+          </p:cNvPicPr>
+          <p:nvPr/>
+        </p:nvPicPr>
+        <p:blipFill>
+          <a:blip r:embed="rId5">
+            <a:extLst>
+              <a:ext uri="{28A0092B-C50C-407E-A947-70E740481C1C}">
+                <a14:useLocalDpi xmlns:a14="http://schemas.microsoft.com/office/drawing/2010/main" val="0"/>
+              </a:ext>
+            </a:extLst>
+          </a:blip>
+          <a:srcRect/>
+          <a:stretch>
+            <a:fillRect/>
+          </a:stretch>
+        </p:blipFill>
+        <p:spPr bwMode="auto">
+          <a:xfrm>
+            <a:off x="5591330" y="4664046"/>
+            <a:ext cx="2138753" cy="1650436"/>
+          </a:xfrm>
+          <a:prstGeom prst="rect">
+            <a:avLst/>
+          </a:prstGeom>
+          <a:noFill/>
+          <a:extLst>
+            <a:ext uri="{909E8E84-426E-40DD-AFC4-6F175D3DCCD1}">
+              <a14:hiddenFill xmlns:a14="http://schemas.microsoft.com/office/drawing/2010/main">
+                <a:solidFill>
+                  <a:srgbClr val="FFFFFF"/>
+                </a:solidFill>
+              </a14:hiddenFill>
+            </a:ext>
+          </a:extLst>
+        </p:spPr>
+      </p:pic>
+    </p:spTree>
+    <p:extLst>
+      <p:ext uri="{BB962C8B-B14F-4D97-AF65-F5344CB8AC3E}">
+        <p14:creationId xmlns:p14="http://schemas.microsoft.com/office/powerpoint/2010/main" val="1759248918"/>
+      </p:ext>
+    </p:extLst>
+  </p:cSld>
+  <p:clrMapOvr>
+    <a:masterClrMapping/>
+  </p:clrMapOvr>
+</p:sld>
+</file>
+
+<file path=ppt/slides/slide7.xml><?xml version="1.0" encoding="utf-8"?>
+<p:sld xmlns:a="http://schemas.openxmlformats.org/drawingml/2006/main" xmlns:r="http://schemas.openxmlformats.org/officeDocument/2006/relationships" xmlns:p="http://schemas.openxmlformats.org/presentationml/2006/main">
+  <p:cSld>
+    <p:spTree>
+      <p:nvGrpSpPr>
+        <p:cNvPr id="1" name=""/>
+        <p:cNvGrpSpPr/>
+        <p:nvPr/>
+      </p:nvGrpSpPr>
+      <p:grpSpPr>
+        <a:xfrm>
+          <a:off x="0" y="0"/>
+          <a:ext cx="0" cy="0"/>
+          <a:chOff x="0" y="0"/>
+          <a:chExt cx="0" cy="0"/>
+        </a:xfrm>
+      </p:grpSpPr>
+      <p:sp>
+        <p:nvSpPr>
+          <p:cNvPr id="2" name="Title 1">
+            <a:extLst>
+              <a:ext uri="{FF2B5EF4-FFF2-40B4-BE49-F238E27FC236}">
+                <a16:creationId xmlns:a16="http://schemas.microsoft.com/office/drawing/2014/main" id="{2CD08E7A-653D-628D-984E-C1BB62A78776}"/>
+              </a:ext>
+            </a:extLst>
+          </p:cNvPr>
+          <p:cNvSpPr>
+            <a:spLocks noGrp="1"/>
+          </p:cNvSpPr>
+          <p:nvPr>
+            <p:ph type="title"/>
+          </p:nvPr>
+        </p:nvSpPr>
+        <p:spPr>
+          <a:xfrm>
+            <a:off x="838200" y="-92073"/>
+            <a:ext cx="10515600" cy="1325563"/>
+          </a:xfrm>
+        </p:spPr>
+        <p:txBody>
+          <a:bodyPr/>
+          <a:lstStyle/>
+          <a:p>
+            <a:r>
+              <a:rPr lang="en-US" dirty="0"/>
+              <a:t>Data Preprocessing – Fix Data Entry Noise  </a:t>
+            </a:r>
+          </a:p>
+        </p:txBody>
+      </p:sp>
+      <p:sp>
+        <p:nvSpPr>
+          <p:cNvPr id="3" name="Content Placeholder 2">
+            <a:extLst>
+              <a:ext uri="{FF2B5EF4-FFF2-40B4-BE49-F238E27FC236}">
+                <a16:creationId xmlns:a16="http://schemas.microsoft.com/office/drawing/2014/main" id="{0CA35EFD-2A9E-1484-77AF-648F774A5274}"/>
+              </a:ext>
+            </a:extLst>
+          </p:cNvPr>
+          <p:cNvSpPr>
+            <a:spLocks noGrp="1"/>
+          </p:cNvSpPr>
+          <p:nvPr>
+            <p:ph idx="1"/>
+          </p:nvPr>
+        </p:nvSpPr>
+        <p:spPr>
+          <a:xfrm>
+            <a:off x="1028888" y="1110211"/>
+            <a:ext cx="9254363" cy="1984247"/>
+          </a:xfrm>
+        </p:spPr>
+        <p:txBody>
+          <a:bodyPr/>
+          <a:lstStyle/>
+          <a:p>
+            <a:r>
+              <a:rPr lang="en-US" sz="2000" dirty="0"/>
+              <a:t>Fixed Data Entry Noise</a:t>
+            </a:r>
+          </a:p>
+          <a:p>
+            <a:pPr lvl="1"/>
+            <a:r>
+              <a:rPr lang="en-US" sz="1600" dirty="0" err="1"/>
+              <a:t>PreferedOrderCat</a:t>
+            </a:r>
+            <a:r>
+              <a:rPr lang="en-US" sz="1600" dirty="0"/>
+              <a:t> column had values Mobile and Mobile Phone. </a:t>
+            </a:r>
+          </a:p>
+          <a:p>
+            <a:pPr lvl="2"/>
+            <a:r>
+              <a:rPr lang="en-US" sz="1200" dirty="0"/>
+              <a:t>Combined  Mobile and Mobile Phone </a:t>
+            </a:r>
+          </a:p>
+          <a:p>
+            <a:pPr lvl="1"/>
+            <a:endParaRPr lang="en-US" dirty="0"/>
+          </a:p>
+          <a:p>
+            <a:pPr lvl="1"/>
+            <a:endParaRPr lang="en-US" dirty="0"/>
+          </a:p>
+          <a:p>
+            <a:pPr lvl="1"/>
+            <a:endParaRPr lang="en-US" dirty="0"/>
+          </a:p>
+          <a:p>
+            <a:pPr lvl="1"/>
+            <a:endParaRPr lang="en-US" dirty="0"/>
+          </a:p>
+          <a:p>
+            <a:pPr lvl="1"/>
+            <a:endParaRPr lang="en-US" sz="1600" dirty="0"/>
+          </a:p>
+          <a:p>
+            <a:pPr lvl="1"/>
+            <a:endParaRPr lang="en-US" dirty="0"/>
+          </a:p>
+          <a:p>
+            <a:pPr lvl="2"/>
+            <a:endParaRPr lang="en-US" sz="1200" dirty="0"/>
+          </a:p>
+          <a:p>
+            <a:pPr lvl="1"/>
+            <a:endParaRPr lang="en-US" dirty="0"/>
+          </a:p>
+        </p:txBody>
+      </p:sp>
+      <p:pic>
+        <p:nvPicPr>
+          <p:cNvPr id="5" name="Picture 4">
+            <a:extLst>
+              <a:ext uri="{FF2B5EF4-FFF2-40B4-BE49-F238E27FC236}">
+                <a16:creationId xmlns:a16="http://schemas.microsoft.com/office/drawing/2014/main" id="{F94215DC-D3A4-AFCC-7F20-4D3F43DC7C16}"/>
+              </a:ext>
+            </a:extLst>
+          </p:cNvPr>
+          <p:cNvPicPr>
+            <a:picLocks noChangeAspect="1" noChangeArrowheads="1"/>
+          </p:cNvPicPr>
+          <p:nvPr/>
+        </p:nvPicPr>
+        <p:blipFill>
+          <a:blip r:embed="rId2">
+            <a:extLst>
+              <a:ext uri="{28A0092B-C50C-407E-A947-70E740481C1C}">
+                <a14:useLocalDpi xmlns:a14="http://schemas.microsoft.com/office/drawing/2010/main" val="0"/>
+              </a:ext>
+            </a:extLst>
+          </a:blip>
+          <a:srcRect/>
+          <a:stretch>
+            <a:fillRect/>
+          </a:stretch>
+        </p:blipFill>
+        <p:spPr bwMode="auto">
+          <a:xfrm>
+            <a:off x="1605150" y="2380003"/>
+            <a:ext cx="2809453" cy="2160355"/>
+          </a:xfrm>
+          <a:prstGeom prst="rect">
+            <a:avLst/>
+          </a:prstGeom>
+          <a:noFill/>
+          <a:extLst>
+            <a:ext uri="{909E8E84-426E-40DD-AFC4-6F175D3DCCD1}">
+              <a14:hiddenFill xmlns:a14="http://schemas.microsoft.com/office/drawing/2010/main">
+                <a:solidFill>
+                  <a:srgbClr val="FFFFFF"/>
+                </a:solidFill>
+              </a14:hiddenFill>
+            </a:ext>
+          </a:extLst>
+        </p:spPr>
+      </p:pic>
+      <p:pic>
+        <p:nvPicPr>
+          <p:cNvPr id="6146" name="Picture 2">
+            <a:extLst>
+              <a:ext uri="{FF2B5EF4-FFF2-40B4-BE49-F238E27FC236}">
+                <a16:creationId xmlns:a16="http://schemas.microsoft.com/office/drawing/2014/main" id="{92D576FE-1DBD-17B2-8230-8DA02CB9DAD1}"/>
+              </a:ext>
+            </a:extLst>
+          </p:cNvPr>
+          <p:cNvPicPr>
+            <a:picLocks noChangeAspect="1" noChangeArrowheads="1"/>
+          </p:cNvPicPr>
+          <p:nvPr/>
+        </p:nvPicPr>
+        <p:blipFill>
+          <a:blip r:embed="rId3">
+            <a:extLst>
+              <a:ext uri="{28A0092B-C50C-407E-A947-70E740481C1C}">
+                <a14:useLocalDpi xmlns:a14="http://schemas.microsoft.com/office/drawing/2010/main" val="0"/>
+              </a:ext>
+            </a:extLst>
+          </a:blip>
+          <a:srcRect/>
+          <a:stretch>
+            <a:fillRect/>
+          </a:stretch>
+        </p:blipFill>
+        <p:spPr bwMode="auto">
+          <a:xfrm>
+            <a:off x="6015896" y="2380002"/>
+            <a:ext cx="2809452" cy="2160355"/>
+          </a:xfrm>
+          <a:prstGeom prst="rect">
+            <a:avLst/>
+          </a:prstGeom>
+          <a:noFill/>
+          <a:extLst>
+            <a:ext uri="{909E8E84-426E-40DD-AFC4-6F175D3DCCD1}">
+              <a14:hiddenFill xmlns:a14="http://schemas.microsoft.com/office/drawing/2010/main">
+                <a:solidFill>
+                  <a:srgbClr val="FFFFFF"/>
+                </a:solidFill>
+              </a14:hiddenFill>
+            </a:ext>
+          </a:extLst>
+        </p:spPr>
+      </p:pic>
+    </p:spTree>
+    <p:extLst>
+      <p:ext uri="{BB962C8B-B14F-4D97-AF65-F5344CB8AC3E}">
+        <p14:creationId xmlns:p14="http://schemas.microsoft.com/office/powerpoint/2010/main" val="1864911422"/>
+      </p:ext>
+    </p:extLst>
+  </p:cSld>
+  <p:clrMapOvr>
+    <a:masterClrMapping/>
+  </p:clrMapOvr>
+</p:sld>
+</file>
+
+<file path=ppt/slides/slide8.xml><?xml version="1.0" encoding="utf-8"?>
+<p:sld xmlns:a="http://schemas.openxmlformats.org/drawingml/2006/main" xmlns:r="http://schemas.openxmlformats.org/officeDocument/2006/relationships" xmlns:p="http://schemas.openxmlformats.org/presentationml/2006/main">
+  <p:cSld>
+    <p:spTree>
+      <p:nvGrpSpPr>
+        <p:cNvPr id="1" name=""/>
+        <p:cNvGrpSpPr/>
+        <p:nvPr/>
+      </p:nvGrpSpPr>
+      <p:grpSpPr>
+        <a:xfrm>
+          <a:off x="0" y="0"/>
+          <a:ext cx="0" cy="0"/>
+          <a:chOff x="0" y="0"/>
+          <a:chExt cx="0" cy="0"/>
+        </a:xfrm>
+      </p:grpSpPr>
+      <p:sp>
+        <p:nvSpPr>
+          <p:cNvPr id="2" name="Title 1">
+            <a:extLst>
+              <a:ext uri="{FF2B5EF4-FFF2-40B4-BE49-F238E27FC236}">
                 <a16:creationId xmlns:a16="http://schemas.microsoft.com/office/drawing/2014/main" id="{BB7E860F-2911-76D7-E205-B098E2BAACD4}"/>
               </a:ext>
             </a:extLst>
@@ -11829,10 +13183,18 @@
             <a:endParaRPr lang="en-US" dirty="0"/>
           </a:p>
           <a:p>
+            <a:pPr lvl="1"/>
+            <a:endParaRPr lang="en-US" dirty="0"/>
+          </a:p>
+          <a:p>
             <a:r>
               <a:rPr lang="en-US" dirty="0"/>
-              <a:t>We process missing values before developing machine learning models. </a:t>
-            </a:r>
+              <a:t>We process missing values before developing prediction model </a:t>
+            </a:r>
+          </a:p>
+          <a:p>
+            <a:pPr lvl="1"/>
+            <a:endParaRPr lang="en-US" dirty="0"/>
           </a:p>
           <a:p>
             <a:pPr lvl="1"/>
@@ -11853,7 +13215,7 @@
 </p:sld>
 </file>
 
-<file path=ppt/slides/slide7.xml><?xml version="1.0" encoding="utf-8"?>
+<file path=ppt/slides/slide9.xml><?xml version="1.0" encoding="utf-8"?>
 <p:sld xmlns:a="http://schemas.openxmlformats.org/drawingml/2006/main" xmlns:r="http://schemas.openxmlformats.org/officeDocument/2006/relationships" xmlns:p="http://schemas.openxmlformats.org/presentationml/2006/main">
   <p:cSld>
     <p:spTree>
@@ -12019,582 +13381,6 @@
     <p:extLst>
       <p:ext uri="{BB962C8B-B14F-4D97-AF65-F5344CB8AC3E}">
         <p14:creationId xmlns:p14="http://schemas.microsoft.com/office/powerpoint/2010/main" val="707190008"/>
-      </p:ext>
-    </p:extLst>
-  </p:cSld>
-  <p:clrMapOvr>
-    <a:masterClrMapping/>
-  </p:clrMapOvr>
-</p:sld>
-</file>
-
-<file path=ppt/slides/slide8.xml><?xml version="1.0" encoding="utf-8"?>
-<p:sld xmlns:a="http://schemas.openxmlformats.org/drawingml/2006/main" xmlns:r="http://schemas.openxmlformats.org/officeDocument/2006/relationships" xmlns:p="http://schemas.openxmlformats.org/presentationml/2006/main">
-  <p:cSld>
-    <p:spTree>
-      <p:nvGrpSpPr>
-        <p:cNvPr id="1" name=""/>
-        <p:cNvGrpSpPr/>
-        <p:nvPr/>
-      </p:nvGrpSpPr>
-      <p:grpSpPr>
-        <a:xfrm>
-          <a:off x="0" y="0"/>
-          <a:ext cx="0" cy="0"/>
-          <a:chOff x="0" y="0"/>
-          <a:chExt cx="0" cy="0"/>
-        </a:xfrm>
-      </p:grpSpPr>
-      <p:sp>
-        <p:nvSpPr>
-          <p:cNvPr id="2" name="Title 1">
-            <a:extLst>
-              <a:ext uri="{FF2B5EF4-FFF2-40B4-BE49-F238E27FC236}">
-                <a16:creationId xmlns:a16="http://schemas.microsoft.com/office/drawing/2014/main" id="{C91C1884-537C-088C-76B3-8D073201D118}"/>
-              </a:ext>
-            </a:extLst>
-          </p:cNvPr>
-          <p:cNvSpPr>
-            <a:spLocks noGrp="1"/>
-          </p:cNvSpPr>
-          <p:nvPr>
-            <p:ph type="title"/>
-          </p:nvPr>
-        </p:nvSpPr>
-        <p:spPr>
-          <a:xfrm>
-            <a:off x="755862" y="34703"/>
-            <a:ext cx="10515600" cy="1325563"/>
-          </a:xfrm>
-        </p:spPr>
-        <p:txBody>
-          <a:bodyPr/>
-          <a:lstStyle/>
-          <a:p>
-            <a:r>
-              <a:rPr lang="en-US" dirty="0"/>
-              <a:t>   Churn vs. Tenure </a:t>
-            </a:r>
-          </a:p>
-        </p:txBody>
-      </p:sp>
-      <p:pic>
-        <p:nvPicPr>
-          <p:cNvPr id="2050" name="Picture 2">
-            <a:extLst>
-              <a:ext uri="{FF2B5EF4-FFF2-40B4-BE49-F238E27FC236}">
-                <a16:creationId xmlns:a16="http://schemas.microsoft.com/office/drawing/2014/main" id="{D46E5F59-AB3A-4309-8D53-746B2C3D1141}"/>
-              </a:ext>
-            </a:extLst>
-          </p:cNvPr>
-          <p:cNvPicPr>
-            <a:picLocks noGrp="1" noChangeAspect="1" noChangeArrowheads="1"/>
-          </p:cNvPicPr>
-          <p:nvPr>
-            <p:ph idx="1"/>
-          </p:nvPr>
-        </p:nvPicPr>
-        <p:blipFill>
-          <a:blip r:embed="rId2">
-            <a:extLst>
-              <a:ext uri="{28A0092B-C50C-407E-A947-70E740481C1C}">
-                <a14:useLocalDpi xmlns:a14="http://schemas.microsoft.com/office/drawing/2010/main" val="0"/>
-              </a:ext>
-            </a:extLst>
-          </a:blip>
-          <a:srcRect/>
-          <a:stretch>
-            <a:fillRect/>
-          </a:stretch>
-        </p:blipFill>
-        <p:spPr bwMode="auto">
-          <a:xfrm>
-            <a:off x="7031421" y="1140194"/>
-            <a:ext cx="4298216" cy="3889886"/>
-          </a:xfrm>
-          <a:prstGeom prst="rect">
-            <a:avLst/>
-          </a:prstGeom>
-          <a:noFill/>
-          <a:extLst>
-            <a:ext uri="{909E8E84-426E-40DD-AFC4-6F175D3DCCD1}">
-              <a14:hiddenFill xmlns:a14="http://schemas.microsoft.com/office/drawing/2010/main">
-                <a:solidFill>
-                  <a:srgbClr val="FFFFFF"/>
-                </a:solidFill>
-              </a14:hiddenFill>
-            </a:ext>
-          </a:extLst>
-        </p:spPr>
-      </p:pic>
-      <p:sp>
-        <p:nvSpPr>
-          <p:cNvPr id="5" name="TextBox 4">
-            <a:extLst>
-              <a:ext uri="{FF2B5EF4-FFF2-40B4-BE49-F238E27FC236}">
-                <a16:creationId xmlns:a16="http://schemas.microsoft.com/office/drawing/2014/main" id="{04B6B24F-4D63-6B76-6A63-94258CFBC76A}"/>
-              </a:ext>
-            </a:extLst>
-          </p:cNvPr>
-          <p:cNvSpPr txBox="1"/>
-          <p:nvPr/>
-        </p:nvSpPr>
-        <p:spPr>
-          <a:xfrm>
-            <a:off x="755862" y="5030080"/>
-            <a:ext cx="11026235" cy="1754326"/>
-          </a:xfrm>
-          <a:prstGeom prst="rect">
-            <a:avLst/>
-          </a:prstGeom>
-          <a:noFill/>
-        </p:spPr>
-        <p:txBody>
-          <a:bodyPr wrap="square">
-            <a:spAutoFit/>
-          </a:bodyPr>
-          <a:lstStyle/>
-          <a:p>
-            <a:pPr marL="285750" indent="-285750">
-              <a:buFont typeface="Arial" panose="020B0604020202020204" pitchFamily="34" charset="0"/>
-              <a:buChar char="•"/>
-            </a:pPr>
-            <a:r>
-              <a:rPr lang="en-US" b="0" dirty="0">
-                <a:solidFill>
-                  <a:srgbClr val="008000"/>
-                </a:solidFill>
-                <a:effectLst/>
-                <a:latin typeface="Courier New" panose="02070309020205020404" pitchFamily="49" charset="0"/>
-              </a:rPr>
-              <a:t>Assuming that here Tenure is in months - input file doesn't mention the unit. 50% or more customers Churn within their first month and 35% of customers Churn within their first 3 months. From CX perspective, we need to focus on retaining new customers. E.g., customers who has not completed their first 3 months. So, they need to be targeted with positive campaign.</a:t>
-            </a:r>
-          </a:p>
-          <a:p>
-            <a:pPr marL="285750" indent="-285750">
-              <a:buFont typeface="Arial" panose="020B0604020202020204" pitchFamily="34" charset="0"/>
-              <a:buChar char="•"/>
-            </a:pPr>
-            <a:r>
-              <a:rPr lang="en-US" b="0" dirty="0">
-                <a:solidFill>
-                  <a:srgbClr val="008000"/>
-                </a:solidFill>
-                <a:effectLst/>
-                <a:latin typeface="Courier New" panose="02070309020205020404" pitchFamily="49" charset="0"/>
-              </a:rPr>
-              <a:t>Association between Churn and Tenure is statistically significant</a:t>
-            </a:r>
-            <a:endParaRPr lang="en-US" b="0" dirty="0">
-              <a:solidFill>
-                <a:srgbClr val="000000"/>
-              </a:solidFill>
-              <a:effectLst/>
-              <a:latin typeface="Courier New" panose="02070309020205020404" pitchFamily="49" charset="0"/>
-            </a:endParaRPr>
-          </a:p>
-        </p:txBody>
-      </p:sp>
-      <p:pic>
-        <p:nvPicPr>
-          <p:cNvPr id="12290" name="Picture 2">
-            <a:extLst>
-              <a:ext uri="{FF2B5EF4-FFF2-40B4-BE49-F238E27FC236}">
-                <a16:creationId xmlns:a16="http://schemas.microsoft.com/office/drawing/2014/main" id="{2DE0A2D2-6B28-110E-227A-1088A796EE3B}"/>
-              </a:ext>
-            </a:extLst>
-          </p:cNvPr>
-          <p:cNvPicPr>
-            <a:picLocks noChangeAspect="1" noChangeArrowheads="1"/>
-          </p:cNvPicPr>
-          <p:nvPr/>
-        </p:nvPicPr>
-        <p:blipFill>
-          <a:blip r:embed="rId3">
-            <a:extLst>
-              <a:ext uri="{28A0092B-C50C-407E-A947-70E740481C1C}">
-                <a14:useLocalDpi xmlns:a14="http://schemas.microsoft.com/office/drawing/2010/main" val="0"/>
-              </a:ext>
-            </a:extLst>
-          </a:blip>
-          <a:srcRect/>
-          <a:stretch>
-            <a:fillRect/>
-          </a:stretch>
-        </p:blipFill>
-        <p:spPr bwMode="auto">
-          <a:xfrm>
-            <a:off x="814037" y="1140194"/>
-            <a:ext cx="4793599" cy="3969836"/>
-          </a:xfrm>
-          <a:prstGeom prst="rect">
-            <a:avLst/>
-          </a:prstGeom>
-          <a:noFill/>
-          <a:extLst>
-            <a:ext uri="{909E8E84-426E-40DD-AFC4-6F175D3DCCD1}">
-              <a14:hiddenFill xmlns:a14="http://schemas.microsoft.com/office/drawing/2010/main">
-                <a:solidFill>
-                  <a:srgbClr val="FFFFFF"/>
-                </a:solidFill>
-              </a14:hiddenFill>
-            </a:ext>
-          </a:extLst>
-        </p:spPr>
-      </p:pic>
-    </p:spTree>
-    <p:extLst>
-      <p:ext uri="{BB962C8B-B14F-4D97-AF65-F5344CB8AC3E}">
-        <p14:creationId xmlns:p14="http://schemas.microsoft.com/office/powerpoint/2010/main" val="4293274753"/>
-      </p:ext>
-    </p:extLst>
-  </p:cSld>
-  <p:clrMapOvr>
-    <a:masterClrMapping/>
-  </p:clrMapOvr>
-</p:sld>
-</file>
-
-<file path=ppt/slides/slide9.xml><?xml version="1.0" encoding="utf-8"?>
-<p:sld xmlns:a="http://schemas.openxmlformats.org/drawingml/2006/main" xmlns:r="http://schemas.openxmlformats.org/officeDocument/2006/relationships" xmlns:p="http://schemas.openxmlformats.org/presentationml/2006/main">
-  <p:cSld>
-    <p:spTree>
-      <p:nvGrpSpPr>
-        <p:cNvPr id="1" name=""/>
-        <p:cNvGrpSpPr/>
-        <p:nvPr/>
-      </p:nvGrpSpPr>
-      <p:grpSpPr>
-        <a:xfrm>
-          <a:off x="0" y="0"/>
-          <a:ext cx="0" cy="0"/>
-          <a:chOff x="0" y="0"/>
-          <a:chExt cx="0" cy="0"/>
-        </a:xfrm>
-      </p:grpSpPr>
-      <p:sp>
-        <p:nvSpPr>
-          <p:cNvPr id="2" name="Title 1">
-            <a:extLst>
-              <a:ext uri="{FF2B5EF4-FFF2-40B4-BE49-F238E27FC236}">
-                <a16:creationId xmlns:a16="http://schemas.microsoft.com/office/drawing/2014/main" id="{C91C1884-537C-088C-76B3-8D073201D118}"/>
-              </a:ext>
-            </a:extLst>
-          </p:cNvPr>
-          <p:cNvSpPr>
-            <a:spLocks noGrp="1"/>
-          </p:cNvSpPr>
-          <p:nvPr>
-            <p:ph type="title"/>
-          </p:nvPr>
-        </p:nvSpPr>
-        <p:spPr/>
-        <p:txBody>
-          <a:bodyPr/>
-          <a:lstStyle/>
-          <a:p>
-            <a:r>
-              <a:rPr lang="en-US" dirty="0"/>
-              <a:t>Churn vs. </a:t>
-            </a:r>
-            <a:r>
-              <a:rPr lang="en-US" dirty="0" err="1"/>
-              <a:t>PreferredLoginDevice</a:t>
-            </a:r>
-            <a:r>
-              <a:rPr lang="en-US" dirty="0"/>
-              <a:t> </a:t>
-            </a:r>
-          </a:p>
-        </p:txBody>
-      </p:sp>
-      <p:sp>
-        <p:nvSpPr>
-          <p:cNvPr id="5" name="TextBox 4">
-            <a:extLst>
-              <a:ext uri="{FF2B5EF4-FFF2-40B4-BE49-F238E27FC236}">
-                <a16:creationId xmlns:a16="http://schemas.microsoft.com/office/drawing/2014/main" id="{04B6B24F-4D63-6B76-6A63-94258CFBC76A}"/>
-              </a:ext>
-            </a:extLst>
-          </p:cNvPr>
-          <p:cNvSpPr txBox="1"/>
-          <p:nvPr/>
-        </p:nvSpPr>
-        <p:spPr>
-          <a:xfrm>
-            <a:off x="6549930" y="1322698"/>
-            <a:ext cx="5415329" cy="5909310"/>
-          </a:xfrm>
-          <a:prstGeom prst="rect">
-            <a:avLst/>
-          </a:prstGeom>
-          <a:noFill/>
-        </p:spPr>
-        <p:txBody>
-          <a:bodyPr wrap="square">
-            <a:spAutoFit/>
-          </a:bodyPr>
-          <a:lstStyle/>
-          <a:p>
-            <a:endParaRPr lang="en-US" b="0" dirty="0">
-              <a:solidFill>
-                <a:srgbClr val="000000"/>
-              </a:solidFill>
-              <a:effectLst/>
-              <a:latin typeface="Courier New" panose="02070309020205020404" pitchFamily="49" charset="0"/>
-            </a:endParaRPr>
-          </a:p>
-          <a:p>
-            <a:pPr marL="285750" indent="-285750">
-              <a:buFont typeface="Arial" panose="020B0604020202020204" pitchFamily="34" charset="0"/>
-              <a:buChar char="•"/>
-            </a:pPr>
-            <a:r>
-              <a:rPr lang="en-US" b="0" dirty="0">
-                <a:solidFill>
-                  <a:srgbClr val="008000"/>
-                </a:solidFill>
-                <a:effectLst/>
-                <a:latin typeface="Courier New" panose="02070309020205020404" pitchFamily="49" charset="0"/>
-              </a:rPr>
-              <a:t>Customer who use phone to login to application Churned more than customers who used Computer or </a:t>
-            </a:r>
-            <a:r>
-              <a:rPr lang="en-US" b="0" dirty="0" err="1">
-                <a:solidFill>
-                  <a:srgbClr val="008000"/>
-                </a:solidFill>
-                <a:effectLst/>
-                <a:latin typeface="Courier New" panose="02070309020205020404" pitchFamily="49" charset="0"/>
-              </a:rPr>
-              <a:t>MobilePhone</a:t>
-            </a:r>
-            <a:r>
-              <a:rPr lang="en-US" b="0" dirty="0">
-                <a:solidFill>
-                  <a:srgbClr val="008000"/>
-                </a:solidFill>
-                <a:effectLst/>
-                <a:latin typeface="Courier New" panose="02070309020205020404" pitchFamily="49" charset="0"/>
-              </a:rPr>
-              <a:t>. </a:t>
-            </a:r>
-          </a:p>
-          <a:p>
-            <a:endParaRPr lang="en-US" dirty="0">
-              <a:solidFill>
-                <a:srgbClr val="008000"/>
-              </a:solidFill>
-              <a:latin typeface="Courier New" panose="02070309020205020404" pitchFamily="49" charset="0"/>
-            </a:endParaRPr>
-          </a:p>
-          <a:p>
-            <a:pPr marL="285750" indent="-285750">
-              <a:buFont typeface="Arial" panose="020B0604020202020204" pitchFamily="34" charset="0"/>
-              <a:buChar char="•"/>
-            </a:pPr>
-            <a:r>
-              <a:rPr lang="en-US" b="0" dirty="0">
-                <a:solidFill>
-                  <a:srgbClr val="008000"/>
-                </a:solidFill>
-                <a:effectLst/>
-                <a:latin typeface="Courier New" panose="02070309020205020404" pitchFamily="49" charset="0"/>
-              </a:rPr>
-              <a:t>20% or more customers who used Computer or Phone Churned. </a:t>
-            </a:r>
-          </a:p>
-          <a:p>
-            <a:pPr marL="285750" indent="-285750">
-              <a:buFont typeface="Arial" panose="020B0604020202020204" pitchFamily="34" charset="0"/>
-              <a:buChar char="•"/>
-            </a:pPr>
-            <a:endParaRPr lang="en-US" dirty="0">
-              <a:solidFill>
-                <a:srgbClr val="008000"/>
-              </a:solidFill>
-              <a:latin typeface="Courier New" panose="02070309020205020404" pitchFamily="49" charset="0"/>
-            </a:endParaRPr>
-          </a:p>
-          <a:p>
-            <a:pPr marL="285750" indent="-285750">
-              <a:buFont typeface="Arial" panose="020B0604020202020204" pitchFamily="34" charset="0"/>
-              <a:buChar char="•"/>
-            </a:pPr>
-            <a:r>
-              <a:rPr lang="en-US" b="0" dirty="0">
-                <a:solidFill>
-                  <a:srgbClr val="008000"/>
-                </a:solidFill>
-                <a:effectLst/>
-                <a:latin typeface="Courier New" panose="02070309020205020404" pitchFamily="49" charset="0"/>
-              </a:rPr>
-              <a:t>From CX perspective, we need to engage with </a:t>
-            </a:r>
-            <a:r>
-              <a:rPr lang="en-US" dirty="0">
-                <a:solidFill>
-                  <a:srgbClr val="008000"/>
-                </a:solidFill>
-                <a:latin typeface="Courier New" panose="02070309020205020404" pitchFamily="49" charset="0"/>
-              </a:rPr>
-              <a:t>customers</a:t>
-            </a:r>
-            <a:r>
-              <a:rPr lang="en-US" b="0" dirty="0">
-                <a:solidFill>
-                  <a:srgbClr val="008000"/>
-                </a:solidFill>
-                <a:effectLst/>
-                <a:latin typeface="Courier New" panose="02070309020205020404" pitchFamily="49" charset="0"/>
-              </a:rPr>
-              <a:t> who are using Phone or Computer to login to application to understand if they are facing any technical issue </a:t>
-            </a:r>
-          </a:p>
-          <a:p>
-            <a:pPr marL="285750" indent="-285750">
-              <a:buFont typeface="Arial" panose="020B0604020202020204" pitchFamily="34" charset="0"/>
-              <a:buChar char="•"/>
-            </a:pPr>
-            <a:endParaRPr lang="en-US" dirty="0">
-              <a:solidFill>
-                <a:srgbClr val="008000"/>
-              </a:solidFill>
-              <a:latin typeface="Courier New" panose="02070309020205020404" pitchFamily="49" charset="0"/>
-            </a:endParaRPr>
-          </a:p>
-          <a:p>
-            <a:pPr marL="285750" indent="-285750">
-              <a:buFont typeface="Arial" panose="020B0604020202020204" pitchFamily="34" charset="0"/>
-              <a:buChar char="•"/>
-            </a:pPr>
-            <a:r>
-              <a:rPr lang="en-US" b="0" dirty="0">
-                <a:solidFill>
-                  <a:srgbClr val="008000"/>
-                </a:solidFill>
-                <a:effectLst/>
-                <a:latin typeface="Courier New" panose="02070309020205020404" pitchFamily="49" charset="0"/>
-              </a:rPr>
-              <a:t>Association between Churn and </a:t>
-            </a:r>
-            <a:r>
-              <a:rPr lang="en-US" b="0" dirty="0" err="1">
-                <a:solidFill>
-                  <a:srgbClr val="008000"/>
-                </a:solidFill>
-                <a:effectLst/>
-                <a:latin typeface="Courier New" panose="02070309020205020404" pitchFamily="49" charset="0"/>
-              </a:rPr>
-              <a:t>PreferredLoginDevice</a:t>
-            </a:r>
-            <a:r>
-              <a:rPr lang="en-US" b="0" dirty="0">
-                <a:solidFill>
-                  <a:srgbClr val="008000"/>
-                </a:solidFill>
-                <a:effectLst/>
-                <a:latin typeface="Courier New" panose="02070309020205020404" pitchFamily="49" charset="0"/>
-              </a:rPr>
-              <a:t> is statistically significant</a:t>
-            </a:r>
-            <a:endParaRPr lang="en-US" b="0" dirty="0">
-              <a:solidFill>
-                <a:srgbClr val="000000"/>
-              </a:solidFill>
-              <a:effectLst/>
-              <a:latin typeface="Courier New" panose="02070309020205020404" pitchFamily="49" charset="0"/>
-            </a:endParaRPr>
-          </a:p>
-          <a:p>
-            <a:pPr marL="285750" indent="-285750">
-              <a:buFont typeface="Arial" panose="020B0604020202020204" pitchFamily="34" charset="0"/>
-              <a:buChar char="•"/>
-            </a:pPr>
-            <a:endParaRPr lang="en-US" b="0" dirty="0">
-              <a:solidFill>
-                <a:srgbClr val="008000"/>
-              </a:solidFill>
-              <a:effectLst/>
-              <a:latin typeface="Courier New" panose="02070309020205020404" pitchFamily="49" charset="0"/>
-            </a:endParaRPr>
-          </a:p>
-          <a:p>
-            <a:pPr marL="285750" indent="-285750">
-              <a:buFont typeface="Arial" panose="020B0604020202020204" pitchFamily="34" charset="0"/>
-              <a:buChar char="•"/>
-            </a:pPr>
-            <a:endParaRPr lang="en-US" dirty="0">
-              <a:solidFill>
-                <a:srgbClr val="008000"/>
-              </a:solidFill>
-              <a:latin typeface="Courier New" panose="02070309020205020404" pitchFamily="49" charset="0"/>
-            </a:endParaRPr>
-          </a:p>
-          <a:p>
-            <a:endParaRPr lang="en-US" b="0" dirty="0">
-              <a:solidFill>
-                <a:srgbClr val="000000"/>
-              </a:solidFill>
-              <a:effectLst/>
-              <a:latin typeface="Courier New" panose="02070309020205020404" pitchFamily="49" charset="0"/>
-            </a:endParaRPr>
-          </a:p>
-        </p:txBody>
-      </p:sp>
-      <p:pic>
-        <p:nvPicPr>
-          <p:cNvPr id="2052" name="Picture 4">
-            <a:extLst>
-              <a:ext uri="{FF2B5EF4-FFF2-40B4-BE49-F238E27FC236}">
-                <a16:creationId xmlns:a16="http://schemas.microsoft.com/office/drawing/2014/main" id="{CCF12588-A033-9D73-F36A-110F5BD8F521}"/>
-              </a:ext>
-            </a:extLst>
-          </p:cNvPr>
-          <p:cNvPicPr>
-            <a:picLocks noGrp="1" noChangeAspect="1" noChangeArrowheads="1"/>
-          </p:cNvPicPr>
-          <p:nvPr>
-            <p:ph idx="1"/>
-          </p:nvPr>
-        </p:nvPicPr>
-        <p:blipFill>
-          <a:blip r:embed="rId2">
-            <a:extLst>
-              <a:ext uri="{28A0092B-C50C-407E-A947-70E740481C1C}">
-                <a14:useLocalDpi xmlns:a14="http://schemas.microsoft.com/office/drawing/2010/main" val="0"/>
-              </a:ext>
-            </a:extLst>
-          </a:blip>
-          <a:srcRect/>
-          <a:stretch>
-            <a:fillRect/>
-          </a:stretch>
-        </p:blipFill>
-        <p:spPr bwMode="auto">
-          <a:xfrm>
-            <a:off x="948627" y="2025442"/>
-            <a:ext cx="4704149" cy="4351338"/>
-          </a:xfrm>
-          <a:prstGeom prst="rect">
-            <a:avLst/>
-          </a:prstGeom>
-          <a:noFill/>
-          <a:extLst>
-            <a:ext uri="{909E8E84-426E-40DD-AFC4-6F175D3DCCD1}">
-              <a14:hiddenFill xmlns:a14="http://schemas.microsoft.com/office/drawing/2010/main">
-                <a:solidFill>
-                  <a:srgbClr val="FFFFFF"/>
-                </a:solidFill>
-              </a14:hiddenFill>
-            </a:ext>
-          </a:extLst>
-        </p:spPr>
-      </p:pic>
-    </p:spTree>
-    <p:extLst>
-      <p:ext uri="{BB962C8B-B14F-4D97-AF65-F5344CB8AC3E}">
-        <p14:creationId xmlns:p14="http://schemas.microsoft.com/office/powerpoint/2010/main" val="2512079756"/>
       </p:ext>
     </p:extLst>
   </p:cSld>
